--- a/cademo/src/main/resources/认识HTTPS.pptx
+++ b/cademo/src/main/resources/认识HTTPS.pptx
@@ -2,29 +2,36 @@
 <file path=ppt/presentation.xml><?xml version="1.0" encoding="utf-8"?>
 <p:presentation xmlns:a="http://schemas.openxmlformats.org/drawingml/2006/main" xmlns:r="http://schemas.openxmlformats.org/officeDocument/2006/relationships" xmlns:p="http://schemas.openxmlformats.org/presentationml/2006/main">
   <p:sldMasterIdLst>
-    <p:sldMasterId id="2147483648" r:id="rId5"/>
+    <p:sldMasterId id="2147483648" r:id="rId1"/>
   </p:sldMasterIdLst>
   <p:notesMasterIdLst>
-    <p:notesMasterId r:id="rId7"/>
+    <p:notesMasterId r:id="rId26"/>
   </p:notesMasterIdLst>
   <p:sldIdLst>
-    <p:sldId id="256" r:id="rId8"/>
-    <p:sldId id="257" r:id="rId9"/>
-    <p:sldId id="258" r:id="rId10"/>
-    <p:sldId id="259" r:id="rId11"/>
-    <p:sldId id="260" r:id="rId12"/>
-    <p:sldId id="261" r:id="rId13"/>
-    <p:sldId id="262" r:id="rId14"/>
-    <p:sldId id="263" r:id="rId15"/>
-    <p:sldId id="264" r:id="rId16"/>
-    <p:sldId id="265" r:id="rId17"/>
-    <p:sldId id="266" r:id="rId18"/>
-    <p:sldId id="267" r:id="rId19"/>
-    <p:sldId id="268" r:id="rId20"/>
-    <p:sldId id="269" r:id="rId21"/>
-    <p:sldId id="270" r:id="rId22"/>
+    <p:sldId id="256" r:id="rId2"/>
+    <p:sldId id="257" r:id="rId3"/>
+    <p:sldId id="258" r:id="rId4"/>
+    <p:sldId id="259" r:id="rId5"/>
+    <p:sldId id="260" r:id="rId6"/>
+    <p:sldId id="261" r:id="rId7"/>
+    <p:sldId id="262" r:id="rId8"/>
+    <p:sldId id="263" r:id="rId9"/>
+    <p:sldId id="264" r:id="rId10"/>
+    <p:sldId id="265" r:id="rId11"/>
+    <p:sldId id="266" r:id="rId12"/>
+    <p:sldId id="273" r:id="rId13"/>
+    <p:sldId id="274" r:id="rId14"/>
+    <p:sldId id="275" r:id="rId15"/>
+    <p:sldId id="277" r:id="rId16"/>
+    <p:sldId id="278" r:id="rId17"/>
+    <p:sldId id="279" r:id="rId18"/>
+    <p:sldId id="280" r:id="rId19"/>
+    <p:sldId id="281" r:id="rId20"/>
+    <p:sldId id="282" r:id="rId21"/>
+    <p:sldId id="269" r:id="rId22"/>
     <p:sldId id="271" r:id="rId23"/>
-    <p:sldId id="272" r:id="rId24"/>
+    <p:sldId id="283" r:id="rId24"/>
+    <p:sldId id="272" r:id="rId25"/>
   </p:sldIdLst>
   <p:sldSz cx="13004800" cy="9753600"/>
   <p:notesSz cx="6858000" cy="9144000"/>
@@ -44,7 +51,7 @@
       <a:buFontTx/>
       <a:buNone/>
       <a:tabLst/>
-      <a:defRPr b="0" baseline="0" cap="none" i="0" spc="0" strike="noStrike" sz="1800" u="none" kumimoji="0" normalizeH="0">
+      <a:defRPr kumimoji="0" sz="1800" b="0" i="0" u="none" strike="noStrike" cap="none" spc="0" normalizeH="0" baseline="0">
         <a:ln>
           <a:noFill/>
         </a:ln>
@@ -70,7 +77,7 @@
       <a:buFontTx/>
       <a:buNone/>
       <a:tabLst/>
-      <a:defRPr b="0" baseline="0" cap="none" i="0" spc="0" strike="noStrike" sz="3800" u="none" kumimoji="0" normalizeH="0">
+      <a:defRPr kumimoji="0" sz="3800" b="0" i="0" u="none" strike="noStrike" cap="none" spc="0" normalizeH="0" baseline="0">
         <a:ln>
           <a:noFill/>
         </a:ln>
@@ -100,7 +107,7 @@
       <a:buFontTx/>
       <a:buNone/>
       <a:tabLst/>
-      <a:defRPr b="0" baseline="0" cap="none" i="0" spc="0" strike="noStrike" sz="3800" u="none" kumimoji="0" normalizeH="0">
+      <a:defRPr kumimoji="0" sz="3800" b="0" i="0" u="none" strike="noStrike" cap="none" spc="0" normalizeH="0" baseline="0">
         <a:ln>
           <a:noFill/>
         </a:ln>
@@ -130,7 +137,7 @@
       <a:buFontTx/>
       <a:buNone/>
       <a:tabLst/>
-      <a:defRPr b="0" baseline="0" cap="none" i="0" spc="0" strike="noStrike" sz="3800" u="none" kumimoji="0" normalizeH="0">
+      <a:defRPr kumimoji="0" sz="3800" b="0" i="0" u="none" strike="noStrike" cap="none" spc="0" normalizeH="0" baseline="0">
         <a:ln>
           <a:noFill/>
         </a:ln>
@@ -160,7 +167,7 @@
       <a:buFontTx/>
       <a:buNone/>
       <a:tabLst/>
-      <a:defRPr b="0" baseline="0" cap="none" i="0" spc="0" strike="noStrike" sz="3800" u="none" kumimoji="0" normalizeH="0">
+      <a:defRPr kumimoji="0" sz="3800" b="0" i="0" u="none" strike="noStrike" cap="none" spc="0" normalizeH="0" baseline="0">
         <a:ln>
           <a:noFill/>
         </a:ln>
@@ -190,7 +197,7 @@
       <a:buFontTx/>
       <a:buNone/>
       <a:tabLst/>
-      <a:defRPr b="0" baseline="0" cap="none" i="0" spc="0" strike="noStrike" sz="3800" u="none" kumimoji="0" normalizeH="0">
+      <a:defRPr kumimoji="0" sz="3800" b="0" i="0" u="none" strike="noStrike" cap="none" spc="0" normalizeH="0" baseline="0">
         <a:ln>
           <a:noFill/>
         </a:ln>
@@ -220,7 +227,7 @@
       <a:buFontTx/>
       <a:buNone/>
       <a:tabLst/>
-      <a:defRPr b="0" baseline="0" cap="none" i="0" spc="0" strike="noStrike" sz="3800" u="none" kumimoji="0" normalizeH="0">
+      <a:defRPr kumimoji="0" sz="3800" b="0" i="0" u="none" strike="noStrike" cap="none" spc="0" normalizeH="0" baseline="0">
         <a:ln>
           <a:noFill/>
         </a:ln>
@@ -250,7 +257,7 @@
       <a:buFontTx/>
       <a:buNone/>
       <a:tabLst/>
-      <a:defRPr b="0" baseline="0" cap="none" i="0" spc="0" strike="noStrike" sz="3800" u="none" kumimoji="0" normalizeH="0">
+      <a:defRPr kumimoji="0" sz="3800" b="0" i="0" u="none" strike="noStrike" cap="none" spc="0" normalizeH="0" baseline="0">
         <a:ln>
           <a:noFill/>
         </a:ln>
@@ -280,7 +287,7 @@
       <a:buFontTx/>
       <a:buNone/>
       <a:tabLst/>
-      <a:defRPr b="0" baseline="0" cap="none" i="0" spc="0" strike="noStrike" sz="3800" u="none" kumimoji="0" normalizeH="0">
+      <a:defRPr kumimoji="0" sz="3800" b="0" i="0" u="none" strike="noStrike" cap="none" spc="0" normalizeH="0" baseline="0">
         <a:ln>
           <a:noFill/>
         </a:ln>
@@ -310,7 +317,7 @@
       <a:buFontTx/>
       <a:buNone/>
       <a:tabLst/>
-      <a:defRPr b="0" baseline="0" cap="none" i="0" spc="0" strike="noStrike" sz="3800" u="none" kumimoji="0" normalizeH="0">
+      <a:defRPr kumimoji="0" sz="3800" b="0" i="0" u="none" strike="noStrike" cap="none" spc="0" normalizeH="0" baseline="0">
         <a:ln>
           <a:noFill/>
         </a:ln>
@@ -329,13 +336,14 @@
 </p:presentation>
 </file>
 
-<file path=ppt/commentAuthors.xml><?xml version="1.0" encoding="utf-8"?>
-<p:cmAuthorLst xmlns:a="http://schemas.openxmlformats.org/drawingml/2006/main" xmlns:r="http://schemas.openxmlformats.org/officeDocument/2006/relationships" xmlns:p="http://schemas.openxmlformats.org/presentationml/2006/main"/>
-</file>
-
 <file path=ppt/notesMasters/notesMaster1.xml><?xml version="1.0" encoding="utf-8"?>
 <p:notesMaster xmlns:a="http://schemas.openxmlformats.org/drawingml/2006/main" xmlns:r="http://schemas.openxmlformats.org/officeDocument/2006/relationships" xmlns:p="http://schemas.openxmlformats.org/presentationml/2006/main">
   <p:cSld>
+    <p:bg>
+      <p:bgRef idx="1001">
+        <a:schemeClr val="bg1"/>
+      </p:bgRef>
+    </p:bg>
     <p:spTree>
       <p:nvGrpSpPr>
         <p:cNvPr id="1" name=""/>
@@ -353,7 +361,9 @@
       <p:sp>
         <p:nvSpPr>
           <p:cNvPr id="116" name="Shape 116"/>
-          <p:cNvSpPr/>
+          <p:cNvSpPr>
+            <a:spLocks noGrp="1" noRot="1" noChangeAspect="1"/>
+          </p:cNvSpPr>
           <p:nvPr>
             <p:ph type="sldImg"/>
           </p:nvPr>
@@ -371,14 +381,16 @@
           <a:bodyPr/>
           <a:lstStyle/>
           <a:p>
-            <a:pPr/>
+            <a:endParaRPr/>
           </a:p>
         </p:txBody>
       </p:sp>
       <p:sp>
         <p:nvSpPr>
           <p:cNvPr id="117" name="Shape 117"/>
-          <p:cNvSpPr/>
+          <p:cNvSpPr>
+            <a:spLocks noGrp="1"/>
+          </p:cNvSpPr>
           <p:nvPr>
             <p:ph type="body" sz="quarter" idx="1"/>
           </p:nvPr>
@@ -396,11 +408,16 @@
           <a:bodyPr/>
           <a:lstStyle/>
           <a:p>
-            <a:pPr/>
+            <a:endParaRPr/>
           </a:p>
         </p:txBody>
       </p:sp>
     </p:spTree>
+    <p:extLst>
+      <p:ext uri="{BB962C8B-B14F-4D97-AF65-F5344CB8AC3E}">
+        <p14:creationId xmlns:p14="http://schemas.microsoft.com/office/powerpoint/2010/main" val="1555528417"/>
+      </p:ext>
+    </p:extLst>
   </p:cSld>
   <p:clrMap bg1="lt1" tx1="dk1" bg2="lt2" tx2="dk2" accent1="accent1" accent2="accent2" accent3="accent3" accent4="accent4" accent5="accent5" accent6="accent6" hlink="hlink" folHlink="folHlink"/>
   <p:notesStyle>
@@ -508,7 +525,7 @@
 </file>
 
 <file path=ppt/slideLayouts/slideLayout1.xml><?xml version="1.0" encoding="utf-8"?>
-<p:sldLayout xmlns:a="http://schemas.openxmlformats.org/drawingml/2006/main" xmlns:r="http://schemas.openxmlformats.org/officeDocument/2006/relationships" xmlns:p="http://schemas.openxmlformats.org/presentationml/2006/main" type="title" showMasterSp="1" showMasterPhAnim="1">
+<p:sldLayout xmlns:a="http://schemas.openxmlformats.org/drawingml/2006/main" xmlns:r="http://schemas.openxmlformats.org/officeDocument/2006/relationships" xmlns:p="http://schemas.openxmlformats.org/presentationml/2006/main" type="title">
   <p:cSld name="标题与副标题">
     <p:spTree>
       <p:nvGrpSpPr>
@@ -527,7 +544,9 @@
       <p:sp>
         <p:nvSpPr>
           <p:cNvPr id="11" name="标题文本"/>
-          <p:cNvSpPr txBox="1"/>
+          <p:cNvSpPr txBox="1">
+            <a:spLocks noGrp="1"/>
+          </p:cNvSpPr>
           <p:nvPr>
             <p:ph type="title"/>
           </p:nvPr>
@@ -545,7 +564,6 @@
           <a:bodyPr anchor="b"/>
           <a:lstStyle/>
           <a:p>
-            <a:pPr/>
             <a:r>
               <a:t>标题文本</a:t>
             </a:r>
@@ -555,7 +573,9 @@
       <p:sp>
         <p:nvSpPr>
           <p:cNvPr id="12" name="正文级别 1…"/>
-          <p:cNvSpPr txBox="1"/>
+          <p:cNvSpPr txBox="1">
+            <a:spLocks noGrp="1"/>
+          </p:cNvSpPr>
           <p:nvPr>
             <p:ph type="body" sz="quarter" idx="1"/>
           </p:nvPr>
@@ -614,7 +634,6 @@
             </a:lvl5pPr>
           </a:lstStyle>
           <a:p>
-            <a:pPr/>
             <a:r>
               <a:t>正文级别 1</a:t>
             </a:r>
@@ -648,7 +667,9 @@
       <p:sp>
         <p:nvSpPr>
           <p:cNvPr id="13" name="幻灯片编号"/>
-          <p:cNvSpPr txBox="1"/>
+          <p:cNvSpPr txBox="1">
+            <a:spLocks noGrp="1"/>
+          </p:cNvSpPr>
           <p:nvPr>
             <p:ph type="sldNum" sz="quarter" idx="2"/>
           </p:nvPr>
@@ -662,8 +683,10 @@
           <a:bodyPr/>
           <a:lstStyle/>
           <a:p>
-            <a:pPr/>
-            <a:fld id="{86CB4B4D-7CA3-9044-876B-883B54F8677D}" type="slidenum"/>
+            <a:fld id="{86CB4B4D-7CA3-9044-876B-883B54F8677D}" type="slidenum">
+              <a:t>‹#›</a:t>
+            </a:fld>
+            <a:endParaRPr/>
           </a:p>
         </p:txBody>
       </p:sp>
@@ -672,12 +695,12 @@
   <p:clrMapOvr>
     <a:masterClrMapping/>
   </p:clrMapOvr>
-  <p:transition xmlns:p14="http://schemas.microsoft.com/office/powerpoint/2010/main" spd="med" advClick="1"/>
+  <p:transition spd="med"/>
 </p:sldLayout>
 </file>
 
 <file path=ppt/slideLayouts/slideLayout10.xml><?xml version="1.0" encoding="utf-8"?>
-<p:sldLayout xmlns:a="http://schemas.openxmlformats.org/drawingml/2006/main" xmlns:r="http://schemas.openxmlformats.org/officeDocument/2006/relationships" xmlns:p="http://schemas.openxmlformats.org/presentationml/2006/main" type="tx" showMasterSp="1" showMasterPhAnim="1">
+<p:sldLayout xmlns:a="http://schemas.openxmlformats.org/drawingml/2006/main" xmlns:r="http://schemas.openxmlformats.org/officeDocument/2006/relationships" xmlns:p="http://schemas.openxmlformats.org/presentationml/2006/main" type="tx">
   <p:cSld name="引文">
     <p:spTree>
       <p:nvGrpSpPr>
@@ -696,7 +719,9 @@
       <p:sp>
         <p:nvSpPr>
           <p:cNvPr id="93" name="正文级别 1…"/>
-          <p:cNvSpPr txBox="1"/>
+          <p:cNvSpPr txBox="1">
+            <a:spLocks noGrp="1"/>
+          </p:cNvSpPr>
           <p:nvPr>
             <p:ph type="body" sz="quarter" idx="1"/>
           </p:nvPr>
@@ -719,7 +744,7 @@
               </a:spcBef>
               <a:buSzTx/>
               <a:buNone/>
-              <a:defRPr b="1" sz="2800">
+              <a:defRPr sz="2800" b="1">
                 <a:latin typeface="+mj-lt"/>
                 <a:ea typeface="+mj-ea"/>
                 <a:cs typeface="+mj-cs"/>
@@ -730,7 +755,7 @@
               <a:spcBef>
                 <a:spcPts val="0"/>
               </a:spcBef>
-              <a:defRPr b="1" sz="2800">
+              <a:defRPr sz="2800" b="1">
                 <a:latin typeface="+mj-lt"/>
                 <a:ea typeface="+mj-ea"/>
                 <a:cs typeface="+mj-cs"/>
@@ -741,7 +766,7 @@
               <a:spcBef>
                 <a:spcPts val="0"/>
               </a:spcBef>
-              <a:defRPr b="1" sz="2800">
+              <a:defRPr sz="2800" b="1">
                 <a:latin typeface="+mj-lt"/>
                 <a:ea typeface="+mj-ea"/>
                 <a:cs typeface="+mj-cs"/>
@@ -752,7 +777,7 @@
               <a:spcBef>
                 <a:spcPts val="0"/>
               </a:spcBef>
-              <a:defRPr b="1" sz="2800">
+              <a:defRPr sz="2800" b="1">
                 <a:latin typeface="+mj-lt"/>
                 <a:ea typeface="+mj-ea"/>
                 <a:cs typeface="+mj-cs"/>
@@ -763,7 +788,7 @@
               <a:spcBef>
                 <a:spcPts val="0"/>
               </a:spcBef>
-              <a:defRPr b="1" sz="2800">
+              <a:defRPr sz="2800" b="1">
                 <a:latin typeface="+mj-lt"/>
                 <a:ea typeface="+mj-ea"/>
                 <a:cs typeface="+mj-cs"/>
@@ -772,7 +797,6 @@
             </a:lvl5pPr>
           </a:lstStyle>
           <a:p>
-            <a:pPr/>
             <a:r>
               <a:t>正文级别 1</a:t>
             </a:r>
@@ -806,7 +830,9 @@
       <p:sp>
         <p:nvSpPr>
           <p:cNvPr id="94" name="“在此键入引文。”"/>
-          <p:cNvSpPr txBox="1"/>
+          <p:cNvSpPr txBox="1">
+            <a:spLocks noGrp="1"/>
+          </p:cNvSpPr>
           <p:nvPr>
             <p:ph type="body" sz="quarter" idx="13"/>
           </p:nvPr>
@@ -832,13 +858,16 @@
               <a:buNone/>
               <a:defRPr sz="4000"/>
             </a:pPr>
+            <a:endParaRPr/>
           </a:p>
         </p:txBody>
       </p:sp>
       <p:sp>
         <p:nvSpPr>
           <p:cNvPr id="95" name="幻灯片编号"/>
-          <p:cNvSpPr txBox="1"/>
+          <p:cNvSpPr txBox="1">
+            <a:spLocks noGrp="1"/>
+          </p:cNvSpPr>
           <p:nvPr>
             <p:ph type="sldNum" sz="quarter" idx="2"/>
           </p:nvPr>
@@ -852,8 +881,10 @@
           <a:bodyPr/>
           <a:lstStyle/>
           <a:p>
-            <a:pPr/>
-            <a:fld id="{86CB4B4D-7CA3-9044-876B-883B54F8677D}" type="slidenum"/>
+            <a:fld id="{86CB4B4D-7CA3-9044-876B-883B54F8677D}" type="slidenum">
+              <a:t>‹#›</a:t>
+            </a:fld>
+            <a:endParaRPr/>
           </a:p>
         </p:txBody>
       </p:sp>
@@ -862,12 +893,12 @@
   <p:clrMapOvr>
     <a:masterClrMapping/>
   </p:clrMapOvr>
-  <p:transition xmlns:p14="http://schemas.microsoft.com/office/powerpoint/2010/main" spd="med" advClick="1"/>
+  <p:transition spd="med"/>
 </p:sldLayout>
 </file>
 
 <file path=ppt/slideLayouts/slideLayout11.xml><?xml version="1.0" encoding="utf-8"?>
-<p:sldLayout xmlns:a="http://schemas.openxmlformats.org/drawingml/2006/main" xmlns:r="http://schemas.openxmlformats.org/officeDocument/2006/relationships" xmlns:p="http://schemas.openxmlformats.org/presentationml/2006/main" type="tx" showMasterSp="1" showMasterPhAnim="1">
+<p:sldLayout xmlns:a="http://schemas.openxmlformats.org/drawingml/2006/main" xmlns:r="http://schemas.openxmlformats.org/officeDocument/2006/relationships" xmlns:p="http://schemas.openxmlformats.org/presentationml/2006/main" type="tx">
   <p:cSld name="照片">
     <p:spTree>
       <p:nvGrpSpPr>
@@ -886,7 +917,9 @@
       <p:sp>
         <p:nvSpPr>
           <p:cNvPr id="102" name="图像"/>
-          <p:cNvSpPr/>
+          <p:cNvSpPr>
+            <a:spLocks noGrp="1"/>
+          </p:cNvSpPr>
           <p:nvPr>
             <p:ph type="pic" idx="13"/>
           </p:nvPr>
@@ -906,14 +939,16 @@
           </a:bodyPr>
           <a:lstStyle/>
           <a:p>
-            <a:pPr/>
+            <a:endParaRPr/>
           </a:p>
         </p:txBody>
       </p:sp>
       <p:sp>
         <p:nvSpPr>
           <p:cNvPr id="103" name="幻灯片编号"/>
-          <p:cNvSpPr txBox="1"/>
+          <p:cNvSpPr txBox="1">
+            <a:spLocks noGrp="1"/>
+          </p:cNvSpPr>
           <p:nvPr>
             <p:ph type="sldNum" sz="quarter" idx="2"/>
           </p:nvPr>
@@ -927,8 +962,10 @@
           <a:bodyPr/>
           <a:lstStyle/>
           <a:p>
-            <a:pPr/>
-            <a:fld id="{86CB4B4D-7CA3-9044-876B-883B54F8677D}" type="slidenum"/>
+            <a:fld id="{86CB4B4D-7CA3-9044-876B-883B54F8677D}" type="slidenum">
+              <a:t>‹#›</a:t>
+            </a:fld>
+            <a:endParaRPr/>
           </a:p>
         </p:txBody>
       </p:sp>
@@ -937,12 +974,12 @@
   <p:clrMapOvr>
     <a:masterClrMapping/>
   </p:clrMapOvr>
-  <p:transition xmlns:p14="http://schemas.microsoft.com/office/powerpoint/2010/main" spd="med" advClick="1"/>
+  <p:transition spd="med"/>
 </p:sldLayout>
 </file>
 
 <file path=ppt/slideLayouts/slideLayout12.xml><?xml version="1.0" encoding="utf-8"?>
-<p:sldLayout xmlns:a="http://schemas.openxmlformats.org/drawingml/2006/main" xmlns:r="http://schemas.openxmlformats.org/officeDocument/2006/relationships" xmlns:p="http://schemas.openxmlformats.org/presentationml/2006/main" type="tx" showMasterSp="1" showMasterPhAnim="1">
+<p:sldLayout xmlns:a="http://schemas.openxmlformats.org/drawingml/2006/main" xmlns:r="http://schemas.openxmlformats.org/officeDocument/2006/relationships" xmlns:p="http://schemas.openxmlformats.org/presentationml/2006/main" type="tx">
   <p:cSld name="空白">
     <p:spTree>
       <p:nvGrpSpPr>
@@ -961,7 +998,9 @@
       <p:sp>
         <p:nvSpPr>
           <p:cNvPr id="110" name="幻灯片编号"/>
-          <p:cNvSpPr txBox="1"/>
+          <p:cNvSpPr txBox="1">
+            <a:spLocks noGrp="1"/>
+          </p:cNvSpPr>
           <p:nvPr>
             <p:ph type="sldNum" sz="quarter" idx="2"/>
           </p:nvPr>
@@ -975,8 +1014,10 @@
           <a:bodyPr/>
           <a:lstStyle/>
           <a:p>
-            <a:pPr/>
-            <a:fld id="{86CB4B4D-7CA3-9044-876B-883B54F8677D}" type="slidenum"/>
+            <a:fld id="{86CB4B4D-7CA3-9044-876B-883B54F8677D}" type="slidenum">
+              <a:t>‹#›</a:t>
+            </a:fld>
+            <a:endParaRPr/>
           </a:p>
         </p:txBody>
       </p:sp>
@@ -985,12 +1026,12 @@
   <p:clrMapOvr>
     <a:masterClrMapping/>
   </p:clrMapOvr>
-  <p:transition xmlns:p14="http://schemas.microsoft.com/office/powerpoint/2010/main" spd="med" advClick="1"/>
+  <p:transition spd="med"/>
 </p:sldLayout>
 </file>
 
 <file path=ppt/slideLayouts/slideLayout2.xml><?xml version="1.0" encoding="utf-8"?>
-<p:sldLayout xmlns:a="http://schemas.openxmlformats.org/drawingml/2006/main" xmlns:r="http://schemas.openxmlformats.org/officeDocument/2006/relationships" xmlns:p="http://schemas.openxmlformats.org/presentationml/2006/main" type="tx" showMasterSp="1" showMasterPhAnim="1">
+<p:sldLayout xmlns:a="http://schemas.openxmlformats.org/drawingml/2006/main" xmlns:r="http://schemas.openxmlformats.org/officeDocument/2006/relationships" xmlns:p="http://schemas.openxmlformats.org/presentationml/2006/main" type="tx">
   <p:cSld name="照片 - 水平">
     <p:spTree>
       <p:nvGrpSpPr>
@@ -1009,7 +1050,9 @@
       <p:sp>
         <p:nvSpPr>
           <p:cNvPr id="20" name="图像"/>
-          <p:cNvSpPr/>
+          <p:cNvSpPr>
+            <a:spLocks noGrp="1"/>
+          </p:cNvSpPr>
           <p:nvPr>
             <p:ph type="pic" idx="13"/>
           </p:nvPr>
@@ -1029,14 +1072,16 @@
           </a:bodyPr>
           <a:lstStyle/>
           <a:p>
-            <a:pPr/>
+            <a:endParaRPr/>
           </a:p>
         </p:txBody>
       </p:sp>
       <p:sp>
         <p:nvSpPr>
           <p:cNvPr id="21" name="标题文本"/>
-          <p:cNvSpPr txBox="1"/>
+          <p:cNvSpPr txBox="1">
+            <a:spLocks noGrp="1"/>
+          </p:cNvSpPr>
           <p:nvPr>
             <p:ph type="title"/>
           </p:nvPr>
@@ -1054,7 +1099,6 @@
           <a:bodyPr anchor="b"/>
           <a:lstStyle/>
           <a:p>
-            <a:pPr/>
             <a:r>
               <a:t>标题文本</a:t>
             </a:r>
@@ -1064,7 +1108,9 @@
       <p:sp>
         <p:nvSpPr>
           <p:cNvPr id="22" name="正文级别 1…"/>
-          <p:cNvSpPr txBox="1"/>
+          <p:cNvSpPr txBox="1">
+            <a:spLocks noGrp="1"/>
+          </p:cNvSpPr>
           <p:nvPr>
             <p:ph type="body" sz="quarter" idx="1"/>
           </p:nvPr>
@@ -1123,7 +1169,6 @@
             </a:lvl5pPr>
           </a:lstStyle>
           <a:p>
-            <a:pPr/>
             <a:r>
               <a:t>正文级别 1</a:t>
             </a:r>
@@ -1157,7 +1202,9 @@
       <p:sp>
         <p:nvSpPr>
           <p:cNvPr id="23" name="幻灯片编号"/>
-          <p:cNvSpPr txBox="1"/>
+          <p:cNvSpPr txBox="1">
+            <a:spLocks noGrp="1"/>
+          </p:cNvSpPr>
           <p:nvPr>
             <p:ph type="sldNum" sz="quarter" idx="2"/>
           </p:nvPr>
@@ -1171,8 +1218,10 @@
           <a:bodyPr/>
           <a:lstStyle/>
           <a:p>
-            <a:pPr/>
-            <a:fld id="{86CB4B4D-7CA3-9044-876B-883B54F8677D}" type="slidenum"/>
+            <a:fld id="{86CB4B4D-7CA3-9044-876B-883B54F8677D}" type="slidenum">
+              <a:t>‹#›</a:t>
+            </a:fld>
+            <a:endParaRPr/>
           </a:p>
         </p:txBody>
       </p:sp>
@@ -1181,12 +1230,12 @@
   <p:clrMapOvr>
     <a:masterClrMapping/>
   </p:clrMapOvr>
-  <p:transition xmlns:p14="http://schemas.microsoft.com/office/powerpoint/2010/main" spd="med" advClick="1"/>
+  <p:transition spd="med"/>
 </p:sldLayout>
 </file>
 
 <file path=ppt/slideLayouts/slideLayout3.xml><?xml version="1.0" encoding="utf-8"?>
-<p:sldLayout xmlns:a="http://schemas.openxmlformats.org/drawingml/2006/main" xmlns:r="http://schemas.openxmlformats.org/officeDocument/2006/relationships" xmlns:p="http://schemas.openxmlformats.org/presentationml/2006/main" type="tx" showMasterSp="1" showMasterPhAnim="1">
+<p:sldLayout xmlns:a="http://schemas.openxmlformats.org/drawingml/2006/main" xmlns:r="http://schemas.openxmlformats.org/officeDocument/2006/relationships" xmlns:p="http://schemas.openxmlformats.org/presentationml/2006/main" type="tx">
   <p:cSld name="标题 - 居中">
     <p:spTree>
       <p:nvGrpSpPr>
@@ -1205,7 +1254,9 @@
       <p:sp>
         <p:nvSpPr>
           <p:cNvPr id="30" name="标题文本"/>
-          <p:cNvSpPr txBox="1"/>
+          <p:cNvSpPr txBox="1">
+            <a:spLocks noGrp="1"/>
+          </p:cNvSpPr>
           <p:nvPr>
             <p:ph type="title"/>
           </p:nvPr>
@@ -1223,7 +1274,6 @@
           <a:bodyPr/>
           <a:lstStyle/>
           <a:p>
-            <a:pPr/>
             <a:r>
               <a:t>标题文本</a:t>
             </a:r>
@@ -1233,7 +1283,9 @@
       <p:sp>
         <p:nvSpPr>
           <p:cNvPr id="31" name="幻灯片编号"/>
-          <p:cNvSpPr txBox="1"/>
+          <p:cNvSpPr txBox="1">
+            <a:spLocks noGrp="1"/>
+          </p:cNvSpPr>
           <p:nvPr>
             <p:ph type="sldNum" sz="quarter" idx="2"/>
           </p:nvPr>
@@ -1247,8 +1299,10 @@
           <a:bodyPr/>
           <a:lstStyle/>
           <a:p>
-            <a:pPr/>
-            <a:fld id="{86CB4B4D-7CA3-9044-876B-883B54F8677D}" type="slidenum"/>
+            <a:fld id="{86CB4B4D-7CA3-9044-876B-883B54F8677D}" type="slidenum">
+              <a:t>‹#›</a:t>
+            </a:fld>
+            <a:endParaRPr/>
           </a:p>
         </p:txBody>
       </p:sp>
@@ -1257,12 +1311,12 @@
   <p:clrMapOvr>
     <a:masterClrMapping/>
   </p:clrMapOvr>
-  <p:transition xmlns:p14="http://schemas.microsoft.com/office/powerpoint/2010/main" spd="med" advClick="1"/>
+  <p:transition spd="med"/>
 </p:sldLayout>
 </file>
 
 <file path=ppt/slideLayouts/slideLayout4.xml><?xml version="1.0" encoding="utf-8"?>
-<p:sldLayout xmlns:a="http://schemas.openxmlformats.org/drawingml/2006/main" xmlns:r="http://schemas.openxmlformats.org/officeDocument/2006/relationships" xmlns:p="http://schemas.openxmlformats.org/presentationml/2006/main" type="tx" showMasterSp="1" showMasterPhAnim="1">
+<p:sldLayout xmlns:a="http://schemas.openxmlformats.org/drawingml/2006/main" xmlns:r="http://schemas.openxmlformats.org/officeDocument/2006/relationships" xmlns:p="http://schemas.openxmlformats.org/presentationml/2006/main" type="tx">
   <p:cSld name="照片 - 垂直">
     <p:spTree>
       <p:nvGrpSpPr>
@@ -1281,7 +1335,9 @@
       <p:sp>
         <p:nvSpPr>
           <p:cNvPr id="38" name="图像"/>
-          <p:cNvSpPr/>
+          <p:cNvSpPr>
+            <a:spLocks noGrp="1"/>
+          </p:cNvSpPr>
           <p:nvPr>
             <p:ph type="pic" sz="half" idx="13"/>
           </p:nvPr>
@@ -1301,14 +1357,16 @@
           </a:bodyPr>
           <a:lstStyle/>
           <a:p>
-            <a:pPr/>
+            <a:endParaRPr/>
           </a:p>
         </p:txBody>
       </p:sp>
       <p:sp>
         <p:nvSpPr>
           <p:cNvPr id="39" name="标题文本"/>
-          <p:cNvSpPr txBox="1"/>
+          <p:cNvSpPr txBox="1">
+            <a:spLocks noGrp="1"/>
+          </p:cNvSpPr>
           <p:nvPr>
             <p:ph type="title"/>
           </p:nvPr>
@@ -1330,7 +1388,6 @@
             </a:lvl1pPr>
           </a:lstStyle>
           <a:p>
-            <a:pPr/>
             <a:r>
               <a:t>标题文本</a:t>
             </a:r>
@@ -1340,7 +1397,9 @@
       <p:sp>
         <p:nvSpPr>
           <p:cNvPr id="40" name="正文级别 1…"/>
-          <p:cNvSpPr txBox="1"/>
+          <p:cNvSpPr txBox="1">
+            <a:spLocks noGrp="1"/>
+          </p:cNvSpPr>
           <p:nvPr>
             <p:ph type="body" sz="quarter" idx="1"/>
           </p:nvPr>
@@ -1399,7 +1458,6 @@
             </a:lvl5pPr>
           </a:lstStyle>
           <a:p>
-            <a:pPr/>
             <a:r>
               <a:t>正文级别 1</a:t>
             </a:r>
@@ -1433,7 +1491,9 @@
       <p:sp>
         <p:nvSpPr>
           <p:cNvPr id="41" name="幻灯片编号"/>
-          <p:cNvSpPr txBox="1"/>
+          <p:cNvSpPr txBox="1">
+            <a:spLocks noGrp="1"/>
+          </p:cNvSpPr>
           <p:nvPr>
             <p:ph type="sldNum" sz="quarter" idx="2"/>
           </p:nvPr>
@@ -1447,8 +1507,10 @@
           <a:bodyPr/>
           <a:lstStyle/>
           <a:p>
-            <a:pPr/>
-            <a:fld id="{86CB4B4D-7CA3-9044-876B-883B54F8677D}" type="slidenum"/>
+            <a:fld id="{86CB4B4D-7CA3-9044-876B-883B54F8677D}" type="slidenum">
+              <a:t>‹#›</a:t>
+            </a:fld>
+            <a:endParaRPr/>
           </a:p>
         </p:txBody>
       </p:sp>
@@ -1457,12 +1519,12 @@
   <p:clrMapOvr>
     <a:masterClrMapping/>
   </p:clrMapOvr>
-  <p:transition xmlns:p14="http://schemas.microsoft.com/office/powerpoint/2010/main" spd="med" advClick="1"/>
+  <p:transition spd="med"/>
 </p:sldLayout>
 </file>
 
 <file path=ppt/slideLayouts/slideLayout5.xml><?xml version="1.0" encoding="utf-8"?>
-<p:sldLayout xmlns:a="http://schemas.openxmlformats.org/drawingml/2006/main" xmlns:r="http://schemas.openxmlformats.org/officeDocument/2006/relationships" xmlns:p="http://schemas.openxmlformats.org/presentationml/2006/main" type="tx" showMasterSp="1" showMasterPhAnim="1">
+<p:sldLayout xmlns:a="http://schemas.openxmlformats.org/drawingml/2006/main" xmlns:r="http://schemas.openxmlformats.org/officeDocument/2006/relationships" xmlns:p="http://schemas.openxmlformats.org/presentationml/2006/main" type="tx">
   <p:cSld name="标题 - 顶部对齐">
     <p:spTree>
       <p:nvGrpSpPr>
@@ -1481,7 +1543,9 @@
       <p:sp>
         <p:nvSpPr>
           <p:cNvPr id="48" name="标题文本"/>
-          <p:cNvSpPr txBox="1"/>
+          <p:cNvSpPr txBox="1">
+            <a:spLocks noGrp="1"/>
+          </p:cNvSpPr>
           <p:nvPr>
             <p:ph type="title"/>
           </p:nvPr>
@@ -1495,7 +1559,6 @@
           <a:bodyPr/>
           <a:lstStyle/>
           <a:p>
-            <a:pPr/>
             <a:r>
               <a:t>标题文本</a:t>
             </a:r>
@@ -1505,7 +1568,9 @@
       <p:sp>
         <p:nvSpPr>
           <p:cNvPr id="49" name="幻灯片编号"/>
-          <p:cNvSpPr txBox="1"/>
+          <p:cNvSpPr txBox="1">
+            <a:spLocks noGrp="1"/>
+          </p:cNvSpPr>
           <p:nvPr>
             <p:ph type="sldNum" sz="quarter" idx="2"/>
           </p:nvPr>
@@ -1523,8 +1588,10 @@
           <a:bodyPr anchor="b"/>
           <a:lstStyle/>
           <a:p>
-            <a:pPr/>
-            <a:fld id="{86CB4B4D-7CA3-9044-876B-883B54F8677D}" type="slidenum"/>
+            <a:fld id="{86CB4B4D-7CA3-9044-876B-883B54F8677D}" type="slidenum">
+              <a:t>‹#›</a:t>
+            </a:fld>
+            <a:endParaRPr/>
           </a:p>
         </p:txBody>
       </p:sp>
@@ -1533,12 +1600,12 @@
   <p:clrMapOvr>
     <a:masterClrMapping/>
   </p:clrMapOvr>
-  <p:transition xmlns:p14="http://schemas.microsoft.com/office/powerpoint/2010/main" spd="med" advClick="1"/>
+  <p:transition spd="med"/>
 </p:sldLayout>
 </file>
 
 <file path=ppt/slideLayouts/slideLayout6.xml><?xml version="1.0" encoding="utf-8"?>
-<p:sldLayout xmlns:a="http://schemas.openxmlformats.org/drawingml/2006/main" xmlns:r="http://schemas.openxmlformats.org/officeDocument/2006/relationships" xmlns:p="http://schemas.openxmlformats.org/presentationml/2006/main" type="tx" showMasterSp="1" showMasterPhAnim="1">
+<p:sldLayout xmlns:a="http://schemas.openxmlformats.org/drawingml/2006/main" xmlns:r="http://schemas.openxmlformats.org/officeDocument/2006/relationships" xmlns:p="http://schemas.openxmlformats.org/presentationml/2006/main" type="tx">
   <p:cSld name="标题与项目符号">
     <p:spTree>
       <p:nvGrpSpPr>
@@ -1557,7 +1624,9 @@
       <p:sp>
         <p:nvSpPr>
           <p:cNvPr id="56" name="标题文本"/>
-          <p:cNvSpPr txBox="1"/>
+          <p:cNvSpPr txBox="1">
+            <a:spLocks noGrp="1"/>
+          </p:cNvSpPr>
           <p:nvPr>
             <p:ph type="title"/>
           </p:nvPr>
@@ -1571,7 +1640,6 @@
           <a:bodyPr/>
           <a:lstStyle/>
           <a:p>
-            <a:pPr/>
             <a:r>
               <a:t>标题文本</a:t>
             </a:r>
@@ -1581,7 +1649,9 @@
       <p:sp>
         <p:nvSpPr>
           <p:cNvPr id="57" name="正文级别 1…"/>
-          <p:cNvSpPr txBox="1"/>
+          <p:cNvSpPr txBox="1">
+            <a:spLocks noGrp="1"/>
+          </p:cNvSpPr>
           <p:nvPr>
             <p:ph type="body" idx="1"/>
           </p:nvPr>
@@ -1595,7 +1665,6 @@
           <a:bodyPr/>
           <a:lstStyle/>
           <a:p>
-            <a:pPr/>
             <a:r>
               <a:t>正文级别 1</a:t>
             </a:r>
@@ -1629,7 +1698,9 @@
       <p:sp>
         <p:nvSpPr>
           <p:cNvPr id="58" name="幻灯片编号"/>
-          <p:cNvSpPr txBox="1"/>
+          <p:cNvSpPr txBox="1">
+            <a:spLocks noGrp="1"/>
+          </p:cNvSpPr>
           <p:nvPr>
             <p:ph type="sldNum" sz="quarter" idx="2"/>
           </p:nvPr>
@@ -1643,8 +1714,10 @@
           <a:bodyPr/>
           <a:lstStyle/>
           <a:p>
-            <a:pPr/>
-            <a:fld id="{86CB4B4D-7CA3-9044-876B-883B54F8677D}" type="slidenum"/>
+            <a:fld id="{86CB4B4D-7CA3-9044-876B-883B54F8677D}" type="slidenum">
+              <a:t>‹#›</a:t>
+            </a:fld>
+            <a:endParaRPr/>
           </a:p>
         </p:txBody>
       </p:sp>
@@ -1653,12 +1726,12 @@
   <p:clrMapOvr>
     <a:masterClrMapping/>
   </p:clrMapOvr>
-  <p:transition xmlns:p14="http://schemas.microsoft.com/office/powerpoint/2010/main" spd="med" advClick="1"/>
+  <p:transition spd="med"/>
 </p:sldLayout>
 </file>
 
 <file path=ppt/slideLayouts/slideLayout7.xml><?xml version="1.0" encoding="utf-8"?>
-<p:sldLayout xmlns:a="http://schemas.openxmlformats.org/drawingml/2006/main" xmlns:r="http://schemas.openxmlformats.org/officeDocument/2006/relationships" xmlns:p="http://schemas.openxmlformats.org/presentationml/2006/main" type="tx" showMasterSp="1" showMasterPhAnim="1">
+<p:sldLayout xmlns:a="http://schemas.openxmlformats.org/drawingml/2006/main" xmlns:r="http://schemas.openxmlformats.org/officeDocument/2006/relationships" xmlns:p="http://schemas.openxmlformats.org/presentationml/2006/main" type="tx">
   <p:cSld name="标题、项目符号与照片">
     <p:spTree>
       <p:nvGrpSpPr>
@@ -1677,7 +1750,9 @@
       <p:sp>
         <p:nvSpPr>
           <p:cNvPr id="65" name="图像"/>
-          <p:cNvSpPr/>
+          <p:cNvSpPr>
+            <a:spLocks noGrp="1"/>
+          </p:cNvSpPr>
           <p:nvPr>
             <p:ph type="pic" sz="half" idx="13"/>
           </p:nvPr>
@@ -1697,14 +1772,16 @@
           </a:bodyPr>
           <a:lstStyle/>
           <a:p>
-            <a:pPr/>
+            <a:endParaRPr/>
           </a:p>
         </p:txBody>
       </p:sp>
       <p:sp>
         <p:nvSpPr>
           <p:cNvPr id="66" name="标题文本"/>
-          <p:cNvSpPr txBox="1"/>
+          <p:cNvSpPr txBox="1">
+            <a:spLocks noGrp="1"/>
+          </p:cNvSpPr>
           <p:nvPr>
             <p:ph type="title"/>
           </p:nvPr>
@@ -1718,7 +1795,6 @@
           <a:bodyPr/>
           <a:lstStyle/>
           <a:p>
-            <a:pPr/>
             <a:r>
               <a:t>标题文本</a:t>
             </a:r>
@@ -1728,7 +1804,9 @@
       <p:sp>
         <p:nvSpPr>
           <p:cNvPr id="67" name="正文级别 1…"/>
-          <p:cNvSpPr txBox="1"/>
+          <p:cNvSpPr txBox="1">
+            <a:spLocks noGrp="1"/>
+          </p:cNvSpPr>
           <p:nvPr>
             <p:ph type="body" sz="half" idx="1"/>
           </p:nvPr>
@@ -1777,7 +1855,6 @@
             </a:lvl5pPr>
           </a:lstStyle>
           <a:p>
-            <a:pPr/>
             <a:r>
               <a:t>正文级别 1</a:t>
             </a:r>
@@ -1811,7 +1888,9 @@
       <p:sp>
         <p:nvSpPr>
           <p:cNvPr id="68" name="幻灯片编号"/>
-          <p:cNvSpPr txBox="1"/>
+          <p:cNvSpPr txBox="1">
+            <a:spLocks noGrp="1"/>
+          </p:cNvSpPr>
           <p:nvPr>
             <p:ph type="sldNum" sz="quarter" idx="2"/>
           </p:nvPr>
@@ -1825,8 +1904,10 @@
           <a:bodyPr/>
           <a:lstStyle/>
           <a:p>
-            <a:pPr/>
-            <a:fld id="{86CB4B4D-7CA3-9044-876B-883B54F8677D}" type="slidenum"/>
+            <a:fld id="{86CB4B4D-7CA3-9044-876B-883B54F8677D}" type="slidenum">
+              <a:t>‹#›</a:t>
+            </a:fld>
+            <a:endParaRPr/>
           </a:p>
         </p:txBody>
       </p:sp>
@@ -1835,12 +1916,12 @@
   <p:clrMapOvr>
     <a:masterClrMapping/>
   </p:clrMapOvr>
-  <p:transition xmlns:p14="http://schemas.microsoft.com/office/powerpoint/2010/main" spd="med" advClick="1"/>
+  <p:transition spd="med"/>
 </p:sldLayout>
 </file>
 
 <file path=ppt/slideLayouts/slideLayout8.xml><?xml version="1.0" encoding="utf-8"?>
-<p:sldLayout xmlns:a="http://schemas.openxmlformats.org/drawingml/2006/main" xmlns:r="http://schemas.openxmlformats.org/officeDocument/2006/relationships" xmlns:p="http://schemas.openxmlformats.org/presentationml/2006/main" type="tx" showMasterSp="1" showMasterPhAnim="1">
+<p:sldLayout xmlns:a="http://schemas.openxmlformats.org/drawingml/2006/main" xmlns:r="http://schemas.openxmlformats.org/officeDocument/2006/relationships" xmlns:p="http://schemas.openxmlformats.org/presentationml/2006/main" type="tx">
   <p:cSld name="项目符号">
     <p:spTree>
       <p:nvGrpSpPr>
@@ -1859,7 +1940,9 @@
       <p:sp>
         <p:nvSpPr>
           <p:cNvPr id="75" name="正文级别 1…"/>
-          <p:cNvSpPr txBox="1"/>
+          <p:cNvSpPr txBox="1">
+            <a:spLocks noGrp="1"/>
+          </p:cNvSpPr>
           <p:nvPr>
             <p:ph type="body" idx="1"/>
           </p:nvPr>
@@ -1877,7 +1960,6 @@
           <a:bodyPr/>
           <a:lstStyle/>
           <a:p>
-            <a:pPr/>
             <a:r>
               <a:t>正文级别 1</a:t>
             </a:r>
@@ -1911,7 +1993,9 @@
       <p:sp>
         <p:nvSpPr>
           <p:cNvPr id="76" name="幻灯片编号"/>
-          <p:cNvSpPr txBox="1"/>
+          <p:cNvSpPr txBox="1">
+            <a:spLocks noGrp="1"/>
+          </p:cNvSpPr>
           <p:nvPr>
             <p:ph type="sldNum" sz="quarter" idx="2"/>
           </p:nvPr>
@@ -1925,8 +2009,10 @@
           <a:bodyPr/>
           <a:lstStyle/>
           <a:p>
-            <a:pPr/>
-            <a:fld id="{86CB4B4D-7CA3-9044-876B-883B54F8677D}" type="slidenum"/>
+            <a:fld id="{86CB4B4D-7CA3-9044-876B-883B54F8677D}" type="slidenum">
+              <a:t>‹#›</a:t>
+            </a:fld>
+            <a:endParaRPr/>
           </a:p>
         </p:txBody>
       </p:sp>
@@ -1935,12 +2021,12 @@
   <p:clrMapOvr>
     <a:masterClrMapping/>
   </p:clrMapOvr>
-  <p:transition xmlns:p14="http://schemas.microsoft.com/office/powerpoint/2010/main" spd="med" advClick="1"/>
+  <p:transition spd="med"/>
 </p:sldLayout>
 </file>
 
 <file path=ppt/slideLayouts/slideLayout9.xml><?xml version="1.0" encoding="utf-8"?>
-<p:sldLayout xmlns:a="http://schemas.openxmlformats.org/drawingml/2006/main" xmlns:r="http://schemas.openxmlformats.org/officeDocument/2006/relationships" xmlns:p="http://schemas.openxmlformats.org/presentationml/2006/main" type="tx" showMasterSp="1" showMasterPhAnim="1">
+<p:sldLayout xmlns:a="http://schemas.openxmlformats.org/drawingml/2006/main" xmlns:r="http://schemas.openxmlformats.org/officeDocument/2006/relationships" xmlns:p="http://schemas.openxmlformats.org/presentationml/2006/main" type="tx">
   <p:cSld name="照片 - 3 联">
     <p:spTree>
       <p:nvGrpSpPr>
@@ -1959,7 +2045,9 @@
       <p:sp>
         <p:nvSpPr>
           <p:cNvPr id="83" name="图像"/>
-          <p:cNvSpPr/>
+          <p:cNvSpPr>
+            <a:spLocks noGrp="1"/>
+          </p:cNvSpPr>
           <p:nvPr>
             <p:ph type="pic" sz="quarter" idx="13"/>
           </p:nvPr>
@@ -1979,14 +2067,16 @@
           </a:bodyPr>
           <a:lstStyle/>
           <a:p>
-            <a:pPr/>
+            <a:endParaRPr/>
           </a:p>
         </p:txBody>
       </p:sp>
       <p:sp>
         <p:nvSpPr>
           <p:cNvPr id="84" name="图像"/>
-          <p:cNvSpPr/>
+          <p:cNvSpPr>
+            <a:spLocks noGrp="1"/>
+          </p:cNvSpPr>
           <p:nvPr>
             <p:ph type="pic" sz="quarter" idx="14"/>
           </p:nvPr>
@@ -2006,14 +2096,16 @@
           </a:bodyPr>
           <a:lstStyle/>
           <a:p>
-            <a:pPr/>
+            <a:endParaRPr/>
           </a:p>
         </p:txBody>
       </p:sp>
       <p:sp>
         <p:nvSpPr>
           <p:cNvPr id="85" name="图像"/>
-          <p:cNvSpPr/>
+          <p:cNvSpPr>
+            <a:spLocks noGrp="1"/>
+          </p:cNvSpPr>
           <p:nvPr>
             <p:ph type="pic" sz="half" idx="15"/>
           </p:nvPr>
@@ -2033,14 +2125,16 @@
           </a:bodyPr>
           <a:lstStyle/>
           <a:p>
-            <a:pPr/>
+            <a:endParaRPr/>
           </a:p>
         </p:txBody>
       </p:sp>
       <p:sp>
         <p:nvSpPr>
           <p:cNvPr id="86" name="幻灯片编号"/>
-          <p:cNvSpPr txBox="1"/>
+          <p:cNvSpPr txBox="1">
+            <a:spLocks noGrp="1"/>
+          </p:cNvSpPr>
           <p:nvPr>
             <p:ph type="sldNum" sz="quarter" idx="2"/>
           </p:nvPr>
@@ -2054,8 +2148,10 @@
           <a:bodyPr/>
           <a:lstStyle/>
           <a:p>
-            <a:pPr/>
-            <a:fld id="{86CB4B4D-7CA3-9044-876B-883B54F8677D}" type="slidenum"/>
+            <a:fld id="{86CB4B4D-7CA3-9044-876B-883B54F8677D}" type="slidenum">
+              <a:t>‹#›</a:t>
+            </a:fld>
+            <a:endParaRPr/>
           </a:p>
         </p:txBody>
       </p:sp>
@@ -2064,7 +2160,7 @@
   <p:clrMapOvr>
     <a:masterClrMapping/>
   </p:clrMapOvr>
-  <p:transition xmlns:p14="http://schemas.microsoft.com/office/powerpoint/2010/main" spd="med" advClick="1"/>
+  <p:transition spd="med"/>
 </p:sldLayout>
 </file>
 
@@ -2074,12 +2170,13 @@
     <p:bg>
       <p:bgPr>
         <a:blipFill rotWithShape="1">
-          <a:blip r:embed="rId2"/>
-          <a:srcRect l="0" t="0" r="0" b="0"/>
+          <a:blip r:embed="rId14"/>
+          <a:srcRect/>
           <a:stretch>
             <a:fillRect/>
           </a:stretch>
         </a:blipFill>
+        <a:effectLst/>
       </p:bgPr>
     </p:bg>
     <p:spTree>
@@ -2099,7 +2196,9 @@
       <p:sp>
         <p:nvSpPr>
           <p:cNvPr id="2" name="标题文本"/>
-          <p:cNvSpPr txBox="1"/>
+          <p:cNvSpPr txBox="1">
+            <a:spLocks noGrp="1"/>
+          </p:cNvSpPr>
           <p:nvPr>
             <p:ph type="title"/>
           </p:nvPr>
@@ -2117,17 +2216,16 @@
           </a:ln>
           <a:extLst>
             <a:ext uri="{C572A759-6A51-4108-AA02-DFA0A04FC94B}">
-              <ma14:wrappingTextBoxFlag xmlns:ma14="http://schemas.microsoft.com/office/mac/drawingml/2011/main" val="1"/>
+              <ma14:wrappingTextBoxFlag xmlns:ma14="http://schemas.microsoft.com/office/mac/drawingml/2011/main" xmlns="" val="1"/>
             </a:ext>
           </a:extLst>
         </p:spPr>
         <p:txBody>
           <a:bodyPr lIns="50800" tIns="50800" rIns="50800" bIns="50800" anchor="ctr">
-            <a:normAutofit fontScale="100000" lnSpcReduction="0"/>
+            <a:normAutofit/>
           </a:bodyPr>
           <a:lstStyle/>
           <a:p>
-            <a:pPr/>
             <a:r>
               <a:t>标题文本</a:t>
             </a:r>
@@ -2137,7 +2235,9 @@
       <p:sp>
         <p:nvSpPr>
           <p:cNvPr id="3" name="正文级别 1…"/>
-          <p:cNvSpPr txBox="1"/>
+          <p:cNvSpPr txBox="1">
+            <a:spLocks noGrp="1"/>
+          </p:cNvSpPr>
           <p:nvPr>
             <p:ph type="body" idx="1"/>
           </p:nvPr>
@@ -2155,17 +2255,16 @@
           </a:ln>
           <a:extLst>
             <a:ext uri="{C572A759-6A51-4108-AA02-DFA0A04FC94B}">
-              <ma14:wrappingTextBoxFlag xmlns:ma14="http://schemas.microsoft.com/office/mac/drawingml/2011/main" val="1"/>
+              <ma14:wrappingTextBoxFlag xmlns:ma14="http://schemas.microsoft.com/office/mac/drawingml/2011/main" xmlns="" val="1"/>
             </a:ext>
           </a:extLst>
         </p:spPr>
         <p:txBody>
           <a:bodyPr lIns="50800" tIns="50800" rIns="50800" bIns="50800" anchor="ctr">
-            <a:normAutofit fontScale="100000" lnSpcReduction="0"/>
+            <a:normAutofit/>
           </a:bodyPr>
           <a:lstStyle/>
           <a:p>
-            <a:pPr/>
             <a:r>
               <a:t>正文级别 1</a:t>
             </a:r>
@@ -2199,7 +2298,9 @@
       <p:sp>
         <p:nvSpPr>
           <p:cNvPr id="4" name="幻灯片编号"/>
-          <p:cNvSpPr txBox="1"/>
+          <p:cNvSpPr txBox="1">
+            <a:spLocks noGrp="1"/>
+          </p:cNvSpPr>
           <p:nvPr>
             <p:ph type="sldNum" sz="quarter" idx="2"/>
           </p:nvPr>
@@ -2230,8 +2331,10 @@
             </a:lvl1pPr>
           </a:lstStyle>
           <a:p>
-            <a:pPr/>
-            <a:fld id="{86CB4B4D-7CA3-9044-876B-883B54F8677D}" type="slidenum"/>
+            <a:fld id="{86CB4B4D-7CA3-9044-876B-883B54F8677D}" type="slidenum">
+              <a:t>‹#›</a:t>
+            </a:fld>
+            <a:endParaRPr/>
           </a:p>
         </p:txBody>
       </p:sp>
@@ -2239,20 +2342,20 @@
   </p:cSld>
   <p:clrMap bg1="dk1" tx1="lt1" bg2="dk2" tx2="lt2" accent1="accent1" accent2="accent2" accent3="accent3" accent4="accent4" accent5="accent5" accent6="accent6" hlink="hlink" folHlink="folHlink"/>
   <p:sldLayoutIdLst>
-    <p:sldLayoutId id="2147483649" r:id="rId3"/>
-    <p:sldLayoutId id="2147483650" r:id="rId4"/>
-    <p:sldLayoutId id="2147483651" r:id="rId5"/>
-    <p:sldLayoutId id="2147483652" r:id="rId6"/>
-    <p:sldLayoutId id="2147483653" r:id="rId7"/>
-    <p:sldLayoutId id="2147483654" r:id="rId8"/>
-    <p:sldLayoutId id="2147483655" r:id="rId9"/>
-    <p:sldLayoutId id="2147483656" r:id="rId10"/>
-    <p:sldLayoutId id="2147483657" r:id="rId11"/>
-    <p:sldLayoutId id="2147483658" r:id="rId12"/>
-    <p:sldLayoutId id="2147483659" r:id="rId13"/>
-    <p:sldLayoutId id="2147483660" r:id="rId14"/>
+    <p:sldLayoutId id="2147483649" r:id="rId1"/>
+    <p:sldLayoutId id="2147483650" r:id="rId2"/>
+    <p:sldLayoutId id="2147483651" r:id="rId3"/>
+    <p:sldLayoutId id="2147483652" r:id="rId4"/>
+    <p:sldLayoutId id="2147483653" r:id="rId5"/>
+    <p:sldLayoutId id="2147483654" r:id="rId6"/>
+    <p:sldLayoutId id="2147483655" r:id="rId7"/>
+    <p:sldLayoutId id="2147483656" r:id="rId8"/>
+    <p:sldLayoutId id="2147483657" r:id="rId9"/>
+    <p:sldLayoutId id="2147483658" r:id="rId10"/>
+    <p:sldLayoutId id="2147483659" r:id="rId11"/>
+    <p:sldLayoutId id="2147483660" r:id="rId12"/>
   </p:sldLayoutIdLst>
-  <p:transition xmlns:p14="http://schemas.microsoft.com/office/powerpoint/2010/main" spd="med" advClick="1"/>
+  <p:transition spd="med"/>
   <p:txStyles>
     <p:titleStyle>
       <a:lvl1pPr marL="0" marR="0" indent="0" algn="ctr" defTabSz="584200" rtl="0" latinLnBrk="0">
@@ -2270,7 +2373,7 @@
         <a:buFontTx/>
         <a:buNone/>
         <a:tabLst/>
-        <a:defRPr b="0" baseline="0" cap="none" i="0" spc="0" strike="noStrike" sz="8000" u="none">
+        <a:defRPr sz="8000" b="0" i="0" u="none" strike="noStrike" cap="none" spc="0" baseline="0">
           <a:ln>
             <a:noFill/>
           </a:ln>
@@ -2299,7 +2402,7 @@
         <a:buFontTx/>
         <a:buNone/>
         <a:tabLst/>
-        <a:defRPr b="0" baseline="0" cap="none" i="0" spc="0" strike="noStrike" sz="8000" u="none">
+        <a:defRPr sz="8000" b="0" i="0" u="none" strike="noStrike" cap="none" spc="0" baseline="0">
           <a:ln>
             <a:noFill/>
           </a:ln>
@@ -2328,7 +2431,7 @@
         <a:buFontTx/>
         <a:buNone/>
         <a:tabLst/>
-        <a:defRPr b="0" baseline="0" cap="none" i="0" spc="0" strike="noStrike" sz="8000" u="none">
+        <a:defRPr sz="8000" b="0" i="0" u="none" strike="noStrike" cap="none" spc="0" baseline="0">
           <a:ln>
             <a:noFill/>
           </a:ln>
@@ -2357,7 +2460,7 @@
         <a:buFontTx/>
         <a:buNone/>
         <a:tabLst/>
-        <a:defRPr b="0" baseline="0" cap="none" i="0" spc="0" strike="noStrike" sz="8000" u="none">
+        <a:defRPr sz="8000" b="0" i="0" u="none" strike="noStrike" cap="none" spc="0" baseline="0">
           <a:ln>
             <a:noFill/>
           </a:ln>
@@ -2386,7 +2489,7 @@
         <a:buFontTx/>
         <a:buNone/>
         <a:tabLst/>
-        <a:defRPr b="0" baseline="0" cap="none" i="0" spc="0" strike="noStrike" sz="8000" u="none">
+        <a:defRPr sz="8000" b="0" i="0" u="none" strike="noStrike" cap="none" spc="0" baseline="0">
           <a:ln>
             <a:noFill/>
           </a:ln>
@@ -2415,7 +2518,7 @@
         <a:buFontTx/>
         <a:buNone/>
         <a:tabLst/>
-        <a:defRPr b="0" baseline="0" cap="none" i="0" spc="0" strike="noStrike" sz="8000" u="none">
+        <a:defRPr sz="8000" b="0" i="0" u="none" strike="noStrike" cap="none" spc="0" baseline="0">
           <a:ln>
             <a:noFill/>
           </a:ln>
@@ -2444,7 +2547,7 @@
         <a:buFontTx/>
         <a:buNone/>
         <a:tabLst/>
-        <a:defRPr b="0" baseline="0" cap="none" i="0" spc="0" strike="noStrike" sz="8000" u="none">
+        <a:defRPr sz="8000" b="0" i="0" u="none" strike="noStrike" cap="none" spc="0" baseline="0">
           <a:ln>
             <a:noFill/>
           </a:ln>
@@ -2473,7 +2576,7 @@
         <a:buFontTx/>
         <a:buNone/>
         <a:tabLst/>
-        <a:defRPr b="0" baseline="0" cap="none" i="0" spc="0" strike="noStrike" sz="8000" u="none">
+        <a:defRPr sz="8000" b="0" i="0" u="none" strike="noStrike" cap="none" spc="0" baseline="0">
           <a:ln>
             <a:noFill/>
           </a:ln>
@@ -2502,7 +2605,7 @@
         <a:buFontTx/>
         <a:buNone/>
         <a:tabLst/>
-        <a:defRPr b="0" baseline="0" cap="none" i="0" spc="0" strike="noStrike" sz="8000" u="none">
+        <a:defRPr sz="8000" b="0" i="0" u="none" strike="noStrike" cap="none" spc="0" baseline="0">
           <a:ln>
             <a:noFill/>
           </a:ln>
@@ -2533,7 +2636,7 @@
         <a:buFontTx/>
         <a:buChar char="•"/>
         <a:tabLst/>
-        <a:defRPr b="0" baseline="0" cap="none" i="0" spc="0" strike="noStrike" sz="3800" u="none">
+        <a:defRPr sz="3800" b="0" i="0" u="none" strike="noStrike" cap="none" spc="0" baseline="0">
           <a:ln>
             <a:noFill/>
           </a:ln>
@@ -2562,7 +2665,7 @@
         <a:buFontTx/>
         <a:buChar char="•"/>
         <a:tabLst/>
-        <a:defRPr b="0" baseline="0" cap="none" i="0" spc="0" strike="noStrike" sz="3800" u="none">
+        <a:defRPr sz="3800" b="0" i="0" u="none" strike="noStrike" cap="none" spc="0" baseline="0">
           <a:ln>
             <a:noFill/>
           </a:ln>
@@ -2591,7 +2694,7 @@
         <a:buFontTx/>
         <a:buChar char="•"/>
         <a:tabLst/>
-        <a:defRPr b="0" baseline="0" cap="none" i="0" spc="0" strike="noStrike" sz="3800" u="none">
+        <a:defRPr sz="3800" b="0" i="0" u="none" strike="noStrike" cap="none" spc="0" baseline="0">
           <a:ln>
             <a:noFill/>
           </a:ln>
@@ -2620,7 +2723,7 @@
         <a:buFontTx/>
         <a:buChar char="•"/>
         <a:tabLst/>
-        <a:defRPr b="0" baseline="0" cap="none" i="0" spc="0" strike="noStrike" sz="3800" u="none">
+        <a:defRPr sz="3800" b="0" i="0" u="none" strike="noStrike" cap="none" spc="0" baseline="0">
           <a:ln>
             <a:noFill/>
           </a:ln>
@@ -2649,7 +2752,7 @@
         <a:buFontTx/>
         <a:buChar char="•"/>
         <a:tabLst/>
-        <a:defRPr b="0" baseline="0" cap="none" i="0" spc="0" strike="noStrike" sz="3800" u="none">
+        <a:defRPr sz="3800" b="0" i="0" u="none" strike="noStrike" cap="none" spc="0" baseline="0">
           <a:ln>
             <a:noFill/>
           </a:ln>
@@ -2678,7 +2781,7 @@
         <a:buFontTx/>
         <a:buChar char="•"/>
         <a:tabLst/>
-        <a:defRPr b="0" baseline="0" cap="none" i="0" spc="0" strike="noStrike" sz="3800" u="none">
+        <a:defRPr sz="3800" b="0" i="0" u="none" strike="noStrike" cap="none" spc="0" baseline="0">
           <a:ln>
             <a:noFill/>
           </a:ln>
@@ -2707,7 +2810,7 @@
         <a:buFontTx/>
         <a:buChar char="•"/>
         <a:tabLst/>
-        <a:defRPr b="0" baseline="0" cap="none" i="0" spc="0" strike="noStrike" sz="3800" u="none">
+        <a:defRPr sz="3800" b="0" i="0" u="none" strike="noStrike" cap="none" spc="0" baseline="0">
           <a:ln>
             <a:noFill/>
           </a:ln>
@@ -2736,7 +2839,7 @@
         <a:buFontTx/>
         <a:buChar char="•"/>
         <a:tabLst/>
-        <a:defRPr b="0" baseline="0" cap="none" i="0" spc="0" strike="noStrike" sz="3800" u="none">
+        <a:defRPr sz="3800" b="0" i="0" u="none" strike="noStrike" cap="none" spc="0" baseline="0">
           <a:ln>
             <a:noFill/>
           </a:ln>
@@ -2765,7 +2868,7 @@
         <a:buFontTx/>
         <a:buChar char="•"/>
         <a:tabLst/>
-        <a:defRPr b="0" baseline="0" cap="none" i="0" spc="0" strike="noStrike" sz="3800" u="none">
+        <a:defRPr sz="3800" b="0" i="0" u="none" strike="noStrike" cap="none" spc="0" baseline="0">
           <a:ln>
             <a:noFill/>
           </a:ln>
@@ -2796,7 +2899,7 @@
         <a:buFontTx/>
         <a:buNone/>
         <a:tabLst/>
-        <a:defRPr b="0" baseline="0" cap="none" i="0" spc="0" strike="noStrike" sz="1800" u="none">
+        <a:defRPr sz="1800" b="0" i="0" u="none" strike="noStrike" cap="none" spc="0" baseline="0">
           <a:ln>
             <a:noFill/>
           </a:ln>
@@ -2825,7 +2928,7 @@
         <a:buFontTx/>
         <a:buNone/>
         <a:tabLst/>
-        <a:defRPr b="0" baseline="0" cap="none" i="0" spc="0" strike="noStrike" sz="1800" u="none">
+        <a:defRPr sz="1800" b="0" i="0" u="none" strike="noStrike" cap="none" spc="0" baseline="0">
           <a:ln>
             <a:noFill/>
           </a:ln>
@@ -2854,7 +2957,7 @@
         <a:buFontTx/>
         <a:buNone/>
         <a:tabLst/>
-        <a:defRPr b="0" baseline="0" cap="none" i="0" spc="0" strike="noStrike" sz="1800" u="none">
+        <a:defRPr sz="1800" b="0" i="0" u="none" strike="noStrike" cap="none" spc="0" baseline="0">
           <a:ln>
             <a:noFill/>
           </a:ln>
@@ -2883,7 +2986,7 @@
         <a:buFontTx/>
         <a:buNone/>
         <a:tabLst/>
-        <a:defRPr b="0" baseline="0" cap="none" i="0" spc="0" strike="noStrike" sz="1800" u="none">
+        <a:defRPr sz="1800" b="0" i="0" u="none" strike="noStrike" cap="none" spc="0" baseline="0">
           <a:ln>
             <a:noFill/>
           </a:ln>
@@ -2912,7 +3015,7 @@
         <a:buFontTx/>
         <a:buNone/>
         <a:tabLst/>
-        <a:defRPr b="0" baseline="0" cap="none" i="0" spc="0" strike="noStrike" sz="1800" u="none">
+        <a:defRPr sz="1800" b="0" i="0" u="none" strike="noStrike" cap="none" spc="0" baseline="0">
           <a:ln>
             <a:noFill/>
           </a:ln>
@@ -2941,7 +3044,7 @@
         <a:buFontTx/>
         <a:buNone/>
         <a:tabLst/>
-        <a:defRPr b="0" baseline="0" cap="none" i="0" spc="0" strike="noStrike" sz="1800" u="none">
+        <a:defRPr sz="1800" b="0" i="0" u="none" strike="noStrike" cap="none" spc="0" baseline="0">
           <a:ln>
             <a:noFill/>
           </a:ln>
@@ -2970,7 +3073,7 @@
         <a:buFontTx/>
         <a:buNone/>
         <a:tabLst/>
-        <a:defRPr b="0" baseline="0" cap="none" i="0" spc="0" strike="noStrike" sz="1800" u="none">
+        <a:defRPr sz="1800" b="0" i="0" u="none" strike="noStrike" cap="none" spc="0" baseline="0">
           <a:ln>
             <a:noFill/>
           </a:ln>
@@ -2999,7 +3102,7 @@
         <a:buFontTx/>
         <a:buNone/>
         <a:tabLst/>
-        <a:defRPr b="0" baseline="0" cap="none" i="0" spc="0" strike="noStrike" sz="1800" u="none">
+        <a:defRPr sz="1800" b="0" i="0" u="none" strike="noStrike" cap="none" spc="0" baseline="0">
           <a:ln>
             <a:noFill/>
           </a:ln>
@@ -3028,7 +3131,7 @@
         <a:buFontTx/>
         <a:buNone/>
         <a:tabLst/>
-        <a:defRPr b="0" baseline="0" cap="none" i="0" spc="0" strike="noStrike" sz="1800" u="none">
+        <a:defRPr sz="1800" b="0" i="0" u="none" strike="noStrike" cap="none" spc="0" baseline="0">
           <a:ln>
             <a:noFill/>
           </a:ln>
@@ -3048,7 +3151,7 @@
 </file>
 
 <file path=ppt/slides/slide1.xml><?xml version="1.0" encoding="utf-8"?>
-<p:sld xmlns:a="http://schemas.openxmlformats.org/drawingml/2006/main" xmlns:r="http://schemas.openxmlformats.org/officeDocument/2006/relationships" xmlns:p="http://schemas.openxmlformats.org/presentationml/2006/main" showMasterSp="1" showMasterPhAnim="1">
+<p:sld xmlns:a="http://schemas.openxmlformats.org/drawingml/2006/main" xmlns:r="http://schemas.openxmlformats.org/officeDocument/2006/relationships" xmlns:p="http://schemas.openxmlformats.org/presentationml/2006/main">
   <p:cSld>
     <p:spTree>
       <p:nvGrpSpPr>
@@ -3067,7 +3170,9 @@
       <p:sp>
         <p:nvSpPr>
           <p:cNvPr id="119" name="加解密算法与安全通信"/>
-          <p:cNvSpPr txBox="1"/>
+          <p:cNvSpPr txBox="1">
+            <a:spLocks noGrp="1"/>
+          </p:cNvSpPr>
           <p:nvPr>
             <p:ph type="ctrTitle"/>
           </p:nvPr>
@@ -3085,7 +3190,6 @@
           <a:bodyPr/>
           <a:lstStyle/>
           <a:p>
-            <a:pPr/>
             <a:r>
               <a:t>认识HTTPS</a:t>
             </a:r>
@@ -3095,7 +3199,9 @@
       <p:sp>
         <p:nvSpPr>
           <p:cNvPr id="120" name="Base64编码与单向加密算法…"/>
-          <p:cNvSpPr txBox="1"/>
+          <p:cNvSpPr txBox="1">
+            <a:spLocks noGrp="1"/>
+          </p:cNvSpPr>
           <p:nvPr>
             <p:ph type="subTitle" sz="quarter" idx="1"/>
           </p:nvPr>
@@ -3131,12 +3237,12 @@
   <p:clrMapOvr>
     <a:masterClrMapping/>
   </p:clrMapOvr>
-  <p:transition xmlns:p14="http://schemas.microsoft.com/office/powerpoint/2010/main" spd="med" advClick="1"/>
+  <p:transition spd="med"/>
 </p:sld>
 </file>
 
 <file path=ppt/slides/slide10.xml><?xml version="1.0" encoding="utf-8"?>
-<p:sld xmlns:a="http://schemas.openxmlformats.org/drawingml/2006/main" xmlns:r="http://schemas.openxmlformats.org/officeDocument/2006/relationships" xmlns:p="http://schemas.openxmlformats.org/presentationml/2006/main" showMasterSp="1" showMasterPhAnim="1">
+<p:sld xmlns:a="http://schemas.openxmlformats.org/drawingml/2006/main" xmlns:r="http://schemas.openxmlformats.org/officeDocument/2006/relationships" xmlns:p="http://schemas.openxmlformats.org/presentationml/2006/main">
   <p:cSld>
     <p:spTree>
       <p:nvGrpSpPr>
@@ -3155,7 +3261,9 @@
       <p:sp>
         <p:nvSpPr>
           <p:cNvPr id="158" name="Base64"/>
-          <p:cNvSpPr txBox="1"/>
+          <p:cNvSpPr txBox="1">
+            <a:spLocks noGrp="1"/>
+          </p:cNvSpPr>
           <p:nvPr>
             <p:ph type="ctrTitle"/>
           </p:nvPr>
@@ -3177,7 +3285,6 @@
             </a:lvl1pPr>
           </a:lstStyle>
           <a:p>
-            <a:pPr/>
             <a:r>
               <a:t>数字证书</a:t>
             </a:r>
@@ -3187,7 +3294,9 @@
       <p:sp>
         <p:nvSpPr>
           <p:cNvPr id="159" name="Base64是8Bit字节代码的编码方式之一，严格意义上并不算是一种加密算法。"/>
-          <p:cNvSpPr txBox="1"/>
+          <p:cNvSpPr txBox="1">
+            <a:spLocks noGrp="1"/>
+          </p:cNvSpPr>
           <p:nvPr>
             <p:ph type="subTitle" sz="quarter" idx="1"/>
           </p:nvPr>
@@ -3209,6 +3318,10 @@
               <a:defRPr sz="1932"/>
             </a:pPr>
             <a:r>
+              <a:rPr sz="2400" dirty="0">
+                <a:latin typeface="微软雅黑" panose="020B0503020204020204" pitchFamily="34" charset="-122"/>
+                <a:ea typeface="微软雅黑" panose="020B0503020204020204" pitchFamily="34" charset="-122"/>
+              </a:rPr>
               <a:t>        数字证书是一种权威性的电子文档，可以由权威公正的第三方机构，即CA（例如CFCA）中心签发的证书，也可以由企业级CA系统进行签发。用来标记用户身份，相当于用户在网络上的身份证。</a:t>
             </a:r>
           </a:p>
@@ -3225,6 +3338,7 @@
                 <a:sym typeface="微软雅黑"/>
               </a:defRPr>
             </a:pPr>
+            <a:endParaRPr dirty="0"/>
           </a:p>
         </p:txBody>
       </p:sp>
@@ -3233,12 +3347,12 @@
   <p:clrMapOvr>
     <a:masterClrMapping/>
   </p:clrMapOvr>
-  <p:transition xmlns:p14="http://schemas.microsoft.com/office/powerpoint/2010/main" spd="med" advClick="1"/>
+  <p:transition spd="med"/>
 </p:sld>
 </file>
 
 <file path=ppt/slides/slide11.xml><?xml version="1.0" encoding="utf-8"?>
-<p:sld xmlns:a="http://schemas.openxmlformats.org/drawingml/2006/main" xmlns:r="http://schemas.openxmlformats.org/officeDocument/2006/relationships" xmlns:p="http://schemas.openxmlformats.org/presentationml/2006/main" showMasterSp="1" showMasterPhAnim="1">
+<p:sld xmlns:a="http://schemas.openxmlformats.org/drawingml/2006/main" xmlns:r="http://schemas.openxmlformats.org/officeDocument/2006/relationships" xmlns:p="http://schemas.openxmlformats.org/presentationml/2006/main">
   <p:cSld>
     <p:spTree>
       <p:nvGrpSpPr>
@@ -3257,7 +3371,9 @@
       <p:sp>
         <p:nvSpPr>
           <p:cNvPr id="161" name="Base64"/>
-          <p:cNvSpPr txBox="1"/>
+          <p:cNvSpPr txBox="1">
+            <a:spLocks noGrp="1"/>
+          </p:cNvSpPr>
           <p:nvPr>
             <p:ph type="ctrTitle"/>
           </p:nvPr>
@@ -3279,7 +3395,6 @@
             </a:lvl1pPr>
           </a:lstStyle>
           <a:p>
-            <a:pPr/>
             <a:r>
               <a:t>常见的数字证书</a:t>
             </a:r>
@@ -3289,7 +3404,9 @@
       <p:sp>
         <p:nvSpPr>
           <p:cNvPr id="162" name="Base64是8Bit字节代码的编码方式之一，严格意义上并不算是一种加密算法。"/>
-          <p:cNvSpPr txBox="1"/>
+          <p:cNvSpPr txBox="1">
+            <a:spLocks noGrp="1"/>
+          </p:cNvSpPr>
           <p:nvPr>
             <p:ph type="subTitle" idx="1"/>
           </p:nvPr>
@@ -3345,7 +3462,6 @@
               <a:rPr sz="1600"/>
               <a:t>通用的数字证书格式，规范了数字证书的标准</a:t>
             </a:r>
-            <a:endParaRPr sz="1600"/>
           </a:p>
           <a:p>
             <a:pPr marL="274320" indent="-274320" algn="l" defTabSz="731520">
@@ -3383,42 +3499,13 @@
               <a:t>	</a:t>
             </a:r>
             <a:r>
-              <a:rPr b="1" sz="1600"/>
+              <a:rPr sz="1600" b="1"/>
               <a:t>.pem</a:t>
             </a:r>
             <a:r>
               <a:rPr sz="1600"/>
-              <a:t> ASCII(Base64)</a:t>
-            </a:r>
-            <a:r>
-              <a:rPr sz="1600"/>
-              <a:t>编码</a:t>
-            </a:r>
-            <a:r>
-              <a:rPr sz="1600"/>
-              <a:t>,</a:t>
-            </a:r>
-            <a:r>
-              <a:rPr sz="1600"/>
-              <a:t>可用来存储 私钥、公钥和证书签名请求文件</a:t>
-            </a:r>
-            <a:r>
-              <a:rPr sz="1600"/>
-              <a:t>(csr)</a:t>
-            </a:r>
-            <a:r>
-              <a:rPr sz="1600"/>
-              <a:t>等，</a:t>
-            </a:r>
-            <a:r>
-              <a:rPr sz="1600"/>
-              <a:t>openssl</a:t>
-            </a:r>
-            <a:r>
-              <a:rPr sz="1600"/>
-              <a:t>默认的证书文件格式</a:t>
-            </a:r>
-            <a:endParaRPr sz="1600"/>
+              <a:t> ASCII(Base64)编码,可用来存储 私钥、公钥和证书签名请求文件(csr)等，openssl默认的证书文件格式</a:t>
+            </a:r>
           </a:p>
           <a:p>
             <a:pPr marL="274320" indent="-274320" algn="l" defTabSz="731520">
@@ -3441,19 +3528,7 @@
               <a:t>.der </a:t>
             </a:r>
             <a:r>
-              <a:t>二进制</a:t>
-            </a:r>
-            <a:r>
-              <a:t>DER</a:t>
-            </a:r>
-            <a:r>
-              <a:t>编码，可用来存储私钥、公钥和</a:t>
-            </a:r>
-            <a:r>
-              <a:t>csr</a:t>
-            </a:r>
-            <a:r>
-              <a:t>文件，大多数浏览器默认的证书文件格式</a:t>
+              <a:t>二进制DER编码，可用来存储私钥、公钥和csr文件，大多数浏览器默认的证书文件格式</a:t>
             </a:r>
           </a:p>
           <a:p>
@@ -3533,33 +3608,8 @@
             </a:r>
             <a:r>
               <a:rPr sz="1600"/>
-              <a:t>用于存放个人证书</a:t>
-            </a:r>
-            <a:r>
-              <a:rPr sz="1600"/>
-              <a:t>/</a:t>
-            </a:r>
-            <a:r>
-              <a:rPr sz="1600"/>
-              <a:t>私钥，他通常包含保护密码，</a:t>
-            </a:r>
-            <a:r>
-              <a:rPr sz="1600"/>
-              <a:t>2</a:t>
-            </a:r>
-            <a:r>
-              <a:rPr sz="1600"/>
-              <a:t>进制方式。对私钥二次加密，如果没有密码，拿到</a:t>
-            </a:r>
-            <a:r>
-              <a:rPr sz="1600"/>
-              <a:t>pfx</a:t>
-            </a:r>
-            <a:r>
-              <a:rPr sz="1600"/>
-              <a:t>文件也没用。</a:t>
-            </a:r>
-            <a:endParaRPr sz="1600"/>
+              <a:t>用于存放个人证书/私钥，他通常包含保护密码，2进制方式。对私钥二次加密，如果没有密码，拿到pfx文件也没用。</a:t>
+            </a:r>
           </a:p>
           <a:p>
             <a:pPr marL="224589" indent="-224589" algn="l" defTabSz="731520">
@@ -3595,25 +3645,8 @@
             </a:pPr>
             <a:r>
               <a:rPr sz="1600"/>
-              <a:t>     用于存储公私玥，可直接用</a:t>
-            </a:r>
-            <a:r>
-              <a:rPr sz="1600"/>
-              <a:t>Java</a:t>
-            </a:r>
-            <a:r>
-              <a:rPr sz="1600"/>
-              <a:t>代码解析出公私玥，可直接导入</a:t>
-            </a:r>
-            <a:r>
-              <a:rPr sz="1600"/>
-              <a:t>tomcat</a:t>
-            </a:r>
-            <a:r>
-              <a:rPr sz="1600"/>
-              <a:t>等容器。也可.keystore作为后缀</a:t>
-            </a:r>
-            <a:endParaRPr sz="1600"/>
+              <a:t>     用于存储公私玥，可直接用Java代码解析出公私玥，可直接导入tomcat等容器。也可.keystore作为后缀</a:t>
+            </a:r>
           </a:p>
           <a:p>
             <a:pPr marL="274320" indent="-274320" algn="l" defTabSz="731520">
@@ -3652,15 +3685,7 @@
             </a:r>
             <a:r>
               <a:rPr sz="1600"/>
-              <a:t>向</a:t>
-            </a:r>
-            <a:r>
-              <a:rPr sz="1600"/>
-              <a:t>CA</a:t>
-            </a:r>
-            <a:r>
-              <a:rPr sz="1600"/>
-              <a:t>申请证书前需提交的文件，主要包括公钥、签名等信息</a:t>
+              <a:t>向CA申请证书前需提交的文件，主要包括公钥、签名等信息</a:t>
             </a:r>
           </a:p>
         </p:txBody>
@@ -3670,12 +3695,12 @@
   <p:clrMapOvr>
     <a:masterClrMapping/>
   </p:clrMapOvr>
-  <p:transition xmlns:p14="http://schemas.microsoft.com/office/powerpoint/2010/main" spd="med" advClick="1"/>
+  <p:transition spd="med"/>
 </p:sld>
 </file>
 
 <file path=ppt/slides/slide12.xml><?xml version="1.0" encoding="utf-8"?>
-<p:sld xmlns:a="http://schemas.openxmlformats.org/drawingml/2006/main" xmlns:r="http://schemas.openxmlformats.org/officeDocument/2006/relationships" xmlns:p="http://schemas.openxmlformats.org/presentationml/2006/main" showMasterSp="1" showMasterPhAnim="1">
+<p:sld xmlns:a="http://schemas.openxmlformats.org/drawingml/2006/main" xmlns:r="http://schemas.openxmlformats.org/officeDocument/2006/relationships" xmlns:p="http://schemas.openxmlformats.org/presentationml/2006/main">
   <p:cSld>
     <p:spTree>
       <p:nvGrpSpPr>
@@ -3693,16 +3718,18 @@
       </p:grpSpPr>
       <p:sp>
         <p:nvSpPr>
-          <p:cNvPr id="164" name="SSL协议加密方式"/>
-          <p:cNvSpPr txBox="1"/>
+          <p:cNvPr id="161" name="Base64"/>
+          <p:cNvSpPr txBox="1">
+            <a:spLocks noGrp="1"/>
+          </p:cNvSpPr>
           <p:nvPr>
             <p:ph type="ctrTitle"/>
           </p:nvPr>
         </p:nvSpPr>
         <p:spPr>
           <a:xfrm>
-            <a:off x="571500" y="762000"/>
-            <a:ext cx="10464800" cy="1225005"/>
+            <a:off x="1270000" y="520700"/>
+            <a:ext cx="10464800" cy="870298"/>
           </a:xfrm>
           <a:prstGeom prst="rect">
             <a:avLst/>
@@ -3711,30 +3738,37 @@
         <p:txBody>
           <a:bodyPr/>
           <a:lstStyle>
-            <a:lvl1pPr algn="l" defTabSz="461518">
-              <a:defRPr sz="6300"/>
+            <a:lvl1pPr algn="l" defTabSz="318973">
+              <a:defRPr sz="4320"/>
             </a:lvl1pPr>
           </a:lstStyle>
           <a:p>
-            <a:pPr/>
-            <a:r>
-              <a:t>SSL协议加密方式</a:t>
-            </a:r>
+            <a:r>
+              <a:rPr lang="en-US" altLang="zh-CN" dirty="0" smtClean="0"/>
+              <a:t>HTTPS</a:t>
+            </a:r>
+            <a:r>
+              <a:rPr lang="zh-CN" altLang="en-US" dirty="0" smtClean="0"/>
+              <a:t>原理</a:t>
+            </a:r>
+            <a:endParaRPr dirty="0"/>
           </a:p>
         </p:txBody>
       </p:sp>
       <p:sp>
         <p:nvSpPr>
-          <p:cNvPr id="165" name="SSL协议即用到了对称加密也用到了非对称加密(公钥加密)，在建立传输链路时，SSL首先对对称加密的密钥使用公钥进行非对称加密，链路建立好之后，SSL对传输内容使用对称加密。…"/>
-          <p:cNvSpPr txBox="1"/>
+          <p:cNvPr id="162" name="Base64是8Bit字节代码的编码方式之一，严格意义上并不算是一种加密算法。"/>
+          <p:cNvSpPr txBox="1">
+            <a:spLocks noGrp="1"/>
+          </p:cNvSpPr>
           <p:nvPr>
-            <p:ph type="subTitle" sz="half" idx="1"/>
+            <p:ph type="subTitle" idx="1"/>
           </p:nvPr>
         </p:nvSpPr>
         <p:spPr>
           <a:xfrm>
-            <a:off x="279400" y="2673548"/>
-            <a:ext cx="10464800" cy="4406504"/>
+            <a:off x="1270000" y="2216177"/>
+            <a:ext cx="10464800" cy="5781775"/>
           </a:xfrm>
           <a:prstGeom prst="rect">
             <a:avLst/>
@@ -3744,68 +3778,171 @@
           <a:bodyPr/>
           <a:lstStyle/>
           <a:p>
-            <a:pPr algn="l" defTabSz="455674">
-              <a:defRPr sz="2400"/>
+            <a:pPr algn="l" defTabSz="731520">
+              <a:spcBef>
+                <a:spcPts val="500"/>
+              </a:spcBef>
+              <a:buSzPct val="100000"/>
+              <a:defRPr sz="2240">
+                <a:latin typeface="微软雅黑"/>
+                <a:ea typeface="微软雅黑"/>
+                <a:cs typeface="微软雅黑"/>
+                <a:sym typeface="微软雅黑"/>
+              </a:defRPr>
             </a:pPr>
             <a:r>
-              <a:t>        SSL协议即用到了对称加密也用到了非对称加密(公钥加密)，在建立传输链路时，SSL首先对对称加密的密钥使用公钥进行非对称加密，链路建立好之后，SSL对传输内容使用对称加密。</a:t>
-            </a:r>
-          </a:p>
-          <a:p>
-            <a:pPr algn="l" defTabSz="455674">
-              <a:defRPr sz="2400"/>
+              <a:rPr lang="en-US" altLang="zh-CN" sz="2000" dirty="0"/>
+              <a:t>HTTPS</a:t>
+            </a:r>
+            <a:r>
+              <a:rPr lang="zh-CN" altLang="en-US" sz="2000" dirty="0"/>
+              <a:t>是在</a:t>
+            </a:r>
+            <a:r>
+              <a:rPr lang="en-US" altLang="zh-CN" sz="2000" dirty="0"/>
+              <a:t>HTTP</a:t>
+            </a:r>
+            <a:r>
+              <a:rPr lang="zh-CN" altLang="en-US" sz="2000" dirty="0"/>
+              <a:t>上建立</a:t>
+            </a:r>
+            <a:r>
+              <a:rPr lang="en-US" altLang="zh-CN" sz="2000" dirty="0"/>
+              <a:t>SSL</a:t>
+            </a:r>
+            <a:r>
+              <a:rPr lang="zh-CN" altLang="en-US" sz="2000" dirty="0"/>
+              <a:t>加密层，并对传输数据进行加密，是</a:t>
+            </a:r>
+            <a:r>
+              <a:rPr lang="en-US" altLang="zh-CN" sz="2000" dirty="0"/>
+              <a:t>HTTP</a:t>
+            </a:r>
+            <a:r>
+              <a:rPr lang="zh-CN" altLang="en-US" sz="2000" dirty="0" smtClean="0"/>
+              <a:t>协议的</a:t>
+            </a:r>
+            <a:r>
+              <a:rPr lang="zh-CN" altLang="en-US" sz="2000" dirty="0"/>
+              <a:t>安全版</a:t>
+            </a:r>
+            <a:r>
+              <a:rPr lang="zh-CN" altLang="en-US" sz="2000" dirty="0" smtClean="0"/>
+              <a:t>。</a:t>
+            </a:r>
+            <a:endParaRPr lang="en-US" altLang="zh-CN" sz="2000" dirty="0" smtClean="0"/>
+          </a:p>
+          <a:p>
+            <a:pPr algn="l" defTabSz="731520">
+              <a:spcBef>
+                <a:spcPts val="500"/>
+              </a:spcBef>
+              <a:buSzPct val="100000"/>
+              <a:defRPr sz="2240">
+                <a:latin typeface="微软雅黑"/>
+                <a:ea typeface="微软雅黑"/>
+                <a:cs typeface="微软雅黑"/>
+                <a:sym typeface="微软雅黑"/>
+              </a:defRPr>
             </a:pPr>
-          </a:p>
-          <a:p>
-            <a:pPr lvl="2" indent="356615" algn="l" defTabSz="455674">
-              <a:defRPr sz="2400"/>
+            <a:r>
+              <a:rPr lang="en-US" altLang="zh-CN" sz="2000" dirty="0" smtClean="0"/>
+              <a:t>HTTPS=HTTP+SSL</a:t>
+            </a:r>
+            <a:r>
+              <a:rPr lang="en-US" altLang="zh-CN" sz="2000" dirty="0" smtClean="0"/>
+              <a:t>/TLS</a:t>
+            </a:r>
+          </a:p>
+          <a:p>
+            <a:pPr algn="l" defTabSz="731520">
+              <a:spcBef>
+                <a:spcPts val="500"/>
+              </a:spcBef>
+              <a:buSzPct val="100000"/>
+              <a:defRPr sz="2240">
+                <a:latin typeface="微软雅黑"/>
+                <a:ea typeface="微软雅黑"/>
+                <a:cs typeface="微软雅黑"/>
+                <a:sym typeface="微软雅黑"/>
+              </a:defRPr>
             </a:pPr>
-            <a:r>
-              <a:t>1、对称加密 </a:t>
-            </a:r>
-          </a:p>
-          <a:p>
-            <a:pPr lvl="2" indent="356615" algn="l" defTabSz="455674">
-              <a:defRPr sz="2400"/>
+            <a:endParaRPr lang="en-US" sz="1600" dirty="0"/>
+          </a:p>
+          <a:p>
+            <a:pPr algn="l" defTabSz="731520">
+              <a:spcBef>
+                <a:spcPts val="500"/>
+              </a:spcBef>
+              <a:buSzPct val="100000"/>
+              <a:defRPr sz="2240">
+                <a:latin typeface="微软雅黑"/>
+                <a:ea typeface="微软雅黑"/>
+                <a:cs typeface="微软雅黑"/>
+                <a:sym typeface="微软雅黑"/>
+              </a:defRPr>
             </a:pPr>
-            <a:r>
-              <a:t>速度高，可加密内容较大，用来加密会话过程中的消息</a:t>
-            </a:r>
-          </a:p>
-          <a:p>
-            <a:pPr algn="l" defTabSz="455674">
-              <a:defRPr sz="2400"/>
-            </a:pPr>
-          </a:p>
-          <a:p>
-            <a:pPr lvl="2" indent="356615" algn="l" defTabSz="455674">
-              <a:defRPr sz="2400"/>
-            </a:pPr>
-            <a:r>
-              <a:t>2、公钥加密 </a:t>
-            </a:r>
-          </a:p>
-          <a:p>
-            <a:pPr lvl="2" indent="356615" algn="l" defTabSz="455674">
-              <a:defRPr sz="2400"/>
-            </a:pPr>
-            <a:r>
-              <a:t>加密速度较慢，但能提供更好的身份认证技术，用来加密对称加密的密钥</a:t>
-            </a:r>
+            <a:endParaRPr sz="1600" dirty="0"/>
           </a:p>
         </p:txBody>
       </p:sp>
+      <p:pic>
+        <p:nvPicPr>
+          <p:cNvPr id="1026" name="Picture 2" descr="HTTPS和HTTP的区别是什么"/>
+          <p:cNvPicPr>
+            <a:picLocks noChangeAspect="1" noChangeArrowheads="1"/>
+          </p:cNvPicPr>
+          <p:nvPr/>
+        </p:nvPicPr>
+        <p:blipFill>
+          <a:blip r:embed="rId2">
+            <a:extLst>
+              <a:ext uri="{28A0092B-C50C-407E-A947-70E740481C1C}">
+                <a14:useLocalDpi xmlns:a14="http://schemas.microsoft.com/office/drawing/2010/main" val="0"/>
+              </a:ext>
+            </a:extLst>
+          </a:blip>
+          <a:srcRect/>
+          <a:stretch>
+            <a:fillRect/>
+          </a:stretch>
+        </p:blipFill>
+        <p:spPr bwMode="auto">
+          <a:xfrm>
+            <a:off x="2285491" y="3969397"/>
+            <a:ext cx="6573299" cy="3382379"/>
+          </a:xfrm>
+          <a:prstGeom prst="rect">
+            <a:avLst/>
+          </a:prstGeom>
+          <a:noFill/>
+          <a:extLst>
+            <a:ext uri="{909E8E84-426E-40DD-AFC4-6F175D3DCCD1}">
+              <a14:hiddenFill xmlns:a14="http://schemas.microsoft.com/office/drawing/2010/main">
+                <a:solidFill>
+                  <a:srgbClr val="FFFFFF"/>
+                </a:solidFill>
+              </a14:hiddenFill>
+            </a:ext>
+          </a:extLst>
+        </p:spPr>
+      </p:pic>
     </p:spTree>
+    <p:extLst>
+      <p:ext uri="{BB962C8B-B14F-4D97-AF65-F5344CB8AC3E}">
+        <p14:creationId xmlns:p14="http://schemas.microsoft.com/office/powerpoint/2010/main" val="4067814727"/>
+      </p:ext>
+    </p:extLst>
   </p:cSld>
   <p:clrMapOvr>
     <a:masterClrMapping/>
   </p:clrMapOvr>
-  <p:transition xmlns:p14="http://schemas.microsoft.com/office/powerpoint/2010/main" spd="med" advClick="1"/>
+  <p:transition spd="med"/>
 </p:sld>
 </file>
 
 <file path=ppt/slides/slide13.xml><?xml version="1.0" encoding="utf-8"?>
-<p:sld xmlns:a="http://schemas.openxmlformats.org/drawingml/2006/main" xmlns:r="http://schemas.openxmlformats.org/officeDocument/2006/relationships" xmlns:p="http://schemas.openxmlformats.org/presentationml/2006/main" showMasterSp="1" showMasterPhAnim="1">
+<p:sld xmlns:a="http://schemas.openxmlformats.org/drawingml/2006/main" xmlns:r="http://schemas.openxmlformats.org/officeDocument/2006/relationships" xmlns:p="http://schemas.openxmlformats.org/presentationml/2006/main">
   <p:cSld>
     <p:spTree>
       <p:nvGrpSpPr>
@@ -3823,16 +3960,18 @@
       </p:grpSpPr>
       <p:sp>
         <p:nvSpPr>
-          <p:cNvPr id="167" name="单向SSL"/>
-          <p:cNvSpPr txBox="1"/>
+          <p:cNvPr id="161" name="Base64"/>
+          <p:cNvSpPr txBox="1">
+            <a:spLocks noGrp="1"/>
+          </p:cNvSpPr>
           <p:nvPr>
             <p:ph type="ctrTitle"/>
           </p:nvPr>
         </p:nvSpPr>
         <p:spPr>
           <a:xfrm>
-            <a:off x="368300" y="762000"/>
-            <a:ext cx="10464800" cy="1225005"/>
+            <a:off x="1270000" y="520700"/>
+            <a:ext cx="10464800" cy="870298"/>
           </a:xfrm>
           <a:prstGeom prst="rect">
             <a:avLst/>
@@ -3841,30 +3980,37 @@
         <p:txBody>
           <a:bodyPr/>
           <a:lstStyle>
-            <a:lvl1pPr algn="l" defTabSz="461518">
-              <a:defRPr sz="6300"/>
+            <a:lvl1pPr algn="l" defTabSz="318973">
+              <a:defRPr sz="4320"/>
             </a:lvl1pPr>
           </a:lstStyle>
           <a:p>
-            <a:pPr/>
-            <a:r>
-              <a:t>单向SSL</a:t>
-            </a:r>
+            <a:r>
+              <a:rPr lang="en-US" altLang="zh-CN" dirty="0" smtClean="0"/>
+              <a:t>HTTPS</a:t>
+            </a:r>
+            <a:r>
+              <a:rPr lang="zh-CN" altLang="en-US" dirty="0" smtClean="0"/>
+              <a:t>原理</a:t>
+            </a:r>
+            <a:endParaRPr dirty="0"/>
           </a:p>
         </p:txBody>
       </p:sp>
       <p:sp>
         <p:nvSpPr>
-          <p:cNvPr id="168" name="服务器端下发证书，客户端接受证书。证书带有公钥信息，用于验证服务器端、对数据加密/解密，起到OSI五类服务的认证（鉴别）服务和保密性服务。…"/>
-          <p:cNvSpPr txBox="1"/>
+          <p:cNvPr id="162" name="Base64是8Bit字节代码的编码方式之一，严格意义上并不算是一种加密算法。"/>
+          <p:cNvSpPr txBox="1">
+            <a:spLocks noGrp="1"/>
+          </p:cNvSpPr>
           <p:nvPr>
-            <p:ph type="subTitle" sz="half" idx="1"/>
+            <p:ph type="subTitle" idx="1"/>
           </p:nvPr>
         </p:nvSpPr>
         <p:spPr>
           <a:xfrm>
-            <a:off x="368300" y="2355875"/>
-            <a:ext cx="10464800" cy="2958011"/>
+            <a:off x="1270000" y="2216177"/>
+            <a:ext cx="10464800" cy="5781775"/>
           </a:xfrm>
           <a:prstGeom prst="rect">
             <a:avLst/>
@@ -3874,131 +4020,147 @@
           <a:bodyPr/>
           <a:lstStyle/>
           <a:p>
-            <a:pPr algn="l" defTabSz="490727">
-              <a:defRPr sz="2600"/>
+            <a:pPr algn="l" defTabSz="731520">
+              <a:spcBef>
+                <a:spcPts val="500"/>
+              </a:spcBef>
+              <a:buSzPct val="100000"/>
+              <a:defRPr sz="2240">
+                <a:latin typeface="微软雅黑"/>
+                <a:ea typeface="微软雅黑"/>
+                <a:cs typeface="微软雅黑"/>
+                <a:sym typeface="微软雅黑"/>
+              </a:defRPr>
             </a:pPr>
             <a:r>
-              <a:t>        服务器端下发证书，客户端接受证书。证书带有公钥信息，用于验证服务器端、对数据加密/解密，起到OSI五类服务的认证（鉴别）服务和保密性服务。</a:t>
-            </a:r>
-          </a:p>
-          <a:p>
-            <a:pPr algn="l" defTabSz="490727">
-              <a:defRPr sz="3100"/>
+              <a:rPr lang="zh-CN" altLang="en-US" sz="2000" dirty="0" smtClean="0"/>
+              <a:t>思考：</a:t>
+            </a:r>
+            <a:endParaRPr lang="en-US" sz="2000" dirty="0"/>
+          </a:p>
+          <a:p>
+            <a:pPr algn="l" defTabSz="731520">
+              <a:spcBef>
+                <a:spcPts val="500"/>
+              </a:spcBef>
+              <a:buSzPct val="100000"/>
+              <a:defRPr sz="2240">
+                <a:latin typeface="微软雅黑"/>
+                <a:ea typeface="微软雅黑"/>
+                <a:cs typeface="微软雅黑"/>
+                <a:sym typeface="微软雅黑"/>
+              </a:defRPr>
             </a:pPr>
             <a:r>
-              <a:t>特点：</a:t>
-            </a:r>
-          </a:p>
-          <a:p>
-            <a:pPr algn="l" defTabSz="490727">
-              <a:defRPr sz="3100"/>
+              <a:rPr lang="en-US" altLang="zh-CN" sz="2000" dirty="0" smtClean="0"/>
+              <a:t>1.</a:t>
+            </a:r>
+            <a:r>
+              <a:rPr lang="zh-CN" altLang="en-US" sz="2000" dirty="0" smtClean="0"/>
+              <a:t>为什么</a:t>
+            </a:r>
+            <a:r>
+              <a:rPr lang="zh-CN" altLang="en-US" sz="2000" dirty="0"/>
+              <a:t>是在传输层与应用层之间新增</a:t>
+            </a:r>
+            <a:r>
+              <a:rPr lang="en-US" altLang="zh-CN" sz="2000" dirty="0"/>
+              <a:t>SSL</a:t>
+            </a:r>
+            <a:r>
+              <a:rPr lang="zh-CN" altLang="en-US" sz="2000" dirty="0"/>
+              <a:t>协议，而不是直接创造</a:t>
+            </a:r>
+            <a:r>
+              <a:rPr lang="en-US" altLang="zh-CN" sz="2000" dirty="0"/>
+              <a:t>HTTPS</a:t>
+            </a:r>
+            <a:r>
+              <a:rPr lang="zh-CN" altLang="en-US" sz="2000" dirty="0"/>
+              <a:t>协议？</a:t>
+            </a:r>
+            <a:endParaRPr lang="en-US" altLang="zh-CN" sz="2000" dirty="0"/>
+          </a:p>
+          <a:p>
+            <a:pPr algn="l" defTabSz="731520">
+              <a:spcBef>
+                <a:spcPts val="500"/>
+              </a:spcBef>
+              <a:buSzPct val="100000"/>
+              <a:defRPr sz="2240">
+                <a:latin typeface="微软雅黑"/>
+                <a:ea typeface="微软雅黑"/>
+                <a:cs typeface="微软雅黑"/>
+                <a:sym typeface="微软雅黑"/>
+              </a:defRPr>
             </a:pPr>
             <a:r>
-              <a:t>只需要验证SSL服务器身份，不需要验证SSL客户端身份。</a:t>
-            </a:r>
+              <a:rPr lang="en-US" altLang="zh-CN" sz="2000" dirty="0" smtClean="0"/>
+              <a:t>2.</a:t>
+            </a:r>
+            <a:r>
+              <a:rPr lang="zh-CN" altLang="en-US" sz="2000" dirty="0" smtClean="0"/>
+              <a:t>为什么</a:t>
+            </a:r>
+            <a:r>
+              <a:rPr lang="en-US" altLang="zh-CN" sz="2000" dirty="0"/>
+              <a:t>SSL</a:t>
+            </a:r>
+            <a:r>
+              <a:rPr lang="zh-CN" altLang="en-US" sz="2000" dirty="0"/>
+              <a:t>运行在</a:t>
+            </a:r>
+            <a:r>
+              <a:rPr lang="en-US" altLang="zh-CN" sz="2000" dirty="0"/>
+              <a:t>TCP</a:t>
+            </a:r>
+            <a:r>
+              <a:rPr lang="zh-CN" altLang="en-US" sz="2000" dirty="0"/>
+              <a:t>协议之上，而不是</a:t>
+            </a:r>
+            <a:r>
+              <a:rPr lang="en-US" altLang="zh-CN" sz="2000" dirty="0"/>
+              <a:t>UDP</a:t>
+            </a:r>
+            <a:r>
+              <a:rPr lang="zh-CN" altLang="en-US" sz="2000" dirty="0"/>
+              <a:t>协议？</a:t>
+            </a:r>
+            <a:endParaRPr lang="en-US" altLang="zh-CN" sz="2000" dirty="0"/>
+          </a:p>
+          <a:p>
+            <a:pPr algn="l" defTabSz="731520">
+              <a:spcBef>
+                <a:spcPts val="500"/>
+              </a:spcBef>
+              <a:buSzPct val="100000"/>
+              <a:defRPr sz="2240">
+                <a:latin typeface="微软雅黑"/>
+                <a:ea typeface="微软雅黑"/>
+                <a:cs typeface="微软雅黑"/>
+                <a:sym typeface="微软雅黑"/>
+              </a:defRPr>
+            </a:pPr>
+            <a:endParaRPr sz="1600" dirty="0"/>
           </a:p>
         </p:txBody>
       </p:sp>
     </p:spTree>
+    <p:extLst>
+      <p:ext uri="{BB962C8B-B14F-4D97-AF65-F5344CB8AC3E}">
+        <p14:creationId xmlns:p14="http://schemas.microsoft.com/office/powerpoint/2010/main" val="517850397"/>
+      </p:ext>
+    </p:extLst>
   </p:cSld>
   <p:clrMapOvr>
     <a:masterClrMapping/>
   </p:clrMapOvr>
-  <p:transition xmlns:p14="http://schemas.microsoft.com/office/powerpoint/2010/main" spd="med" advClick="1"/>
-  <p:timing>
-    <p:tnLst>
-      <p:par>
-        <p:cTn id="1" nodeType="tmRoot" restart="never" dur="indefinite" fill="hold">
-          <p:childTnLst>
-            <p:seq concurrent="1" prevAc="none" nextAc="seek">
-              <p:cTn id="2" nodeType="mainSeq" dur="indefinite" fill="hold">
-                <p:childTnLst>
-                  <p:par>
-                    <p:cTn id="3" fill="hold">
-                      <p:stCondLst>
-                        <p:cond delay="indefinite"/>
-                      </p:stCondLst>
-                      <p:childTnLst>
-                        <p:par>
-                          <p:cTn id="4" fill="hold">
-                            <p:stCondLst>
-                              <p:cond delay="0"/>
-                            </p:stCondLst>
-                            <p:childTnLst>
-                              <p:par>
-                                <p:cTn id="5" presetClass="exit" nodeType="clickEffect" presetID="9" grpId="1" fill="hold">
-                                  <p:stCondLst>
-                                    <p:cond delay="0"/>
-                                  </p:stCondLst>
-                                  <p:iterate type="el" backwards="0">
-                                    <p:tmAbs val="0"/>
-                                  </p:iterate>
-                                  <p:childTnLst>
-                                    <p:animEffect filter="dissolve" transition="out">
-                                      <p:cBhvr>
-                                        <p:cTn id="6" dur="1500" fill="hold"/>
-                                        <p:tgtEl>
-                                          <p:spTgt spid="168"/>
-                                        </p:tgtEl>
-                                      </p:cBhvr>
-                                    </p:animEffect>
-                                    <p:set>
-                                      <p:cBhvr>
-                                        <p:cTn id="7" fill="hold">
-                                          <p:stCondLst>
-                                            <p:cond delay="1499"/>
-                                          </p:stCondLst>
-                                        </p:cTn>
-                                        <p:tgtEl>
-                                          <p:spTgt spid="168"/>
-                                        </p:tgtEl>
-                                        <p:attrNameLst>
-                                          <p:attrName>style.visibility</p:attrName>
-                                        </p:attrNameLst>
-                                      </p:cBhvr>
-                                      <p:to>
-                                        <p:strVal val="hidden"/>
-                                      </p:to>
-                                    </p:set>
-                                  </p:childTnLst>
-                                </p:cTn>
-                              </p:par>
-                            </p:childTnLst>
-                          </p:cTn>
-                        </p:par>
-                      </p:childTnLst>
-                    </p:cTn>
-                  </p:par>
-                </p:childTnLst>
-              </p:cTn>
-              <p:prevCondLst>
-                <p:cond evt="onPrev">
-                  <p:tgtEl>
-                    <p:sldTgt/>
-                  </p:tgtEl>
-                </p:cond>
-              </p:prevCondLst>
-              <p:nextCondLst>
-                <p:cond evt="onNext">
-                  <p:tgtEl>
-                    <p:sldTgt/>
-                  </p:tgtEl>
-                </p:cond>
-              </p:nextCondLst>
-            </p:seq>
-          </p:childTnLst>
-        </p:cTn>
-      </p:par>
-    </p:tnLst>
-    <p:bldLst>
-      <p:bldP build="whole" bldLvl="1" animBg="1" rev="0" advAuto="0" spid="168" grpId="1"/>
-    </p:bldLst>
-  </p:timing>
+  <p:transition spd="med"/>
 </p:sld>
 </file>
 
 <file path=ppt/slides/slide14.xml><?xml version="1.0" encoding="utf-8"?>
-<p:sld xmlns:a="http://schemas.openxmlformats.org/drawingml/2006/main" xmlns:r="http://schemas.openxmlformats.org/officeDocument/2006/relationships" xmlns:p="http://schemas.openxmlformats.org/presentationml/2006/main" showMasterSp="1" showMasterPhAnim="1">
+<p:sld xmlns:a="http://schemas.openxmlformats.org/drawingml/2006/main" xmlns:r="http://schemas.openxmlformats.org/officeDocument/2006/relationships" xmlns:p="http://schemas.openxmlformats.org/presentationml/2006/main">
   <p:cSld>
     <p:spTree>
       <p:nvGrpSpPr>
@@ -4016,16 +4178,18 @@
       </p:grpSpPr>
       <p:sp>
         <p:nvSpPr>
-          <p:cNvPr id="170" name="单向SSL"/>
-          <p:cNvSpPr txBox="1"/>
+          <p:cNvPr id="161" name="Base64"/>
+          <p:cNvSpPr txBox="1">
+            <a:spLocks noGrp="1"/>
+          </p:cNvSpPr>
           <p:nvPr>
             <p:ph type="ctrTitle"/>
           </p:nvPr>
         </p:nvSpPr>
         <p:spPr>
           <a:xfrm>
-            <a:off x="368300" y="546100"/>
-            <a:ext cx="10464800" cy="1225005"/>
+            <a:off x="1270000" y="520700"/>
+            <a:ext cx="10464800" cy="870298"/>
           </a:xfrm>
           <a:prstGeom prst="rect">
             <a:avLst/>
@@ -4034,143 +4198,332 @@
         <p:txBody>
           <a:bodyPr/>
           <a:lstStyle>
-            <a:lvl1pPr algn="l" defTabSz="461518">
-              <a:defRPr sz="6300"/>
+            <a:lvl1pPr algn="l" defTabSz="318973">
+              <a:defRPr sz="4320"/>
             </a:lvl1pPr>
           </a:lstStyle>
           <a:p>
-            <a:pPr/>
-            <a:r>
-              <a:t>单向SSL</a:t>
-            </a:r>
+            <a:r>
+              <a:rPr lang="zh-CN" altLang="en-US" dirty="0" smtClean="0"/>
+              <a:t>什么是</a:t>
+            </a:r>
+            <a:r>
+              <a:rPr lang="en-US" altLang="zh-CN" dirty="0" smtClean="0"/>
+              <a:t>SSL/TLS?</a:t>
+            </a:r>
+            <a:endParaRPr dirty="0"/>
           </a:p>
         </p:txBody>
       </p:sp>
-      <p:pic>
-        <p:nvPicPr>
-          <p:cNvPr id="171" name="单向ssl.jpg" descr="单向ssl.jpg"/>
-          <p:cNvPicPr>
-            <a:picLocks noChangeAspect="1"/>
-          </p:cNvPicPr>
-          <p:nvPr/>
-        </p:nvPicPr>
-        <p:blipFill>
-          <a:blip r:embed="rId2">
-            <a:extLst/>
-          </a:blip>
-          <a:stretch>
-            <a:fillRect/>
-          </a:stretch>
-        </p:blipFill>
+      <p:sp>
+        <p:nvSpPr>
+          <p:cNvPr id="162" name="Base64是8Bit字节代码的编码方式之一，严格意义上并不算是一种加密算法。"/>
+          <p:cNvSpPr txBox="1">
+            <a:spLocks noGrp="1"/>
+          </p:cNvSpPr>
+          <p:nvPr>
+            <p:ph type="subTitle" idx="1"/>
+          </p:nvPr>
+        </p:nvSpPr>
         <p:spPr>
           <a:xfrm>
-            <a:off x="1996632" y="2082976"/>
-            <a:ext cx="7208135" cy="7035447"/>
+            <a:off x="1270000" y="2216177"/>
+            <a:ext cx="10464800" cy="5781775"/>
           </a:xfrm>
           <a:prstGeom prst="rect">
             <a:avLst/>
           </a:prstGeom>
-          <a:ln w="12700">
-            <a:miter lim="400000"/>
-          </a:ln>
         </p:spPr>
-      </p:pic>
+        <p:txBody>
+          <a:bodyPr/>
+          <a:lstStyle/>
+          <a:p>
+            <a:pPr algn="l" defTabSz="731520">
+              <a:spcBef>
+                <a:spcPts val="500"/>
+              </a:spcBef>
+              <a:buSzPct val="100000"/>
+              <a:defRPr sz="2240">
+                <a:latin typeface="微软雅黑"/>
+                <a:ea typeface="微软雅黑"/>
+                <a:cs typeface="微软雅黑"/>
+                <a:sym typeface="微软雅黑"/>
+              </a:defRPr>
+            </a:pPr>
+            <a:r>
+              <a:rPr lang="en-US" altLang="zh-CN" sz="2240" dirty="0" smtClean="0">
+                <a:sym typeface="微软雅黑"/>
+              </a:rPr>
+              <a:t>	SSL</a:t>
+            </a:r>
+            <a:r>
+              <a:rPr lang="zh-CN" altLang="en-US" sz="2240" dirty="0">
+                <a:sym typeface="微软雅黑"/>
+              </a:rPr>
+              <a:t>协议位于</a:t>
+            </a:r>
+            <a:r>
+              <a:rPr lang="en-US" altLang="zh-CN" sz="2240" dirty="0">
+                <a:sym typeface="微软雅黑"/>
+              </a:rPr>
+              <a:t>TCP/IP</a:t>
+            </a:r>
+            <a:r>
+              <a:rPr lang="zh-CN" altLang="en-US" sz="2240" dirty="0">
+                <a:sym typeface="微软雅黑"/>
+              </a:rPr>
+              <a:t>协议与各种应用层协议之间，为数据通讯提供安全支持。</a:t>
+            </a:r>
+            <a:r>
+              <a:rPr lang="en-US" altLang="zh-CN" sz="2240" dirty="0">
+                <a:sym typeface="微软雅黑"/>
+              </a:rPr>
+              <a:t>SSL</a:t>
+            </a:r>
+            <a:r>
+              <a:rPr lang="zh-CN" altLang="en-US" sz="2240" dirty="0">
+                <a:sym typeface="微软雅黑"/>
+              </a:rPr>
+              <a:t>协议可分为两层： </a:t>
+            </a:r>
+            <a:r>
+              <a:rPr lang="en-US" altLang="zh-CN" sz="2240" dirty="0">
+                <a:sym typeface="微软雅黑"/>
+              </a:rPr>
+              <a:t>SSL</a:t>
+            </a:r>
+            <a:r>
+              <a:rPr lang="zh-CN" altLang="en-US" sz="2240" dirty="0">
+                <a:sym typeface="微软雅黑"/>
+              </a:rPr>
+              <a:t>记录协议（</a:t>
+            </a:r>
+            <a:r>
+              <a:rPr lang="en-US" altLang="zh-CN" sz="2240" dirty="0">
+                <a:sym typeface="微软雅黑"/>
+              </a:rPr>
+              <a:t>SSL Record Protocol</a:t>
+            </a:r>
+            <a:r>
+              <a:rPr lang="zh-CN" altLang="en-US" sz="2240" dirty="0">
+                <a:sym typeface="微软雅黑"/>
+              </a:rPr>
+              <a:t>）：它建立在可靠的传输协议（如</a:t>
+            </a:r>
+            <a:r>
+              <a:rPr lang="en-US" altLang="zh-CN" sz="2240" dirty="0">
+                <a:sym typeface="微软雅黑"/>
+              </a:rPr>
+              <a:t>TCP</a:t>
+            </a:r>
+            <a:r>
+              <a:rPr lang="zh-CN" altLang="en-US" sz="2240" dirty="0">
+                <a:sym typeface="微软雅黑"/>
+              </a:rPr>
+              <a:t>）之上，为高层协议提供数据封装、压缩、加密等基本功能的支持。 </a:t>
+            </a:r>
+            <a:r>
+              <a:rPr lang="en-US" altLang="zh-CN" sz="2240" dirty="0">
+                <a:sym typeface="微软雅黑"/>
+              </a:rPr>
+              <a:t>SSL</a:t>
+            </a:r>
+            <a:r>
+              <a:rPr lang="zh-CN" altLang="en-US" sz="2240" dirty="0">
+                <a:sym typeface="微软雅黑"/>
+              </a:rPr>
+              <a:t>握手协议（</a:t>
+            </a:r>
+            <a:r>
+              <a:rPr lang="en-US" altLang="zh-CN" sz="2240" dirty="0">
+                <a:sym typeface="微软雅黑"/>
+              </a:rPr>
+              <a:t>SSL Handshake Protocol</a:t>
+            </a:r>
+            <a:r>
+              <a:rPr lang="zh-CN" altLang="en-US" sz="2240" dirty="0">
+                <a:sym typeface="微软雅黑"/>
+              </a:rPr>
+              <a:t>）：它建立在</a:t>
+            </a:r>
+            <a:r>
+              <a:rPr lang="en-US" altLang="zh-CN" sz="2240" dirty="0">
+                <a:sym typeface="微软雅黑"/>
+              </a:rPr>
+              <a:t>SSL</a:t>
+            </a:r>
+            <a:r>
+              <a:rPr lang="zh-CN" altLang="en-US" sz="2240" dirty="0">
+                <a:sym typeface="微软雅黑"/>
+              </a:rPr>
+              <a:t>记录协议之上，用于在实际的数据传输开始前，通讯双方进行身份认证、协商加密算法、交换加密密钥等</a:t>
+            </a:r>
+            <a:r>
+              <a:rPr lang="zh-CN" altLang="en-US" sz="2240" dirty="0" smtClean="0">
+                <a:sym typeface="微软雅黑"/>
+              </a:rPr>
+              <a:t>。</a:t>
+            </a:r>
+            <a:endParaRPr lang="en-US" altLang="zh-CN" sz="2240" dirty="0" smtClean="0">
+              <a:sym typeface="微软雅黑"/>
+            </a:endParaRPr>
+          </a:p>
+          <a:p>
+            <a:pPr algn="l" defTabSz="731520">
+              <a:spcBef>
+                <a:spcPts val="500"/>
+              </a:spcBef>
+              <a:buSzPct val="100000"/>
+              <a:defRPr sz="2240">
+                <a:latin typeface="微软雅黑"/>
+                <a:ea typeface="微软雅黑"/>
+                <a:cs typeface="微软雅黑"/>
+                <a:sym typeface="微软雅黑"/>
+              </a:defRPr>
+            </a:pPr>
+            <a:endParaRPr lang="en-US" sz="2240" dirty="0">
+              <a:sym typeface="微软雅黑"/>
+            </a:endParaRPr>
+          </a:p>
+          <a:p>
+            <a:pPr algn="l" defTabSz="731520">
+              <a:spcBef>
+                <a:spcPts val="500"/>
+              </a:spcBef>
+              <a:buSzPct val="100000"/>
+              <a:defRPr sz="2240">
+                <a:latin typeface="微软雅黑"/>
+                <a:ea typeface="微软雅黑"/>
+                <a:cs typeface="微软雅黑"/>
+                <a:sym typeface="微软雅黑"/>
+              </a:defRPr>
+            </a:pPr>
+            <a:endParaRPr lang="en-US" sz="2000" dirty="0" smtClean="0">
+              <a:sym typeface="微软雅黑"/>
+            </a:endParaRPr>
+          </a:p>
+          <a:p>
+            <a:pPr algn="l"/>
+            <a:r>
+              <a:rPr lang="en-US" altLang="zh-CN" sz="2400" dirty="0">
+                <a:latin typeface="微软雅黑" panose="020B0503020204020204" pitchFamily="34" charset="-122"/>
+                <a:ea typeface="微软雅黑" panose="020B0503020204020204" pitchFamily="34" charset="-122"/>
+              </a:rPr>
+              <a:t>SSL</a:t>
+            </a:r>
+            <a:r>
+              <a:rPr lang="zh-CN" altLang="en-US" sz="2400" dirty="0">
+                <a:latin typeface="微软雅黑" panose="020B0503020204020204" pitchFamily="34" charset="-122"/>
+                <a:ea typeface="微软雅黑" panose="020B0503020204020204" pitchFamily="34" charset="-122"/>
+              </a:rPr>
+              <a:t>协议提供的服务主要有：</a:t>
+            </a:r>
+          </a:p>
+          <a:p>
+            <a:pPr algn="l"/>
+            <a:r>
+              <a:rPr lang="zh-CN" altLang="en-US" sz="2400" dirty="0">
+                <a:latin typeface="微软雅黑" panose="020B0503020204020204" pitchFamily="34" charset="-122"/>
+                <a:ea typeface="微软雅黑" panose="020B0503020204020204" pitchFamily="34" charset="-122"/>
+              </a:rPr>
+              <a:t>　　</a:t>
+            </a:r>
+            <a:r>
+              <a:rPr lang="en-US" altLang="zh-CN" sz="2400" dirty="0">
+                <a:latin typeface="微软雅黑" panose="020B0503020204020204" pitchFamily="34" charset="-122"/>
+                <a:ea typeface="微软雅黑" panose="020B0503020204020204" pitchFamily="34" charset="-122"/>
+              </a:rPr>
+              <a:t>1</a:t>
+            </a:r>
+            <a:r>
+              <a:rPr lang="zh-CN" altLang="en-US" sz="2400" dirty="0">
+                <a:latin typeface="微软雅黑" panose="020B0503020204020204" pitchFamily="34" charset="-122"/>
+                <a:ea typeface="微软雅黑" panose="020B0503020204020204" pitchFamily="34" charset="-122"/>
+              </a:rPr>
+              <a:t>）认证用户和服务器，确保数据发送到正确的客户机和服务器；</a:t>
+            </a:r>
+          </a:p>
+          <a:p>
+            <a:pPr algn="l"/>
+            <a:r>
+              <a:rPr lang="zh-CN" altLang="en-US" sz="2400" dirty="0">
+                <a:latin typeface="微软雅黑" panose="020B0503020204020204" pitchFamily="34" charset="-122"/>
+                <a:ea typeface="微软雅黑" panose="020B0503020204020204" pitchFamily="34" charset="-122"/>
+              </a:rPr>
+              <a:t>　　</a:t>
+            </a:r>
+            <a:r>
+              <a:rPr lang="en-US" altLang="zh-CN" sz="2400" dirty="0">
+                <a:latin typeface="微软雅黑" panose="020B0503020204020204" pitchFamily="34" charset="-122"/>
+                <a:ea typeface="微软雅黑" panose="020B0503020204020204" pitchFamily="34" charset="-122"/>
+              </a:rPr>
+              <a:t>2</a:t>
+            </a:r>
+            <a:r>
+              <a:rPr lang="zh-CN" altLang="en-US" sz="2400" dirty="0">
+                <a:latin typeface="微软雅黑" panose="020B0503020204020204" pitchFamily="34" charset="-122"/>
+                <a:ea typeface="微软雅黑" panose="020B0503020204020204" pitchFamily="34" charset="-122"/>
+              </a:rPr>
+              <a:t>）加密数据以防止数据中途被窃取；</a:t>
+            </a:r>
+          </a:p>
+          <a:p>
+            <a:pPr algn="l"/>
+            <a:r>
+              <a:rPr lang="zh-CN" altLang="en-US" sz="2400" dirty="0">
+                <a:latin typeface="微软雅黑" panose="020B0503020204020204" pitchFamily="34" charset="-122"/>
+                <a:ea typeface="微软雅黑" panose="020B0503020204020204" pitchFamily="34" charset="-122"/>
+              </a:rPr>
+              <a:t>　　</a:t>
+            </a:r>
+            <a:r>
+              <a:rPr lang="en-US" altLang="zh-CN" sz="2400" dirty="0">
+                <a:latin typeface="微软雅黑" panose="020B0503020204020204" pitchFamily="34" charset="-122"/>
+                <a:ea typeface="微软雅黑" panose="020B0503020204020204" pitchFamily="34" charset="-122"/>
+              </a:rPr>
+              <a:t>3</a:t>
+            </a:r>
+            <a:r>
+              <a:rPr lang="zh-CN" altLang="en-US" sz="2400" dirty="0">
+                <a:latin typeface="微软雅黑" panose="020B0503020204020204" pitchFamily="34" charset="-122"/>
+                <a:ea typeface="微软雅黑" panose="020B0503020204020204" pitchFamily="34" charset="-122"/>
+              </a:rPr>
+              <a:t>）维护数据的完整性，确保数据在传输过程中不被改变。</a:t>
+            </a:r>
+          </a:p>
+          <a:p>
+            <a:pPr algn="l" defTabSz="731520">
+              <a:spcBef>
+                <a:spcPts val="500"/>
+              </a:spcBef>
+              <a:buSzPct val="100000"/>
+              <a:defRPr sz="2240">
+                <a:latin typeface="微软雅黑"/>
+                <a:ea typeface="微软雅黑"/>
+                <a:cs typeface="微软雅黑"/>
+                <a:sym typeface="微软雅黑"/>
+              </a:defRPr>
+            </a:pPr>
+            <a:endParaRPr sz="1600" dirty="0"/>
+          </a:p>
+        </p:txBody>
+      </p:sp>
     </p:spTree>
+    <p:extLst>
+      <p:ext uri="{BB962C8B-B14F-4D97-AF65-F5344CB8AC3E}">
+        <p14:creationId xmlns:p14="http://schemas.microsoft.com/office/powerpoint/2010/main" val="1596815221"/>
+      </p:ext>
+    </p:extLst>
   </p:cSld>
   <p:clrMapOvr>
     <a:masterClrMapping/>
   </p:clrMapOvr>
-  <p:transition xmlns:p14="http://schemas.microsoft.com/office/powerpoint/2010/main" spd="med" advClick="1"/>
-  <p:timing>
-    <p:tnLst>
-      <p:par>
-        <p:cTn id="1" nodeType="tmRoot" restart="never" dur="indefinite" fill="hold">
-          <p:childTnLst>
-            <p:seq concurrent="1" prevAc="none" nextAc="seek">
-              <p:cTn id="2" nodeType="mainSeq" dur="indefinite" fill="hold">
-                <p:childTnLst>
-                  <p:par>
-                    <p:cTn id="3" fill="hold">
-                      <p:stCondLst>
-                        <p:cond delay="indefinite"/>
-                      </p:stCondLst>
-                      <p:childTnLst>
-                        <p:par>
-                          <p:cTn id="4" fill="hold">
-                            <p:stCondLst>
-                              <p:cond delay="0"/>
-                            </p:stCondLst>
-                            <p:childTnLst>
-                              <p:par>
-                                <p:cTn id="5" presetClass="entr" nodeType="clickEffect" presetSubtype="8" presetID="22" grpId="1" fill="hold">
-                                  <p:stCondLst>
-                                    <p:cond delay="0"/>
-                                  </p:stCondLst>
-                                  <p:iterate type="el" backwards="0">
-                                    <p:tmAbs val="0"/>
-                                  </p:iterate>
-                                  <p:childTnLst>
-                                    <p:set>
-                                      <p:cBhvr>
-                                        <p:cTn id="6" fill="hold"/>
-                                        <p:tgtEl>
-                                          <p:spTgt spid="171"/>
-                                        </p:tgtEl>
-                                        <p:attrNameLst>
-                                          <p:attrName>style.visibility</p:attrName>
-                                        </p:attrNameLst>
-                                      </p:cBhvr>
-                                      <p:to>
-                                        <p:strVal val="visible"/>
-                                      </p:to>
-                                    </p:set>
-                                    <p:animEffect filter="wipe(left)" transition="in">
-                                      <p:cBhvr>
-                                        <p:cTn id="7" dur="1000"/>
-                                        <p:tgtEl>
-                                          <p:spTgt spid="171"/>
-                                        </p:tgtEl>
-                                      </p:cBhvr>
-                                    </p:animEffect>
-                                  </p:childTnLst>
-                                </p:cTn>
-                              </p:par>
-                            </p:childTnLst>
-                          </p:cTn>
-                        </p:par>
-                      </p:childTnLst>
-                    </p:cTn>
-                  </p:par>
-                </p:childTnLst>
-              </p:cTn>
-              <p:prevCondLst>
-                <p:cond evt="onPrev">
-                  <p:tgtEl>
-                    <p:sldTgt/>
-                  </p:tgtEl>
-                </p:cond>
-              </p:prevCondLst>
-              <p:nextCondLst>
-                <p:cond evt="onNext">
-                  <p:tgtEl>
-                    <p:sldTgt/>
-                  </p:tgtEl>
-                </p:cond>
-              </p:nextCondLst>
-            </p:seq>
-          </p:childTnLst>
-        </p:cTn>
-      </p:par>
-    </p:tnLst>
-    <p:bldLst>
-      <p:bldP build="whole" bldLvl="1" animBg="1" rev="0" advAuto="0" spid="171" grpId="1"/>
-    </p:bldLst>
-  </p:timing>
+  <p:transition spd="med"/>
 </p:sld>
 </file>
 
 <file path=ppt/slides/slide15.xml><?xml version="1.0" encoding="utf-8"?>
-<p:sld xmlns:a="http://schemas.openxmlformats.org/drawingml/2006/main" xmlns:r="http://schemas.openxmlformats.org/officeDocument/2006/relationships" xmlns:p="http://schemas.openxmlformats.org/presentationml/2006/main" showMasterSp="1" showMasterPhAnim="1">
+<p:sld xmlns:a="http://schemas.openxmlformats.org/drawingml/2006/main" xmlns:r="http://schemas.openxmlformats.org/officeDocument/2006/relationships" xmlns:p="http://schemas.openxmlformats.org/presentationml/2006/main">
   <p:cSld>
     <p:spTree>
       <p:nvGrpSpPr>
@@ -4188,16 +4541,18 @@
       </p:grpSpPr>
       <p:sp>
         <p:nvSpPr>
-          <p:cNvPr id="173" name="双向SSL"/>
-          <p:cNvSpPr txBox="1"/>
+          <p:cNvPr id="161" name="Base64"/>
+          <p:cNvSpPr txBox="1">
+            <a:spLocks noGrp="1"/>
+          </p:cNvSpPr>
           <p:nvPr>
             <p:ph type="ctrTitle"/>
           </p:nvPr>
         </p:nvSpPr>
         <p:spPr>
           <a:xfrm>
-            <a:off x="457200" y="939800"/>
-            <a:ext cx="10464800" cy="1225005"/>
+            <a:off x="1270000" y="520700"/>
+            <a:ext cx="10464800" cy="870298"/>
           </a:xfrm>
           <a:prstGeom prst="rect">
             <a:avLst/>
@@ -4206,148 +4561,225 @@
         <p:txBody>
           <a:bodyPr/>
           <a:lstStyle>
-            <a:lvl1pPr algn="l" defTabSz="461518">
-              <a:defRPr sz="6300"/>
+            <a:lvl1pPr algn="l" defTabSz="318973">
+              <a:defRPr sz="4320"/>
             </a:lvl1pPr>
           </a:lstStyle>
           <a:p>
-            <a:pPr/>
-            <a:r>
-              <a:t>双向SSL</a:t>
-            </a:r>
+            <a:r>
+              <a:rPr lang="en-US" altLang="zh-CN" dirty="0" smtClean="0"/>
+              <a:t>SSL</a:t>
+            </a:r>
+            <a:r>
+              <a:rPr lang="zh-CN" altLang="en-US" dirty="0" smtClean="0"/>
+              <a:t>工作流程</a:t>
+            </a:r>
+            <a:endParaRPr dirty="0"/>
           </a:p>
         </p:txBody>
       </p:sp>
       <p:sp>
         <p:nvSpPr>
-          <p:cNvPr id="174" name="在ssl单向认证的基础上，如果客户端也有这样一个证书，服务器端也就能够验证客户端，这就是双向认证了。"/>
-          <p:cNvSpPr txBox="1"/>
-          <p:nvPr>
-            <p:ph type="subTitle" sz="quarter" idx="1"/>
-          </p:nvPr>
+          <p:cNvPr id="7" name="矩形 6"/>
+          <p:cNvSpPr/>
+          <p:nvPr/>
         </p:nvSpPr>
         <p:spPr>
           <a:xfrm>
-            <a:off x="609600" y="2863875"/>
-            <a:ext cx="10464800" cy="2062362"/>
+            <a:off x="713232" y="1752868"/>
+            <a:ext cx="11021568" cy="3108543"/>
           </a:xfrm>
           <a:prstGeom prst="rect">
             <a:avLst/>
           </a:prstGeom>
         </p:spPr>
         <p:txBody>
-          <a:bodyPr/>
-          <a:lstStyle>
-            <a:lvl1pPr algn="l"/>
-          </a:lstStyle>
-          <a:p>
-            <a:pPr/>
-            <a:r>
-              <a:t>在ssl单向认证的基础上，如果客户端也有这样一个证书，服务器端也就能够验证客户端，这就是双向认证了。</a:t>
-            </a:r>
+          <a:bodyPr wrap="square">
+            <a:spAutoFit/>
+          </a:bodyPr>
+          <a:lstStyle/>
+          <a:p>
+            <a:pPr marL="514350" indent="-514350" algn="l">
+              <a:buAutoNum type="arabicParenR"/>
+            </a:pPr>
+            <a:r>
+              <a:rPr lang="zh-CN" altLang="en-US" sz="2800" b="1" dirty="0" smtClean="0">
+                <a:solidFill>
+                  <a:schemeClr val="bg1"/>
+                </a:solidFill>
+              </a:rPr>
+              <a:t>客户端</a:t>
+            </a:r>
+            <a:r>
+              <a:rPr lang="zh-CN" altLang="en-US" sz="2800" b="1" dirty="0">
+                <a:solidFill>
+                  <a:schemeClr val="bg1"/>
+                </a:solidFill>
+              </a:rPr>
+              <a:t>发出请求（</a:t>
+            </a:r>
+            <a:r>
+              <a:rPr lang="en-US" altLang="zh-CN" sz="2800" b="1" dirty="0" err="1">
+                <a:solidFill>
+                  <a:schemeClr val="bg1"/>
+                </a:solidFill>
+              </a:rPr>
+              <a:t>ClientHello</a:t>
+            </a:r>
+            <a:r>
+              <a:rPr lang="zh-CN" altLang="en-US" sz="2800" b="1" dirty="0" smtClean="0">
+                <a:solidFill>
+                  <a:schemeClr val="bg1"/>
+                </a:solidFill>
+              </a:rPr>
+              <a:t>）</a:t>
+            </a:r>
+            <a:endParaRPr lang="en-US" altLang="zh-CN" sz="2800" b="1" dirty="0" smtClean="0">
+              <a:solidFill>
+                <a:schemeClr val="bg1"/>
+              </a:solidFill>
+            </a:endParaRPr>
+          </a:p>
+          <a:p>
+            <a:pPr marL="514350" indent="-514350" algn="l">
+              <a:buAutoNum type="arabicParenR"/>
+            </a:pPr>
+            <a:endParaRPr lang="en-US" altLang="zh-CN" sz="2800" b="1" dirty="0" smtClean="0">
+              <a:solidFill>
+                <a:schemeClr val="bg1"/>
+              </a:solidFill>
+            </a:endParaRPr>
+          </a:p>
+          <a:p>
+            <a:pPr algn="l"/>
+            <a:r>
+              <a:rPr lang="en-US" altLang="zh-CN" sz="2800" b="1" dirty="0" smtClean="0">
+                <a:solidFill>
+                  <a:schemeClr val="bg1"/>
+                </a:solidFill>
+              </a:rPr>
+              <a:t>2) </a:t>
+            </a:r>
+            <a:r>
+              <a:rPr lang="zh-CN" altLang="en-US" sz="2800" b="1" dirty="0" smtClean="0">
+                <a:solidFill>
+                  <a:schemeClr val="bg1"/>
+                </a:solidFill>
+              </a:rPr>
+              <a:t>服务器回应（</a:t>
+            </a:r>
+            <a:r>
+              <a:rPr lang="en-US" altLang="zh-CN" sz="2800" b="1" dirty="0" err="1" smtClean="0">
+                <a:solidFill>
+                  <a:schemeClr val="bg1"/>
+                </a:solidFill>
+              </a:rPr>
+              <a:t>SeverHello</a:t>
+            </a:r>
+            <a:r>
+              <a:rPr lang="zh-CN" altLang="en-US" sz="2800" b="1" dirty="0" smtClean="0">
+                <a:solidFill>
+                  <a:schemeClr val="bg1"/>
+                </a:solidFill>
+              </a:rPr>
+              <a:t>）</a:t>
+            </a:r>
+            <a:endParaRPr lang="en-US" altLang="zh-CN" sz="2800" b="1" dirty="0" smtClean="0">
+              <a:solidFill>
+                <a:schemeClr val="bg1"/>
+              </a:solidFill>
+            </a:endParaRPr>
+          </a:p>
+          <a:p>
+            <a:pPr algn="l"/>
+            <a:endParaRPr lang="en-US" altLang="zh-CN" sz="2800" b="1" dirty="0" smtClean="0">
+              <a:solidFill>
+                <a:schemeClr val="bg1"/>
+              </a:solidFill>
+            </a:endParaRPr>
+          </a:p>
+          <a:p>
+            <a:pPr algn="l"/>
+            <a:r>
+              <a:rPr lang="en-US" altLang="zh-CN" sz="2800" b="1" dirty="0" smtClean="0">
+                <a:solidFill>
+                  <a:schemeClr val="bg1"/>
+                </a:solidFill>
+              </a:rPr>
+              <a:t>3) </a:t>
+            </a:r>
+            <a:r>
+              <a:rPr lang="zh-CN" altLang="en-US" sz="2800" b="1" dirty="0" smtClean="0">
+                <a:solidFill>
+                  <a:schemeClr val="bg1"/>
+                </a:solidFill>
+              </a:rPr>
+              <a:t>客户端回应</a:t>
+            </a:r>
+            <a:endParaRPr lang="en-US" altLang="zh-CN" sz="2800" b="1" dirty="0" smtClean="0">
+              <a:solidFill>
+                <a:schemeClr val="bg1"/>
+              </a:solidFill>
+            </a:endParaRPr>
+          </a:p>
+          <a:p>
+            <a:pPr algn="l"/>
+            <a:endParaRPr lang="en-US" altLang="zh-CN" sz="2800" b="1" dirty="0" smtClean="0">
+              <a:solidFill>
+                <a:schemeClr val="bg1"/>
+              </a:solidFill>
+            </a:endParaRPr>
+          </a:p>
+          <a:p>
+            <a:pPr algn="l"/>
+            <a:r>
+              <a:rPr lang="en-US" altLang="zh-CN" sz="2800" b="1" dirty="0" smtClean="0">
+                <a:solidFill>
+                  <a:schemeClr val="bg1"/>
+                </a:solidFill>
+              </a:rPr>
+              <a:t>4) </a:t>
+            </a:r>
+            <a:r>
+              <a:rPr lang="zh-CN" altLang="en-US" sz="2800" b="1" dirty="0" smtClean="0">
+                <a:solidFill>
+                  <a:schemeClr val="bg1"/>
+                </a:solidFill>
+              </a:rPr>
+              <a:t>服务器</a:t>
+            </a:r>
+            <a:r>
+              <a:rPr lang="zh-CN" altLang="en-US" sz="2800" b="1" dirty="0">
+                <a:solidFill>
+                  <a:schemeClr val="bg1"/>
+                </a:solidFill>
+              </a:rPr>
+              <a:t>的最后回应</a:t>
+            </a:r>
+            <a:endParaRPr lang="zh-CN" altLang="en-US" sz="2800" dirty="0">
+              <a:solidFill>
+                <a:schemeClr val="bg1"/>
+              </a:solidFill>
+            </a:endParaRPr>
           </a:p>
         </p:txBody>
       </p:sp>
     </p:spTree>
+    <p:extLst>
+      <p:ext uri="{BB962C8B-B14F-4D97-AF65-F5344CB8AC3E}">
+        <p14:creationId xmlns:p14="http://schemas.microsoft.com/office/powerpoint/2010/main" val="3081941043"/>
+      </p:ext>
+    </p:extLst>
   </p:cSld>
   <p:clrMapOvr>
     <a:masterClrMapping/>
   </p:clrMapOvr>
-  <p:transition xmlns:p14="http://schemas.microsoft.com/office/powerpoint/2010/main" spd="med" advClick="1"/>
-  <p:timing>
-    <p:tnLst>
-      <p:par>
-        <p:cTn id="1" nodeType="tmRoot" restart="never" dur="indefinite" fill="hold">
-          <p:childTnLst>
-            <p:seq concurrent="1" prevAc="none" nextAc="seek">
-              <p:cTn id="2" nodeType="mainSeq" dur="indefinite" fill="hold">
-                <p:childTnLst>
-                  <p:par>
-                    <p:cTn id="3" fill="hold">
-                      <p:stCondLst>
-                        <p:cond delay="indefinite"/>
-                      </p:stCondLst>
-                      <p:childTnLst>
-                        <p:par>
-                          <p:cTn id="4" fill="hold">
-                            <p:stCondLst>
-                              <p:cond delay="0"/>
-                            </p:stCondLst>
-                            <p:childTnLst>
-                              <p:par>
-                                <p:cTn id="5" presetClass="exit" nodeType="clickEffect" presetID="9" grpId="1" fill="hold">
-                                  <p:stCondLst>
-                                    <p:cond delay="0"/>
-                                  </p:stCondLst>
-                                  <p:iterate type="el" backwards="0">
-                                    <p:tmAbs val="0"/>
-                                  </p:iterate>
-                                  <p:childTnLst>
-                                    <p:animEffect filter="dissolve" transition="out">
-                                      <p:cBhvr>
-                                        <p:cTn id="6" dur="1500" fill="hold"/>
-                                        <p:tgtEl>
-                                          <p:spTgt spid="174"/>
-                                        </p:tgtEl>
-                                      </p:cBhvr>
-                                    </p:animEffect>
-                                    <p:set>
-                                      <p:cBhvr>
-                                        <p:cTn id="7" fill="hold">
-                                          <p:stCondLst>
-                                            <p:cond delay="1499"/>
-                                          </p:stCondLst>
-                                        </p:cTn>
-                                        <p:tgtEl>
-                                          <p:spTgt spid="174"/>
-                                        </p:tgtEl>
-                                        <p:attrNameLst>
-                                          <p:attrName>style.visibility</p:attrName>
-                                        </p:attrNameLst>
-                                      </p:cBhvr>
-                                      <p:to>
-                                        <p:strVal val="hidden"/>
-                                      </p:to>
-                                    </p:set>
-                                  </p:childTnLst>
-                                </p:cTn>
-                              </p:par>
-                            </p:childTnLst>
-                          </p:cTn>
-                        </p:par>
-                      </p:childTnLst>
-                    </p:cTn>
-                  </p:par>
-                </p:childTnLst>
-              </p:cTn>
-              <p:prevCondLst>
-                <p:cond evt="onPrev">
-                  <p:tgtEl>
-                    <p:sldTgt/>
-                  </p:tgtEl>
-                </p:cond>
-              </p:prevCondLst>
-              <p:nextCondLst>
-                <p:cond evt="onNext">
-                  <p:tgtEl>
-                    <p:sldTgt/>
-                  </p:tgtEl>
-                </p:cond>
-              </p:nextCondLst>
-            </p:seq>
-          </p:childTnLst>
-        </p:cTn>
-      </p:par>
-    </p:tnLst>
-    <p:bldLst>
-      <p:bldP build="whole" bldLvl="1" animBg="1" rev="0" advAuto="0" spid="174" grpId="1"/>
-    </p:bldLst>
-  </p:timing>
+  <p:transition spd="med"/>
 </p:sld>
 </file>
 
 <file path=ppt/slides/slide16.xml><?xml version="1.0" encoding="utf-8"?>
-<p:sld xmlns:a="http://schemas.openxmlformats.org/drawingml/2006/main" xmlns:r="http://schemas.openxmlformats.org/officeDocument/2006/relationships" xmlns:p="http://schemas.openxmlformats.org/presentationml/2006/main" showMasterSp="1" showMasterPhAnim="1">
+<p:sld xmlns:a="http://schemas.openxmlformats.org/drawingml/2006/main" xmlns:r="http://schemas.openxmlformats.org/officeDocument/2006/relationships" xmlns:p="http://schemas.openxmlformats.org/presentationml/2006/main">
   <p:cSld>
     <p:spTree>
       <p:nvGrpSpPr>
@@ -4365,16 +4797,18 @@
       </p:grpSpPr>
       <p:sp>
         <p:nvSpPr>
-          <p:cNvPr id="176" name="双向SSL"/>
-          <p:cNvSpPr txBox="1"/>
+          <p:cNvPr id="161" name="Base64"/>
+          <p:cNvSpPr txBox="1">
+            <a:spLocks noGrp="1"/>
+          </p:cNvSpPr>
           <p:nvPr>
             <p:ph type="ctrTitle"/>
           </p:nvPr>
         </p:nvSpPr>
         <p:spPr>
           <a:xfrm>
-            <a:off x="457200" y="939800"/>
-            <a:ext cx="10464800" cy="1225005"/>
+            <a:off x="1270000" y="520700"/>
+            <a:ext cx="10464800" cy="870298"/>
           </a:xfrm>
           <a:prstGeom prst="rect">
             <a:avLst/>
@@ -4383,143 +4817,80 @@
         <p:txBody>
           <a:bodyPr/>
           <a:lstStyle>
-            <a:lvl1pPr algn="l" defTabSz="461518">
-              <a:defRPr sz="6300"/>
+            <a:lvl1pPr algn="l" defTabSz="318973">
+              <a:defRPr sz="4320"/>
             </a:lvl1pPr>
           </a:lstStyle>
           <a:p>
-            <a:pPr/>
-            <a:r>
-              <a:t>双向SSL</a:t>
-            </a:r>
+            <a:r>
+              <a:rPr lang="en-US" altLang="zh-CN" dirty="0" smtClean="0"/>
+              <a:t>SSL</a:t>
+            </a:r>
+            <a:r>
+              <a:rPr lang="zh-CN" altLang="en-US" dirty="0" smtClean="0"/>
+              <a:t>工作流程</a:t>
+            </a:r>
+            <a:endParaRPr dirty="0"/>
           </a:p>
         </p:txBody>
       </p:sp>
       <p:pic>
         <p:nvPicPr>
-          <p:cNvPr id="177" name="双向ssl.jpg" descr="双向ssl.jpg"/>
+          <p:cNvPr id="2050" name="Picture 2" descr="http://image.beekka.com/blog/201402/bg2014020502.png"/>
           <p:cNvPicPr>
-            <a:picLocks noChangeAspect="1"/>
+            <a:picLocks noChangeAspect="1" noChangeArrowheads="1"/>
           </p:cNvPicPr>
           <p:nvPr/>
         </p:nvPicPr>
         <p:blipFill>
           <a:blip r:embed="rId2">
-            <a:extLst/>
+            <a:extLst>
+              <a:ext uri="{28A0092B-C50C-407E-A947-70E740481C1C}">
+                <a14:useLocalDpi xmlns:a14="http://schemas.microsoft.com/office/drawing/2010/main" val="0"/>
+              </a:ext>
+            </a:extLst>
           </a:blip>
+          <a:srcRect/>
           <a:stretch>
             <a:fillRect/>
           </a:stretch>
         </p:blipFill>
-        <p:spPr>
+        <p:spPr bwMode="auto">
           <a:xfrm>
-            <a:off x="2299575" y="2232025"/>
-            <a:ext cx="7008650" cy="7140575"/>
+            <a:off x="1997011" y="1806979"/>
+            <a:ext cx="8340218" cy="7635614"/>
           </a:xfrm>
           <a:prstGeom prst="rect">
             <a:avLst/>
           </a:prstGeom>
-          <a:ln w="12700">
-            <a:miter lim="400000"/>
-          </a:ln>
+          <a:noFill/>
+          <a:extLst>
+            <a:ext uri="{909E8E84-426E-40DD-AFC4-6F175D3DCCD1}">
+              <a14:hiddenFill xmlns:a14="http://schemas.microsoft.com/office/drawing/2010/main">
+                <a:solidFill>
+                  <a:srgbClr val="FFFFFF"/>
+                </a:solidFill>
+              </a14:hiddenFill>
+            </a:ext>
+          </a:extLst>
         </p:spPr>
       </p:pic>
     </p:spTree>
+    <p:extLst>
+      <p:ext uri="{BB962C8B-B14F-4D97-AF65-F5344CB8AC3E}">
+        <p14:creationId xmlns:p14="http://schemas.microsoft.com/office/powerpoint/2010/main" val="3394930817"/>
+      </p:ext>
+    </p:extLst>
   </p:cSld>
   <p:clrMapOvr>
     <a:masterClrMapping/>
   </p:clrMapOvr>
-  <p:transition xmlns:p14="http://schemas.microsoft.com/office/powerpoint/2010/main" spd="med" advClick="1"/>
-  <p:timing>
-    <p:tnLst>
-      <p:par>
-        <p:cTn id="1" nodeType="tmRoot" restart="never" dur="indefinite" fill="hold">
-          <p:childTnLst>
-            <p:seq concurrent="1" prevAc="none" nextAc="seek">
-              <p:cTn id="2" nodeType="mainSeq" dur="indefinite" fill="hold">
-                <p:childTnLst>
-                  <p:par>
-                    <p:cTn id="3" fill="hold">
-                      <p:stCondLst>
-                        <p:cond delay="indefinite"/>
-                      </p:stCondLst>
-                      <p:childTnLst>
-                        <p:par>
-                          <p:cTn id="4" fill="hold">
-                            <p:stCondLst>
-                              <p:cond delay="0"/>
-                            </p:stCondLst>
-                            <p:childTnLst>
-                              <p:par>
-                                <p:cTn id="5" presetClass="entr" nodeType="clickEffect" presetSubtype="8" presetID="22" grpId="1" fill="hold">
-                                  <p:stCondLst>
-                                    <p:cond delay="0"/>
-                                  </p:stCondLst>
-                                  <p:iterate type="el" backwards="0">
-                                    <p:tmAbs val="0"/>
-                                  </p:iterate>
-                                  <p:childTnLst>
-                                    <p:set>
-                                      <p:cBhvr>
-                                        <p:cTn id="6" fill="hold"/>
-                                        <p:tgtEl>
-                                          <p:spTgt spid="177"/>
-                                        </p:tgtEl>
-                                        <p:attrNameLst>
-                                          <p:attrName>style.visibility</p:attrName>
-                                        </p:attrNameLst>
-                                      </p:cBhvr>
-                                      <p:to>
-                                        <p:strVal val="visible"/>
-                                      </p:to>
-                                    </p:set>
-                                    <p:animEffect filter="wipe(left)" transition="in">
-                                      <p:cBhvr>
-                                        <p:cTn id="7" dur="500"/>
-                                        <p:tgtEl>
-                                          <p:spTgt spid="177"/>
-                                        </p:tgtEl>
-                                      </p:cBhvr>
-                                    </p:animEffect>
-                                  </p:childTnLst>
-                                </p:cTn>
-                              </p:par>
-                            </p:childTnLst>
-                          </p:cTn>
-                        </p:par>
-                      </p:childTnLst>
-                    </p:cTn>
-                  </p:par>
-                </p:childTnLst>
-              </p:cTn>
-              <p:prevCondLst>
-                <p:cond evt="onPrev">
-                  <p:tgtEl>
-                    <p:sldTgt/>
-                  </p:tgtEl>
-                </p:cond>
-              </p:prevCondLst>
-              <p:nextCondLst>
-                <p:cond evt="onNext">
-                  <p:tgtEl>
-                    <p:sldTgt/>
-                  </p:tgtEl>
-                </p:cond>
-              </p:nextCondLst>
-            </p:seq>
-          </p:childTnLst>
-        </p:cTn>
-      </p:par>
-    </p:tnLst>
-    <p:bldLst>
-      <p:bldP build="whole" bldLvl="1" animBg="1" rev="0" advAuto="0" spid="177" grpId="1"/>
-    </p:bldLst>
-  </p:timing>
+  <p:transition spd="med"/>
 </p:sld>
 </file>
 
 <file path=ppt/slides/slide17.xml><?xml version="1.0" encoding="utf-8"?>
-<p:sld xmlns:a="http://schemas.openxmlformats.org/drawingml/2006/main" xmlns:r="http://schemas.openxmlformats.org/officeDocument/2006/relationships" xmlns:p="http://schemas.openxmlformats.org/presentationml/2006/main" showMasterSp="1" showMasterPhAnim="1">
+<p:sld xmlns:a="http://schemas.openxmlformats.org/drawingml/2006/main" xmlns:r="http://schemas.openxmlformats.org/officeDocument/2006/relationships" xmlns:p="http://schemas.openxmlformats.org/presentationml/2006/main">
   <p:cSld>
     <p:spTree>
       <p:nvGrpSpPr>
@@ -4537,59 +4908,1227 @@
       </p:grpSpPr>
       <p:sp>
         <p:nvSpPr>
-          <p:cNvPr id="179" name="谢谢！"/>
-          <p:cNvSpPr txBox="1"/>
+          <p:cNvPr id="161" name="Base64"/>
+          <p:cNvSpPr txBox="1">
+            <a:spLocks noGrp="1"/>
+          </p:cNvSpPr>
+          <p:nvPr>
+            <p:ph type="ctrTitle"/>
+          </p:nvPr>
+        </p:nvSpPr>
+        <p:spPr>
+          <a:xfrm>
+            <a:off x="1270000" y="520700"/>
+            <a:ext cx="10464800" cy="870298"/>
+          </a:xfrm>
+          <a:prstGeom prst="rect">
+            <a:avLst/>
+          </a:prstGeom>
+        </p:spPr>
+        <p:txBody>
+          <a:bodyPr/>
+          <a:lstStyle>
+            <a:lvl1pPr algn="l" defTabSz="318973">
+              <a:defRPr sz="4320"/>
+            </a:lvl1pPr>
+          </a:lstStyle>
+          <a:p>
+            <a:r>
+              <a:rPr lang="en-US" altLang="zh-CN" dirty="0" smtClean="0"/>
+              <a:t>SSL</a:t>
+            </a:r>
+            <a:r>
+              <a:rPr lang="zh-CN" altLang="en-US" dirty="0" smtClean="0"/>
+              <a:t>工作流程</a:t>
+            </a:r>
+            <a:endParaRPr dirty="0"/>
+          </a:p>
+        </p:txBody>
+      </p:sp>
+      <p:sp>
+        <p:nvSpPr>
+          <p:cNvPr id="7" name="矩形 6"/>
+          <p:cNvSpPr/>
           <p:nvPr/>
         </p:nvSpPr>
         <p:spPr>
           <a:xfrm>
-            <a:off x="4368799" y="4787898"/>
-            <a:ext cx="2552701" cy="1244601"/>
+            <a:off x="713232" y="1752868"/>
+            <a:ext cx="11021568" cy="4832092"/>
           </a:xfrm>
           <a:prstGeom prst="rect">
             <a:avLst/>
           </a:prstGeom>
-          <a:ln w="12700">
-            <a:miter lim="400000"/>
-          </a:ln>
-          <a:extLst>
-            <a:ext uri="{C572A759-6A51-4108-AA02-DFA0A04FC94B}">
-              <ma14:wrappingTextBoxFlag xmlns:ma14="http://schemas.microsoft.com/office/mac/drawingml/2011/main" val="1"/>
-            </a:ext>
-          </a:extLst>
         </p:spPr>
         <p:txBody>
-          <a:bodyPr wrap="none" lIns="50800" tIns="50800" rIns="50800" bIns="50800" anchor="ctr">
+          <a:bodyPr wrap="square">
             <a:spAutoFit/>
           </a:bodyPr>
-          <a:lstStyle>
-            <a:lvl1pPr>
-              <a:defRPr sz="6400">
-                <a:solidFill>
-                  <a:srgbClr val="FFFFFF"/>
-                </a:solidFill>
-              </a:defRPr>
-            </a:lvl1pPr>
-          </a:lstStyle>
-          <a:p>
-            <a:pPr/>
-            <a:r>
-              <a:t>谢谢！</a:t>
-            </a:r>
+          <a:lstStyle/>
+          <a:p>
+            <a:pPr algn="l"/>
+            <a:r>
+              <a:rPr lang="en-US" altLang="zh-CN" sz="2800" b="1" dirty="0" smtClean="0">
+                <a:solidFill>
+                  <a:schemeClr val="bg1"/>
+                </a:solidFill>
+              </a:rPr>
+              <a:t>1.</a:t>
+            </a:r>
+            <a:r>
+              <a:rPr lang="zh-CN" altLang="en-US" sz="2800" b="1" dirty="0" smtClean="0">
+                <a:solidFill>
+                  <a:schemeClr val="bg1"/>
+                </a:solidFill>
+              </a:rPr>
+              <a:t>客户端</a:t>
+            </a:r>
+            <a:r>
+              <a:rPr lang="zh-CN" altLang="en-US" sz="2800" b="1" dirty="0">
+                <a:solidFill>
+                  <a:schemeClr val="bg1"/>
+                </a:solidFill>
+              </a:rPr>
+              <a:t>发出请求（</a:t>
+            </a:r>
+            <a:r>
+              <a:rPr lang="en-US" altLang="zh-CN" sz="2800" b="1" dirty="0" err="1">
+                <a:solidFill>
+                  <a:schemeClr val="bg1"/>
+                </a:solidFill>
+              </a:rPr>
+              <a:t>ClientHello</a:t>
+            </a:r>
+            <a:r>
+              <a:rPr lang="zh-CN" altLang="en-US" sz="2800" b="1" dirty="0" smtClean="0">
+                <a:solidFill>
+                  <a:schemeClr val="bg1"/>
+                </a:solidFill>
+              </a:rPr>
+              <a:t>）</a:t>
+            </a:r>
+            <a:endParaRPr lang="en-US" altLang="zh-CN" sz="2800" b="1" dirty="0" smtClean="0">
+              <a:solidFill>
+                <a:schemeClr val="bg1"/>
+              </a:solidFill>
+            </a:endParaRPr>
+          </a:p>
+          <a:p>
+            <a:pPr marL="514350" indent="-514350" algn="l">
+              <a:buAutoNum type="arabicParenR"/>
+            </a:pPr>
+            <a:endParaRPr lang="en-US" altLang="zh-CN" sz="2800" b="1" dirty="0" smtClean="0">
+              <a:solidFill>
+                <a:schemeClr val="bg1"/>
+              </a:solidFill>
+            </a:endParaRPr>
+          </a:p>
+          <a:p>
+            <a:pPr algn="l"/>
+            <a:r>
+              <a:rPr lang="en-US" altLang="zh-CN" sz="2800" dirty="0" smtClean="0">
+                <a:solidFill>
+                  <a:schemeClr val="bg1"/>
+                </a:solidFill>
+              </a:rPr>
+              <a:t>	</a:t>
+            </a:r>
+            <a:r>
+              <a:rPr lang="zh-CN" altLang="en-US" sz="2800" dirty="0" smtClean="0">
+                <a:solidFill>
+                  <a:schemeClr val="bg1"/>
+                </a:solidFill>
+              </a:rPr>
+              <a:t>首先</a:t>
+            </a:r>
+            <a:r>
+              <a:rPr lang="zh-CN" altLang="en-US" sz="2800" dirty="0">
+                <a:solidFill>
+                  <a:schemeClr val="bg1"/>
+                </a:solidFill>
+              </a:rPr>
+              <a:t>，客户端（通常是浏览器）先向服务器发出加密通信的请求，这被叫做</a:t>
+            </a:r>
+            <a:r>
+              <a:rPr lang="en-US" altLang="zh-CN" sz="2800" dirty="0" err="1">
+                <a:solidFill>
+                  <a:schemeClr val="bg1"/>
+                </a:solidFill>
+              </a:rPr>
+              <a:t>ClientHello</a:t>
+            </a:r>
+            <a:r>
+              <a:rPr lang="zh-CN" altLang="en-US" sz="2800" dirty="0">
+                <a:solidFill>
+                  <a:schemeClr val="bg1"/>
+                </a:solidFill>
+              </a:rPr>
+              <a:t>请求。</a:t>
+            </a:r>
+          </a:p>
+          <a:p>
+            <a:pPr algn="l"/>
+            <a:endParaRPr lang="en-US" altLang="zh-CN" sz="2800" dirty="0">
+              <a:solidFill>
+                <a:schemeClr val="bg1"/>
+              </a:solidFill>
+            </a:endParaRPr>
+          </a:p>
+          <a:p>
+            <a:pPr algn="l"/>
+            <a:r>
+              <a:rPr lang="zh-CN" altLang="en-US" sz="2800" dirty="0" smtClean="0">
+                <a:solidFill>
+                  <a:schemeClr val="bg1"/>
+                </a:solidFill>
+              </a:rPr>
+              <a:t>在</a:t>
+            </a:r>
+            <a:r>
+              <a:rPr lang="zh-CN" altLang="en-US" sz="2800" dirty="0">
+                <a:solidFill>
+                  <a:schemeClr val="bg1"/>
+                </a:solidFill>
+              </a:rPr>
+              <a:t>这一步，客户端主要向服务器提供以下</a:t>
+            </a:r>
+            <a:r>
+              <a:rPr lang="zh-CN" altLang="en-US" sz="2800" dirty="0" smtClean="0">
+                <a:solidFill>
+                  <a:schemeClr val="bg1"/>
+                </a:solidFill>
+              </a:rPr>
+              <a:t>信息</a:t>
+            </a:r>
+            <a:r>
+              <a:rPr lang="en-US" altLang="zh-CN" sz="2800" dirty="0" smtClean="0">
+                <a:solidFill>
+                  <a:schemeClr val="bg1"/>
+                </a:solidFill>
+              </a:rPr>
+              <a:t>:</a:t>
+            </a:r>
+          </a:p>
+          <a:p>
+            <a:pPr algn="l"/>
+            <a:endParaRPr lang="zh-CN" altLang="en-US" sz="2800" dirty="0">
+              <a:solidFill>
+                <a:schemeClr val="bg1"/>
+              </a:solidFill>
+            </a:endParaRPr>
+          </a:p>
+          <a:p>
+            <a:pPr algn="l"/>
+            <a:r>
+              <a:rPr lang="en-US" altLang="zh-CN" sz="2800" dirty="0" smtClean="0">
+                <a:solidFill>
+                  <a:schemeClr val="bg1"/>
+                </a:solidFill>
+              </a:rPr>
+              <a:t>	</a:t>
+            </a:r>
+            <a:r>
+              <a:rPr lang="zh-CN" altLang="en-US" sz="2800" dirty="0" smtClean="0">
+                <a:solidFill>
+                  <a:schemeClr val="bg1"/>
+                </a:solidFill>
+              </a:rPr>
+              <a:t>（</a:t>
+            </a:r>
+            <a:r>
+              <a:rPr lang="en-US" altLang="zh-CN" sz="2800" dirty="0">
+                <a:solidFill>
+                  <a:schemeClr val="bg1"/>
+                </a:solidFill>
+              </a:rPr>
+              <a:t>1</a:t>
+            </a:r>
+            <a:r>
+              <a:rPr lang="zh-CN" altLang="en-US" sz="2800" dirty="0">
+                <a:solidFill>
+                  <a:schemeClr val="bg1"/>
+                </a:solidFill>
+              </a:rPr>
+              <a:t>） 支持的协议版本，比如</a:t>
+            </a:r>
+            <a:r>
+              <a:rPr lang="en-US" altLang="zh-CN" sz="2800" dirty="0">
+                <a:solidFill>
+                  <a:schemeClr val="bg1"/>
+                </a:solidFill>
+              </a:rPr>
+              <a:t>TLS </a:t>
+            </a:r>
+            <a:r>
+              <a:rPr lang="en-US" altLang="zh-CN" sz="2800" dirty="0" smtClean="0">
+                <a:solidFill>
+                  <a:schemeClr val="bg1"/>
+                </a:solidFill>
+              </a:rPr>
+              <a:t>1.2</a:t>
+            </a:r>
+            <a:r>
+              <a:rPr lang="zh-CN" altLang="en-US" sz="2800" dirty="0" smtClean="0">
+                <a:solidFill>
+                  <a:schemeClr val="bg1"/>
+                </a:solidFill>
+              </a:rPr>
+              <a:t>版</a:t>
+            </a:r>
+            <a:r>
+              <a:rPr lang="zh-CN" altLang="en-US" sz="2800" dirty="0">
+                <a:solidFill>
+                  <a:schemeClr val="bg1"/>
+                </a:solidFill>
+              </a:rPr>
+              <a:t>。</a:t>
+            </a:r>
+          </a:p>
+          <a:p>
+            <a:pPr algn="l"/>
+            <a:r>
+              <a:rPr lang="en-US" altLang="zh-CN" sz="2800" dirty="0" smtClean="0">
+                <a:solidFill>
+                  <a:schemeClr val="bg1"/>
+                </a:solidFill>
+              </a:rPr>
+              <a:t>	</a:t>
+            </a:r>
+            <a:r>
+              <a:rPr lang="zh-CN" altLang="en-US" sz="2800" dirty="0" smtClean="0">
+                <a:solidFill>
+                  <a:schemeClr val="bg1"/>
+                </a:solidFill>
+              </a:rPr>
+              <a:t>（</a:t>
+            </a:r>
+            <a:r>
+              <a:rPr lang="en-US" altLang="zh-CN" sz="2800" dirty="0">
+                <a:solidFill>
+                  <a:schemeClr val="bg1"/>
+                </a:solidFill>
+              </a:rPr>
+              <a:t>2</a:t>
+            </a:r>
+            <a:r>
+              <a:rPr lang="zh-CN" altLang="en-US" sz="2800" dirty="0">
+                <a:solidFill>
+                  <a:schemeClr val="bg1"/>
+                </a:solidFill>
+              </a:rPr>
+              <a:t>） 一个客户端生成的随机数，稍后用于生成</a:t>
+            </a:r>
+            <a:r>
+              <a:rPr lang="en-US" altLang="zh-CN" sz="2800" dirty="0">
+                <a:solidFill>
+                  <a:schemeClr val="bg1"/>
+                </a:solidFill>
+              </a:rPr>
+              <a:t>"</a:t>
+            </a:r>
+            <a:r>
+              <a:rPr lang="zh-CN" altLang="en-US" sz="2800" dirty="0">
+                <a:solidFill>
+                  <a:schemeClr val="bg1"/>
+                </a:solidFill>
+              </a:rPr>
+              <a:t>对话密钥</a:t>
+            </a:r>
+            <a:r>
+              <a:rPr lang="en-US" altLang="zh-CN" sz="2800" dirty="0">
+                <a:solidFill>
+                  <a:schemeClr val="bg1"/>
+                </a:solidFill>
+              </a:rPr>
+              <a:t>"</a:t>
+            </a:r>
+            <a:r>
+              <a:rPr lang="zh-CN" altLang="en-US" sz="2800" dirty="0">
+                <a:solidFill>
+                  <a:schemeClr val="bg1"/>
+                </a:solidFill>
+              </a:rPr>
+              <a:t>。</a:t>
+            </a:r>
+          </a:p>
+          <a:p>
+            <a:pPr algn="l"/>
+            <a:r>
+              <a:rPr lang="en-US" altLang="zh-CN" sz="2800" dirty="0" smtClean="0">
+                <a:solidFill>
+                  <a:schemeClr val="bg1"/>
+                </a:solidFill>
+              </a:rPr>
+              <a:t>	</a:t>
+            </a:r>
+            <a:r>
+              <a:rPr lang="zh-CN" altLang="en-US" sz="2800" dirty="0" smtClean="0">
+                <a:solidFill>
+                  <a:schemeClr val="bg1"/>
+                </a:solidFill>
+              </a:rPr>
+              <a:t>（</a:t>
+            </a:r>
+            <a:r>
+              <a:rPr lang="en-US" altLang="zh-CN" sz="2800" dirty="0">
+                <a:solidFill>
+                  <a:schemeClr val="bg1"/>
+                </a:solidFill>
+              </a:rPr>
+              <a:t>3</a:t>
+            </a:r>
+            <a:r>
+              <a:rPr lang="zh-CN" altLang="en-US" sz="2800" dirty="0">
+                <a:solidFill>
+                  <a:schemeClr val="bg1"/>
+                </a:solidFill>
+              </a:rPr>
+              <a:t>） 支持的加密方法，比如</a:t>
+            </a:r>
+            <a:r>
+              <a:rPr lang="en-US" altLang="zh-CN" sz="2800" dirty="0">
+                <a:solidFill>
+                  <a:schemeClr val="bg1"/>
+                </a:solidFill>
+              </a:rPr>
+              <a:t>RSA</a:t>
+            </a:r>
+            <a:r>
+              <a:rPr lang="zh-CN" altLang="en-US" sz="2800" dirty="0">
+                <a:solidFill>
+                  <a:schemeClr val="bg1"/>
+                </a:solidFill>
+              </a:rPr>
+              <a:t>公钥加密。</a:t>
+            </a:r>
+          </a:p>
+          <a:p>
+            <a:pPr algn="l"/>
+            <a:r>
+              <a:rPr lang="en-US" altLang="zh-CN" sz="2800" dirty="0" smtClean="0">
+                <a:solidFill>
+                  <a:schemeClr val="bg1"/>
+                </a:solidFill>
+              </a:rPr>
+              <a:t>	</a:t>
+            </a:r>
+            <a:r>
+              <a:rPr lang="zh-CN" altLang="en-US" sz="2800" dirty="0" smtClean="0">
+                <a:solidFill>
+                  <a:schemeClr val="bg1"/>
+                </a:solidFill>
+              </a:rPr>
+              <a:t>（</a:t>
+            </a:r>
+            <a:r>
+              <a:rPr lang="en-US" altLang="zh-CN" sz="2800" dirty="0">
+                <a:solidFill>
+                  <a:schemeClr val="bg1"/>
+                </a:solidFill>
+              </a:rPr>
+              <a:t>4</a:t>
+            </a:r>
+            <a:r>
+              <a:rPr lang="zh-CN" altLang="en-US" sz="2800" dirty="0">
+                <a:solidFill>
+                  <a:schemeClr val="bg1"/>
+                </a:solidFill>
+              </a:rPr>
+              <a:t>） 支持的压缩方法。</a:t>
+            </a:r>
+            <a:endParaRPr lang="zh-CN" altLang="en-US" sz="2800" dirty="0">
+              <a:solidFill>
+                <a:schemeClr val="bg1"/>
+              </a:solidFill>
+            </a:endParaRPr>
           </a:p>
         </p:txBody>
       </p:sp>
     </p:spTree>
+    <p:extLst>
+      <p:ext uri="{BB962C8B-B14F-4D97-AF65-F5344CB8AC3E}">
+        <p14:creationId xmlns:p14="http://schemas.microsoft.com/office/powerpoint/2010/main" val="613021002"/>
+      </p:ext>
+    </p:extLst>
   </p:cSld>
   <p:clrMapOvr>
     <a:masterClrMapping/>
   </p:clrMapOvr>
-  <p:transition xmlns:p14="http://schemas.microsoft.com/office/powerpoint/2010/main" spd="med" advClick="1"/>
+  <p:transition spd="med"/>
+</p:sld>
+</file>
+
+<file path=ppt/slides/slide18.xml><?xml version="1.0" encoding="utf-8"?>
+<p:sld xmlns:a="http://schemas.openxmlformats.org/drawingml/2006/main" xmlns:r="http://schemas.openxmlformats.org/officeDocument/2006/relationships" xmlns:p="http://schemas.openxmlformats.org/presentationml/2006/main">
+  <p:cSld>
+    <p:spTree>
+      <p:nvGrpSpPr>
+        <p:cNvPr id="1" name=""/>
+        <p:cNvGrpSpPr/>
+        <p:nvPr/>
+      </p:nvGrpSpPr>
+      <p:grpSpPr>
+        <a:xfrm>
+          <a:off x="0" y="0"/>
+          <a:ext cx="0" cy="0"/>
+          <a:chOff x="0" y="0"/>
+          <a:chExt cx="0" cy="0"/>
+        </a:xfrm>
+      </p:grpSpPr>
+      <p:sp>
+        <p:nvSpPr>
+          <p:cNvPr id="161" name="Base64"/>
+          <p:cNvSpPr txBox="1">
+            <a:spLocks noGrp="1"/>
+          </p:cNvSpPr>
+          <p:nvPr>
+            <p:ph type="ctrTitle"/>
+          </p:nvPr>
+        </p:nvSpPr>
+        <p:spPr>
+          <a:xfrm>
+            <a:off x="1270000" y="520700"/>
+            <a:ext cx="10464800" cy="870298"/>
+          </a:xfrm>
+          <a:prstGeom prst="rect">
+            <a:avLst/>
+          </a:prstGeom>
+        </p:spPr>
+        <p:txBody>
+          <a:bodyPr/>
+          <a:lstStyle>
+            <a:lvl1pPr algn="l" defTabSz="318973">
+              <a:defRPr sz="4320"/>
+            </a:lvl1pPr>
+          </a:lstStyle>
+          <a:p>
+            <a:r>
+              <a:rPr lang="en-US" altLang="zh-CN" dirty="0" smtClean="0"/>
+              <a:t>SSL</a:t>
+            </a:r>
+            <a:r>
+              <a:rPr lang="zh-CN" altLang="en-US" dirty="0" smtClean="0"/>
+              <a:t>工作流程</a:t>
+            </a:r>
+            <a:endParaRPr dirty="0"/>
+          </a:p>
+        </p:txBody>
+      </p:sp>
+      <p:sp>
+        <p:nvSpPr>
+          <p:cNvPr id="7" name="矩形 6"/>
+          <p:cNvSpPr/>
+          <p:nvPr/>
+        </p:nvSpPr>
+        <p:spPr>
+          <a:xfrm>
+            <a:off x="713232" y="1752868"/>
+            <a:ext cx="11021568" cy="4832092"/>
+          </a:xfrm>
+          <a:prstGeom prst="rect">
+            <a:avLst/>
+          </a:prstGeom>
+        </p:spPr>
+        <p:txBody>
+          <a:bodyPr wrap="square">
+            <a:spAutoFit/>
+          </a:bodyPr>
+          <a:lstStyle/>
+          <a:p>
+            <a:pPr algn="l"/>
+            <a:r>
+              <a:rPr lang="en-US" altLang="zh-CN" sz="2800" b="1" dirty="0" smtClean="0">
+                <a:solidFill>
+                  <a:schemeClr val="bg1"/>
+                </a:solidFill>
+              </a:rPr>
+              <a:t>2.</a:t>
+            </a:r>
+            <a:r>
+              <a:rPr lang="zh-CN" altLang="en-US" sz="2800" b="1" dirty="0" smtClean="0">
+                <a:solidFill>
+                  <a:schemeClr val="bg1"/>
+                </a:solidFill>
+              </a:rPr>
+              <a:t>服务器</a:t>
+            </a:r>
+            <a:r>
+              <a:rPr lang="zh-CN" altLang="en-US" sz="2800" b="1" dirty="0">
+                <a:solidFill>
+                  <a:schemeClr val="bg1"/>
+                </a:solidFill>
+              </a:rPr>
+              <a:t>回应（</a:t>
+            </a:r>
+            <a:r>
+              <a:rPr lang="en-US" altLang="zh-CN" sz="2800" b="1" dirty="0" err="1">
+                <a:solidFill>
+                  <a:schemeClr val="bg1"/>
+                </a:solidFill>
+              </a:rPr>
+              <a:t>SeverHello</a:t>
+            </a:r>
+            <a:r>
+              <a:rPr lang="zh-CN" altLang="en-US" sz="2800" b="1" dirty="0">
+                <a:solidFill>
+                  <a:schemeClr val="bg1"/>
+                </a:solidFill>
+              </a:rPr>
+              <a:t>）</a:t>
+            </a:r>
+            <a:endParaRPr lang="en-US" altLang="zh-CN" sz="2800" b="1" dirty="0">
+              <a:solidFill>
+                <a:schemeClr val="bg1"/>
+              </a:solidFill>
+            </a:endParaRPr>
+          </a:p>
+          <a:p>
+            <a:pPr marL="514350" indent="-514350" algn="l">
+              <a:buAutoNum type="arabicParenR"/>
+            </a:pPr>
+            <a:endParaRPr lang="en-US" altLang="zh-CN" sz="2800" b="1" dirty="0" smtClean="0">
+              <a:solidFill>
+                <a:schemeClr val="bg1"/>
+              </a:solidFill>
+            </a:endParaRPr>
+          </a:p>
+          <a:p>
+            <a:pPr algn="l"/>
+            <a:r>
+              <a:rPr lang="en-US" altLang="zh-CN" sz="2800" dirty="0" smtClean="0">
+                <a:solidFill>
+                  <a:schemeClr val="bg1"/>
+                </a:solidFill>
+              </a:rPr>
+              <a:t>	</a:t>
+            </a:r>
+            <a:r>
+              <a:rPr lang="zh-CN" altLang="en-US" sz="2800" dirty="0" smtClean="0">
+                <a:solidFill>
+                  <a:schemeClr val="bg1"/>
+                </a:solidFill>
+              </a:rPr>
+              <a:t>服务器</a:t>
+            </a:r>
+            <a:r>
+              <a:rPr lang="zh-CN" altLang="en-US" sz="2800" dirty="0">
+                <a:solidFill>
+                  <a:schemeClr val="bg1"/>
+                </a:solidFill>
+              </a:rPr>
+              <a:t>收到客户端请求后，向客户端发出回应，这叫做</a:t>
+            </a:r>
+            <a:r>
+              <a:rPr lang="en-US" altLang="zh-CN" sz="2800" dirty="0" err="1">
+                <a:solidFill>
+                  <a:schemeClr val="bg1"/>
+                </a:solidFill>
+              </a:rPr>
+              <a:t>SeverHello</a:t>
+            </a:r>
+            <a:r>
+              <a:rPr lang="zh-CN" altLang="en-US" sz="2800" dirty="0" smtClean="0">
+                <a:solidFill>
+                  <a:schemeClr val="bg1"/>
+                </a:solidFill>
+              </a:rPr>
+              <a:t>。</a:t>
+            </a:r>
+            <a:endParaRPr lang="en-US" altLang="zh-CN" sz="2800" dirty="0" smtClean="0">
+              <a:solidFill>
+                <a:schemeClr val="bg1"/>
+              </a:solidFill>
+            </a:endParaRPr>
+          </a:p>
+          <a:p>
+            <a:pPr algn="l"/>
+            <a:endParaRPr lang="en-US" altLang="zh-CN" sz="2800" dirty="0" smtClean="0">
+              <a:solidFill>
+                <a:schemeClr val="bg1"/>
+              </a:solidFill>
+            </a:endParaRPr>
+          </a:p>
+          <a:p>
+            <a:pPr algn="l"/>
+            <a:r>
+              <a:rPr lang="en-US" altLang="zh-CN" sz="2800" dirty="0">
+                <a:solidFill>
+                  <a:schemeClr val="bg1"/>
+                </a:solidFill>
+              </a:rPr>
+              <a:t>	</a:t>
+            </a:r>
+            <a:r>
+              <a:rPr lang="zh-CN" altLang="en-US" sz="2800" dirty="0" smtClean="0">
+                <a:solidFill>
+                  <a:schemeClr val="bg1"/>
+                </a:solidFill>
+              </a:rPr>
+              <a:t>服务器</a:t>
+            </a:r>
+            <a:r>
+              <a:rPr lang="zh-CN" altLang="en-US" sz="2800" dirty="0">
+                <a:solidFill>
+                  <a:schemeClr val="bg1"/>
+                </a:solidFill>
+              </a:rPr>
+              <a:t>的回应包含以下</a:t>
+            </a:r>
+            <a:r>
+              <a:rPr lang="zh-CN" altLang="en-US" sz="2800" dirty="0" smtClean="0">
+                <a:solidFill>
+                  <a:schemeClr val="bg1"/>
+                </a:solidFill>
+              </a:rPr>
+              <a:t>内容</a:t>
+            </a:r>
+            <a:r>
+              <a:rPr lang="en-US" altLang="zh-CN" sz="2800" dirty="0" smtClean="0">
+                <a:solidFill>
+                  <a:schemeClr val="bg1"/>
+                </a:solidFill>
+              </a:rPr>
+              <a:t>:</a:t>
+            </a:r>
+            <a:endParaRPr lang="zh-CN" altLang="en-US" sz="2800" dirty="0">
+              <a:solidFill>
+                <a:schemeClr val="bg1"/>
+              </a:solidFill>
+            </a:endParaRPr>
+          </a:p>
+          <a:p>
+            <a:pPr lvl="1" algn="l"/>
+            <a:r>
+              <a:rPr lang="en-US" altLang="zh-CN" sz="2800" dirty="0" smtClean="0">
+                <a:solidFill>
+                  <a:schemeClr val="bg1"/>
+                </a:solidFill>
+              </a:rPr>
+              <a:t>	</a:t>
+            </a:r>
+            <a:r>
+              <a:rPr lang="zh-CN" altLang="en-US" sz="2800" dirty="0" smtClean="0">
+                <a:solidFill>
+                  <a:schemeClr val="bg1"/>
+                </a:solidFill>
+              </a:rPr>
+              <a:t>（</a:t>
+            </a:r>
+            <a:r>
+              <a:rPr lang="en-US" altLang="zh-CN" sz="2800" dirty="0">
+                <a:solidFill>
+                  <a:schemeClr val="bg1"/>
+                </a:solidFill>
+              </a:rPr>
+              <a:t>1</a:t>
+            </a:r>
+            <a:r>
+              <a:rPr lang="zh-CN" altLang="en-US" sz="2800" dirty="0">
+                <a:solidFill>
+                  <a:schemeClr val="bg1"/>
+                </a:solidFill>
+              </a:rPr>
+              <a:t>） 确认使用的加密通信协议版本，比如</a:t>
+            </a:r>
+            <a:r>
+              <a:rPr lang="en-US" altLang="zh-CN" sz="2800" dirty="0">
+                <a:solidFill>
+                  <a:schemeClr val="bg1"/>
+                </a:solidFill>
+              </a:rPr>
+              <a:t>TLS 1.0</a:t>
+            </a:r>
+            <a:r>
+              <a:rPr lang="zh-CN" altLang="en-US" sz="2800" dirty="0">
+                <a:solidFill>
+                  <a:schemeClr val="bg1"/>
+                </a:solidFill>
+              </a:rPr>
+              <a:t>版本。如果浏览器与服务器支持的版本不一致，服务器关闭加密通信。</a:t>
+            </a:r>
+          </a:p>
+          <a:p>
+            <a:pPr lvl="1" algn="l"/>
+            <a:r>
+              <a:rPr lang="en-US" altLang="zh-CN" sz="2800" dirty="0" smtClean="0">
+                <a:solidFill>
+                  <a:schemeClr val="bg1"/>
+                </a:solidFill>
+              </a:rPr>
+              <a:t>	</a:t>
+            </a:r>
+            <a:r>
+              <a:rPr lang="zh-CN" altLang="en-US" sz="2800" dirty="0" smtClean="0">
+                <a:solidFill>
+                  <a:schemeClr val="bg1"/>
+                </a:solidFill>
+              </a:rPr>
+              <a:t>（</a:t>
+            </a:r>
+            <a:r>
+              <a:rPr lang="en-US" altLang="zh-CN" sz="2800" dirty="0">
+                <a:solidFill>
+                  <a:schemeClr val="bg1"/>
+                </a:solidFill>
+              </a:rPr>
+              <a:t>2</a:t>
+            </a:r>
+            <a:r>
+              <a:rPr lang="zh-CN" altLang="en-US" sz="2800" dirty="0">
+                <a:solidFill>
+                  <a:schemeClr val="bg1"/>
+                </a:solidFill>
+              </a:rPr>
+              <a:t>） 一个服务器生成的随机数，稍后用于生成</a:t>
+            </a:r>
+            <a:r>
+              <a:rPr lang="en-US" altLang="zh-CN" sz="2800" dirty="0">
+                <a:solidFill>
+                  <a:schemeClr val="bg1"/>
+                </a:solidFill>
+              </a:rPr>
+              <a:t>"</a:t>
+            </a:r>
+            <a:r>
+              <a:rPr lang="zh-CN" altLang="en-US" sz="2800" dirty="0">
+                <a:solidFill>
+                  <a:schemeClr val="bg1"/>
+                </a:solidFill>
+              </a:rPr>
+              <a:t>对话密钥</a:t>
+            </a:r>
+            <a:r>
+              <a:rPr lang="en-US" altLang="zh-CN" sz="2800" dirty="0">
+                <a:solidFill>
+                  <a:schemeClr val="bg1"/>
+                </a:solidFill>
+              </a:rPr>
+              <a:t>"</a:t>
+            </a:r>
+            <a:r>
+              <a:rPr lang="zh-CN" altLang="en-US" sz="2800" dirty="0">
+                <a:solidFill>
+                  <a:schemeClr val="bg1"/>
+                </a:solidFill>
+              </a:rPr>
+              <a:t>。</a:t>
+            </a:r>
+          </a:p>
+          <a:p>
+            <a:pPr lvl="1" algn="l"/>
+            <a:r>
+              <a:rPr lang="en-US" altLang="zh-CN" sz="2800" dirty="0" smtClean="0">
+                <a:solidFill>
+                  <a:schemeClr val="bg1"/>
+                </a:solidFill>
+              </a:rPr>
+              <a:t>	</a:t>
+            </a:r>
+            <a:r>
+              <a:rPr lang="zh-CN" altLang="en-US" sz="2800" dirty="0" smtClean="0">
+                <a:solidFill>
+                  <a:schemeClr val="bg1"/>
+                </a:solidFill>
+              </a:rPr>
+              <a:t>（</a:t>
+            </a:r>
+            <a:r>
+              <a:rPr lang="en-US" altLang="zh-CN" sz="2800" dirty="0" smtClean="0">
+                <a:solidFill>
+                  <a:schemeClr val="bg1"/>
+                </a:solidFill>
+              </a:rPr>
+              <a:t>3</a:t>
+            </a:r>
+            <a:r>
+              <a:rPr lang="zh-CN" altLang="en-US" sz="2800" dirty="0">
+                <a:solidFill>
+                  <a:schemeClr val="bg1"/>
+                </a:solidFill>
+              </a:rPr>
+              <a:t>） 确认使用的加密方法，比如</a:t>
+            </a:r>
+            <a:r>
+              <a:rPr lang="en-US" altLang="zh-CN" sz="2800" dirty="0">
+                <a:solidFill>
+                  <a:schemeClr val="bg1"/>
+                </a:solidFill>
+              </a:rPr>
+              <a:t>RSA</a:t>
+            </a:r>
+            <a:r>
+              <a:rPr lang="zh-CN" altLang="en-US" sz="2800" dirty="0">
+                <a:solidFill>
+                  <a:schemeClr val="bg1"/>
+                </a:solidFill>
+              </a:rPr>
+              <a:t>公钥加密。</a:t>
+            </a:r>
+          </a:p>
+          <a:p>
+            <a:pPr lvl="1" algn="l"/>
+            <a:r>
+              <a:rPr lang="en-US" altLang="zh-CN" sz="2800" dirty="0" smtClean="0">
+                <a:solidFill>
+                  <a:schemeClr val="bg1"/>
+                </a:solidFill>
+              </a:rPr>
+              <a:t>	</a:t>
+            </a:r>
+            <a:r>
+              <a:rPr lang="zh-CN" altLang="en-US" sz="2800" dirty="0" smtClean="0">
+                <a:solidFill>
+                  <a:schemeClr val="bg1"/>
+                </a:solidFill>
+              </a:rPr>
+              <a:t>（</a:t>
+            </a:r>
+            <a:r>
+              <a:rPr lang="en-US" altLang="zh-CN" sz="2800" dirty="0">
+                <a:solidFill>
+                  <a:schemeClr val="bg1"/>
+                </a:solidFill>
+              </a:rPr>
+              <a:t>4</a:t>
+            </a:r>
+            <a:r>
+              <a:rPr lang="zh-CN" altLang="en-US" sz="2800" dirty="0">
+                <a:solidFill>
+                  <a:schemeClr val="bg1"/>
+                </a:solidFill>
+              </a:rPr>
+              <a:t>） 服务器证书。</a:t>
+            </a:r>
+            <a:endParaRPr lang="zh-CN" altLang="en-US" sz="2800" dirty="0">
+              <a:solidFill>
+                <a:schemeClr val="bg1"/>
+              </a:solidFill>
+            </a:endParaRPr>
+          </a:p>
+        </p:txBody>
+      </p:sp>
+    </p:spTree>
+    <p:extLst>
+      <p:ext uri="{BB962C8B-B14F-4D97-AF65-F5344CB8AC3E}">
+        <p14:creationId xmlns:p14="http://schemas.microsoft.com/office/powerpoint/2010/main" val="3244324104"/>
+      </p:ext>
+    </p:extLst>
+  </p:cSld>
+  <p:clrMapOvr>
+    <a:masterClrMapping/>
+  </p:clrMapOvr>
+  <p:transition spd="med"/>
+</p:sld>
+</file>
+
+<file path=ppt/slides/slide19.xml><?xml version="1.0" encoding="utf-8"?>
+<p:sld xmlns:a="http://schemas.openxmlformats.org/drawingml/2006/main" xmlns:r="http://schemas.openxmlformats.org/officeDocument/2006/relationships" xmlns:p="http://schemas.openxmlformats.org/presentationml/2006/main">
+  <p:cSld>
+    <p:spTree>
+      <p:nvGrpSpPr>
+        <p:cNvPr id="1" name=""/>
+        <p:cNvGrpSpPr/>
+        <p:nvPr/>
+      </p:nvGrpSpPr>
+      <p:grpSpPr>
+        <a:xfrm>
+          <a:off x="0" y="0"/>
+          <a:ext cx="0" cy="0"/>
+          <a:chOff x="0" y="0"/>
+          <a:chExt cx="0" cy="0"/>
+        </a:xfrm>
+      </p:grpSpPr>
+      <p:sp>
+        <p:nvSpPr>
+          <p:cNvPr id="161" name="Base64"/>
+          <p:cNvSpPr txBox="1">
+            <a:spLocks noGrp="1"/>
+          </p:cNvSpPr>
+          <p:nvPr>
+            <p:ph type="ctrTitle"/>
+          </p:nvPr>
+        </p:nvSpPr>
+        <p:spPr>
+          <a:xfrm>
+            <a:off x="1270000" y="520700"/>
+            <a:ext cx="10464800" cy="870298"/>
+          </a:xfrm>
+          <a:prstGeom prst="rect">
+            <a:avLst/>
+          </a:prstGeom>
+        </p:spPr>
+        <p:txBody>
+          <a:bodyPr/>
+          <a:lstStyle>
+            <a:lvl1pPr algn="l" defTabSz="318973">
+              <a:defRPr sz="4320"/>
+            </a:lvl1pPr>
+          </a:lstStyle>
+          <a:p>
+            <a:r>
+              <a:rPr lang="en-US" altLang="zh-CN" dirty="0" smtClean="0"/>
+              <a:t>SSL</a:t>
+            </a:r>
+            <a:r>
+              <a:rPr lang="zh-CN" altLang="en-US" dirty="0" smtClean="0"/>
+              <a:t>工作流程</a:t>
+            </a:r>
+            <a:endParaRPr dirty="0"/>
+          </a:p>
+        </p:txBody>
+      </p:sp>
+      <p:sp>
+        <p:nvSpPr>
+          <p:cNvPr id="7" name="矩形 6"/>
+          <p:cNvSpPr/>
+          <p:nvPr/>
+        </p:nvSpPr>
+        <p:spPr>
+          <a:xfrm>
+            <a:off x="713232" y="1752868"/>
+            <a:ext cx="11021568" cy="5693866"/>
+          </a:xfrm>
+          <a:prstGeom prst="rect">
+            <a:avLst/>
+          </a:prstGeom>
+        </p:spPr>
+        <p:txBody>
+          <a:bodyPr wrap="square">
+            <a:spAutoFit/>
+          </a:bodyPr>
+          <a:lstStyle/>
+          <a:p>
+            <a:pPr algn="l"/>
+            <a:r>
+              <a:rPr lang="en-US" altLang="zh-CN" sz="2800" b="1" dirty="0" smtClean="0">
+                <a:solidFill>
+                  <a:schemeClr val="bg1"/>
+                </a:solidFill>
+              </a:rPr>
+              <a:t>3.</a:t>
+            </a:r>
+            <a:r>
+              <a:rPr lang="zh-CN" altLang="en-US" sz="2800" b="1" dirty="0">
+                <a:solidFill>
+                  <a:schemeClr val="bg1"/>
+                </a:solidFill>
+              </a:rPr>
+              <a:t>客户端回应</a:t>
+            </a:r>
+            <a:endParaRPr lang="en-US" altLang="zh-CN" sz="2800" b="1" dirty="0">
+              <a:solidFill>
+                <a:schemeClr val="bg1"/>
+              </a:solidFill>
+            </a:endParaRPr>
+          </a:p>
+          <a:p>
+            <a:pPr marL="514350" indent="-514350" algn="l">
+              <a:buAutoNum type="arabicParenR"/>
+            </a:pPr>
+            <a:endParaRPr lang="en-US" altLang="zh-CN" sz="2800" b="1" dirty="0" smtClean="0">
+              <a:solidFill>
+                <a:schemeClr val="bg1"/>
+              </a:solidFill>
+            </a:endParaRPr>
+          </a:p>
+          <a:p>
+            <a:pPr algn="l"/>
+            <a:r>
+              <a:rPr lang="en-US" altLang="zh-CN" sz="2800" dirty="0" smtClean="0">
+                <a:solidFill>
+                  <a:schemeClr val="bg1"/>
+                </a:solidFill>
+              </a:rPr>
+              <a:t>	</a:t>
+            </a:r>
+            <a:r>
+              <a:rPr lang="zh-CN" altLang="en-US" sz="2800" dirty="0">
+                <a:solidFill>
+                  <a:schemeClr val="bg1"/>
+                </a:solidFill>
+              </a:rPr>
+              <a:t>客户端收到服务器回应以后，首先验证服务器证书。如果证书不是可信机构颁布、或者证书中的域名与实际域名不一致、或者证书已经过期，就会向访问者显示一个警告，由其选择是否还要继续通信。</a:t>
+            </a:r>
+          </a:p>
+          <a:p>
+            <a:pPr algn="l"/>
+            <a:r>
+              <a:rPr lang="zh-CN" altLang="en-US" sz="2800" dirty="0">
+                <a:solidFill>
+                  <a:schemeClr val="bg1"/>
+                </a:solidFill>
+              </a:rPr>
+              <a:t>如果证书没有问题，客户端就会从证书中取出服务器的公钥。然后，向服务器发送下面三项</a:t>
+            </a:r>
+            <a:r>
+              <a:rPr lang="zh-CN" altLang="en-US" sz="2800" dirty="0" smtClean="0">
+                <a:solidFill>
+                  <a:schemeClr val="bg1"/>
+                </a:solidFill>
+              </a:rPr>
+              <a:t>信息</a:t>
+            </a:r>
+            <a:r>
+              <a:rPr lang="en-US" altLang="zh-CN" sz="2800" dirty="0" smtClean="0">
+                <a:solidFill>
+                  <a:schemeClr val="bg1"/>
+                </a:solidFill>
+              </a:rPr>
+              <a:t>:</a:t>
+            </a:r>
+          </a:p>
+          <a:p>
+            <a:pPr algn="l"/>
+            <a:endParaRPr lang="zh-CN" altLang="en-US" sz="2800" dirty="0">
+              <a:solidFill>
+                <a:schemeClr val="bg1"/>
+              </a:solidFill>
+            </a:endParaRPr>
+          </a:p>
+          <a:p>
+            <a:pPr algn="l"/>
+            <a:r>
+              <a:rPr lang="en-US" altLang="zh-CN" sz="2800" dirty="0" smtClean="0">
+                <a:solidFill>
+                  <a:schemeClr val="bg1"/>
+                </a:solidFill>
+              </a:rPr>
+              <a:t>	</a:t>
+            </a:r>
+            <a:r>
+              <a:rPr lang="zh-CN" altLang="en-US" sz="2800" dirty="0" smtClean="0">
+                <a:solidFill>
+                  <a:schemeClr val="bg1"/>
+                </a:solidFill>
+              </a:rPr>
+              <a:t>（</a:t>
+            </a:r>
+            <a:r>
+              <a:rPr lang="en-US" altLang="zh-CN" sz="2800" dirty="0">
+                <a:solidFill>
+                  <a:schemeClr val="bg1"/>
+                </a:solidFill>
+              </a:rPr>
+              <a:t>1</a:t>
+            </a:r>
+            <a:r>
+              <a:rPr lang="zh-CN" altLang="en-US" sz="2800" dirty="0">
+                <a:solidFill>
+                  <a:schemeClr val="bg1"/>
+                </a:solidFill>
+              </a:rPr>
+              <a:t>） 一个随机数。该随机数用服务器公钥加密，防止被窃听。</a:t>
+            </a:r>
+          </a:p>
+          <a:p>
+            <a:pPr algn="l"/>
+            <a:r>
+              <a:rPr lang="en-US" altLang="zh-CN" sz="2800" dirty="0" smtClean="0">
+                <a:solidFill>
+                  <a:schemeClr val="bg1"/>
+                </a:solidFill>
+              </a:rPr>
+              <a:t>	</a:t>
+            </a:r>
+            <a:r>
+              <a:rPr lang="zh-CN" altLang="en-US" sz="2800" dirty="0" smtClean="0">
+                <a:solidFill>
+                  <a:schemeClr val="bg1"/>
+                </a:solidFill>
+              </a:rPr>
+              <a:t>（</a:t>
+            </a:r>
+            <a:r>
+              <a:rPr lang="en-US" altLang="zh-CN" sz="2800" dirty="0">
+                <a:solidFill>
+                  <a:schemeClr val="bg1"/>
+                </a:solidFill>
+              </a:rPr>
+              <a:t>2</a:t>
+            </a:r>
+            <a:r>
+              <a:rPr lang="zh-CN" altLang="en-US" sz="2800" dirty="0">
+                <a:solidFill>
+                  <a:schemeClr val="bg1"/>
+                </a:solidFill>
+              </a:rPr>
+              <a:t>） 编码改变通知，表示随后的信息都将用双方商定的加密方法和密钥发送。</a:t>
+            </a:r>
+          </a:p>
+          <a:p>
+            <a:pPr algn="l"/>
+            <a:r>
+              <a:rPr lang="en-US" altLang="zh-CN" sz="2800" dirty="0" smtClean="0">
+                <a:solidFill>
+                  <a:schemeClr val="bg1"/>
+                </a:solidFill>
+              </a:rPr>
+              <a:t>	</a:t>
+            </a:r>
+            <a:r>
+              <a:rPr lang="zh-CN" altLang="en-US" sz="2800" dirty="0" smtClean="0">
+                <a:solidFill>
+                  <a:schemeClr val="bg1"/>
+                </a:solidFill>
+              </a:rPr>
+              <a:t>（</a:t>
+            </a:r>
+            <a:r>
+              <a:rPr lang="en-US" altLang="zh-CN" sz="2800" dirty="0">
+                <a:solidFill>
+                  <a:schemeClr val="bg1"/>
+                </a:solidFill>
+              </a:rPr>
+              <a:t>3</a:t>
+            </a:r>
+            <a:r>
+              <a:rPr lang="zh-CN" altLang="en-US" sz="2800" dirty="0">
+                <a:solidFill>
+                  <a:schemeClr val="bg1"/>
+                </a:solidFill>
+              </a:rPr>
+              <a:t>） 客户端握手结束通知，表示客户端的握手阶段已经结束。这一项同时也是前面发送的所有内容的</a:t>
+            </a:r>
+            <a:r>
+              <a:rPr lang="en-US" altLang="zh-CN" sz="2800" dirty="0">
+                <a:solidFill>
+                  <a:schemeClr val="bg1"/>
+                </a:solidFill>
+              </a:rPr>
+              <a:t>hash</a:t>
+            </a:r>
+            <a:r>
+              <a:rPr lang="zh-CN" altLang="en-US" sz="2800" dirty="0">
+                <a:solidFill>
+                  <a:schemeClr val="bg1"/>
+                </a:solidFill>
+              </a:rPr>
+              <a:t>值，用来供服务器校验。</a:t>
+            </a:r>
+            <a:endParaRPr lang="zh-CN" altLang="en-US" sz="2800" dirty="0">
+              <a:solidFill>
+                <a:schemeClr val="bg1"/>
+              </a:solidFill>
+            </a:endParaRPr>
+          </a:p>
+        </p:txBody>
+      </p:sp>
+    </p:spTree>
+    <p:extLst>
+      <p:ext uri="{BB962C8B-B14F-4D97-AF65-F5344CB8AC3E}">
+        <p14:creationId xmlns:p14="http://schemas.microsoft.com/office/powerpoint/2010/main" val="2715862063"/>
+      </p:ext>
+    </p:extLst>
+  </p:cSld>
+  <p:clrMapOvr>
+    <a:masterClrMapping/>
+  </p:clrMapOvr>
+  <p:transition spd="med"/>
 </p:sld>
 </file>
 
 <file path=ppt/slides/slide2.xml><?xml version="1.0" encoding="utf-8"?>
-<p:sld xmlns:a="http://schemas.openxmlformats.org/drawingml/2006/main" xmlns:r="http://schemas.openxmlformats.org/officeDocument/2006/relationships" xmlns:p="http://schemas.openxmlformats.org/presentationml/2006/main" showMasterSp="1" showMasterPhAnim="1">
+<p:sld xmlns:a="http://schemas.openxmlformats.org/drawingml/2006/main" xmlns:r="http://schemas.openxmlformats.org/officeDocument/2006/relationships" xmlns:p="http://schemas.openxmlformats.org/presentationml/2006/main">
   <p:cSld>
     <p:spTree>
       <p:nvGrpSpPr>
@@ -4637,7 +6176,9 @@
       <p:sp>
         <p:nvSpPr>
           <p:cNvPr id="123" name="当看到下图的页面时，你会怎么做？关闭or继续浏览？"/>
-          <p:cNvSpPr txBox="1"/>
+          <p:cNvSpPr txBox="1">
+            <a:spLocks noGrp="1"/>
+          </p:cNvSpPr>
           <p:nvPr>
             <p:ph type="body" sz="quarter" idx="4294967295"/>
           </p:nvPr>
@@ -4664,7 +6205,6 @@
             </a:lvl1pPr>
           </a:lstStyle>
           <a:p>
-            <a:pPr/>
             <a:r>
               <a:t>当看到下图的页面时，你会怎么做？关闭or继续浏览？</a:t>
             </a:r>
@@ -4676,12 +6216,12 @@
   <p:clrMapOvr>
     <a:masterClrMapping/>
   </p:clrMapOvr>
-  <p:transition xmlns:p14="http://schemas.microsoft.com/office/powerpoint/2010/main" spd="med" advClick="1"/>
+  <p:transition spd="med"/>
 </p:sld>
 </file>
 
-<file path=ppt/slides/slide3.xml><?xml version="1.0" encoding="utf-8"?>
-<p:sld xmlns:a="http://schemas.openxmlformats.org/drawingml/2006/main" xmlns:r="http://schemas.openxmlformats.org/officeDocument/2006/relationships" xmlns:p="http://schemas.openxmlformats.org/presentationml/2006/main" showMasterSp="1" showMasterPhAnim="1">
+<file path=ppt/slides/slide20.xml><?xml version="1.0" encoding="utf-8"?>
+<p:sld xmlns:a="http://schemas.openxmlformats.org/drawingml/2006/main" xmlns:r="http://schemas.openxmlformats.org/officeDocument/2006/relationships" xmlns:p="http://schemas.openxmlformats.org/presentationml/2006/main">
   <p:cSld>
     <p:spTree>
       <p:nvGrpSpPr>
@@ -4699,120 +6239,10 @@
       </p:grpSpPr>
       <p:sp>
         <p:nvSpPr>
-          <p:cNvPr id="125" name="目录"/>
-          <p:cNvSpPr txBox="1"/>
-          <p:nvPr>
-            <p:ph type="ctrTitle"/>
-          </p:nvPr>
-        </p:nvSpPr>
-        <p:spPr>
-          <a:xfrm>
-            <a:off x="1270000" y="419100"/>
-            <a:ext cx="10464800" cy="3302000"/>
-          </a:xfrm>
-          <a:prstGeom prst="rect">
-            <a:avLst/>
-          </a:prstGeom>
-        </p:spPr>
-        <p:txBody>
-          <a:bodyPr/>
-          <a:lstStyle/>
-          <a:p>
-            <a:pPr/>
-            <a:r>
-              <a:t>目录</a:t>
-            </a:r>
-          </a:p>
-        </p:txBody>
-      </p:sp>
-      <p:sp>
-        <p:nvSpPr>
-          <p:cNvPr id="126" name="通信安全…"/>
-          <p:cNvSpPr txBox="1"/>
-          <p:nvPr>
-            <p:ph type="subTitle" sz="quarter" idx="1"/>
-          </p:nvPr>
-        </p:nvSpPr>
-        <p:spPr>
-          <a:xfrm>
-            <a:off x="4248844" y="4432300"/>
-            <a:ext cx="4507112" cy="3653334"/>
-          </a:xfrm>
-          <a:prstGeom prst="rect">
-            <a:avLst/>
-          </a:prstGeom>
-        </p:spPr>
-        <p:txBody>
-          <a:bodyPr/>
-          <a:lstStyle/>
-          <a:p>
-            <a:pPr marL="320842" indent="-320842" algn="l">
-              <a:buSzPct val="100000"/>
-              <a:buChar char="•"/>
-            </a:pPr>
-            <a:r>
-              <a:t>通信安全</a:t>
-            </a:r>
-          </a:p>
-          <a:p>
-            <a:pPr marL="320842" indent="-320842" algn="l">
-              <a:buSzPct val="100000"/>
-              <a:buChar char="•"/>
-            </a:pPr>
-            <a:r>
-              <a:t>密码学</a:t>
-            </a:r>
-          </a:p>
-          <a:p>
-            <a:pPr marL="320842" indent="-320842" algn="l">
-              <a:buSzPct val="100000"/>
-              <a:buChar char="•"/>
-            </a:pPr>
-            <a:r>
-              <a:t>HTTPS原理</a:t>
-            </a:r>
-          </a:p>
-          <a:p>
-            <a:pPr marL="320842" indent="-320842" algn="l">
-              <a:buSzPct val="100000"/>
-              <a:buChar char="•"/>
-            </a:pPr>
-            <a:r>
-              <a:t>HTTPS实战</a:t>
-            </a:r>
-          </a:p>
-        </p:txBody>
-      </p:sp>
-    </p:spTree>
-  </p:cSld>
-  <p:clrMapOvr>
-    <a:masterClrMapping/>
-  </p:clrMapOvr>
-  <p:transition xmlns:p14="http://schemas.microsoft.com/office/powerpoint/2010/main" spd="med" advClick="1"/>
-</p:sld>
-</file>
-
-<file path=ppt/slides/slide4.xml><?xml version="1.0" encoding="utf-8"?>
-<p:sld xmlns:a="http://schemas.openxmlformats.org/drawingml/2006/main" xmlns:r="http://schemas.openxmlformats.org/officeDocument/2006/relationships" xmlns:p="http://schemas.openxmlformats.org/presentationml/2006/main" showMasterSp="1" showMasterPhAnim="1">
-  <p:cSld>
-    <p:spTree>
-      <p:nvGrpSpPr>
-        <p:cNvPr id="1" name=""/>
-        <p:cNvGrpSpPr/>
-        <p:nvPr/>
-      </p:nvGrpSpPr>
-      <p:grpSpPr>
-        <a:xfrm>
-          <a:off x="0" y="0"/>
-          <a:ext cx="0" cy="0"/>
-          <a:chOff x="0" y="0"/>
-          <a:chExt cx="0" cy="0"/>
-        </a:xfrm>
-      </p:grpSpPr>
-      <p:sp>
-        <p:nvSpPr>
-          <p:cNvPr id="128" name="Base64"/>
-          <p:cNvSpPr txBox="1"/>
+          <p:cNvPr id="161" name="Base64"/>
+          <p:cNvSpPr txBox="1">
+            <a:spLocks noGrp="1"/>
+          </p:cNvSpPr>
           <p:nvPr>
             <p:ph type="ctrTitle"/>
           </p:nvPr>
@@ -4834,7 +6264,1164 @@
             </a:lvl1pPr>
           </a:lstStyle>
           <a:p>
-            <a:pPr/>
+            <a:r>
+              <a:rPr lang="en-US" altLang="zh-CN" dirty="0" smtClean="0"/>
+              <a:t>SSL</a:t>
+            </a:r>
+            <a:r>
+              <a:rPr lang="zh-CN" altLang="en-US" dirty="0" smtClean="0"/>
+              <a:t>工作流程</a:t>
+            </a:r>
+            <a:endParaRPr dirty="0"/>
+          </a:p>
+        </p:txBody>
+      </p:sp>
+      <p:sp>
+        <p:nvSpPr>
+          <p:cNvPr id="7" name="矩形 6"/>
+          <p:cNvSpPr/>
+          <p:nvPr/>
+        </p:nvSpPr>
+        <p:spPr>
+          <a:xfrm>
+            <a:off x="713232" y="1752868"/>
+            <a:ext cx="11021568" cy="6124754"/>
+          </a:xfrm>
+          <a:prstGeom prst="rect">
+            <a:avLst/>
+          </a:prstGeom>
+        </p:spPr>
+        <p:txBody>
+          <a:bodyPr wrap="square">
+            <a:spAutoFit/>
+          </a:bodyPr>
+          <a:lstStyle/>
+          <a:p>
+            <a:pPr algn="l"/>
+            <a:r>
+              <a:rPr lang="en-US" altLang="zh-CN" sz="2800" b="1" dirty="0" smtClean="0">
+                <a:solidFill>
+                  <a:schemeClr val="bg1"/>
+                </a:solidFill>
+              </a:rPr>
+              <a:t>4.</a:t>
+            </a:r>
+            <a:r>
+              <a:rPr lang="zh-CN" altLang="en-US" sz="2800" b="1" dirty="0">
+                <a:solidFill>
+                  <a:schemeClr val="bg1"/>
+                </a:solidFill>
+              </a:rPr>
+              <a:t>服务器的最后</a:t>
+            </a:r>
+            <a:r>
+              <a:rPr lang="zh-CN" altLang="en-US" sz="2800" b="1" dirty="0" smtClean="0">
+                <a:solidFill>
+                  <a:schemeClr val="bg1"/>
+                </a:solidFill>
+              </a:rPr>
+              <a:t>回应</a:t>
+            </a:r>
+            <a:endParaRPr lang="en-US" altLang="zh-CN" sz="2800" b="1" dirty="0" smtClean="0">
+              <a:solidFill>
+                <a:schemeClr val="bg1"/>
+              </a:solidFill>
+            </a:endParaRPr>
+          </a:p>
+          <a:p>
+            <a:pPr algn="l"/>
+            <a:endParaRPr lang="en-US" altLang="zh-CN" sz="2800" b="1" dirty="0" smtClean="0">
+              <a:solidFill>
+                <a:schemeClr val="bg1"/>
+              </a:solidFill>
+            </a:endParaRPr>
+          </a:p>
+          <a:p>
+            <a:pPr algn="l"/>
+            <a:r>
+              <a:rPr lang="en-US" altLang="zh-CN" sz="2800" dirty="0" smtClean="0">
+                <a:solidFill>
+                  <a:schemeClr val="bg1"/>
+                </a:solidFill>
+              </a:rPr>
+              <a:t>	</a:t>
+            </a:r>
+            <a:r>
+              <a:rPr lang="zh-CN" altLang="en-US" sz="2800" dirty="0">
+                <a:solidFill>
+                  <a:schemeClr val="bg1"/>
+                </a:solidFill>
+              </a:rPr>
+              <a:t>服务器收到客户端的第三个随机数</a:t>
+            </a:r>
+            <a:r>
+              <a:rPr lang="en-US" altLang="zh-CN" sz="2800" dirty="0">
+                <a:solidFill>
+                  <a:schemeClr val="bg1"/>
+                </a:solidFill>
+              </a:rPr>
+              <a:t>pre-master key</a:t>
+            </a:r>
+            <a:r>
+              <a:rPr lang="zh-CN" altLang="en-US" sz="2800" dirty="0">
+                <a:solidFill>
+                  <a:schemeClr val="bg1"/>
+                </a:solidFill>
+              </a:rPr>
+              <a:t>之后，计算生成本次会话所用的</a:t>
+            </a:r>
+            <a:r>
+              <a:rPr lang="en-US" altLang="zh-CN" sz="2800" dirty="0">
+                <a:solidFill>
+                  <a:schemeClr val="bg1"/>
+                </a:solidFill>
+              </a:rPr>
+              <a:t>"</a:t>
+            </a:r>
+            <a:r>
+              <a:rPr lang="zh-CN" altLang="en-US" sz="2800" dirty="0">
+                <a:solidFill>
+                  <a:schemeClr val="bg1"/>
+                </a:solidFill>
+              </a:rPr>
+              <a:t>会话密钥</a:t>
+            </a:r>
+            <a:r>
+              <a:rPr lang="en-US" altLang="zh-CN" sz="2800" dirty="0">
+                <a:solidFill>
+                  <a:schemeClr val="bg1"/>
+                </a:solidFill>
+              </a:rPr>
+              <a:t>"</a:t>
+            </a:r>
+            <a:r>
+              <a:rPr lang="zh-CN" altLang="en-US" sz="2800" dirty="0">
+                <a:solidFill>
+                  <a:schemeClr val="bg1"/>
+                </a:solidFill>
+              </a:rPr>
+              <a:t>。然后，向客户端最后发送下面</a:t>
+            </a:r>
+            <a:r>
+              <a:rPr lang="zh-CN" altLang="en-US" sz="2800" dirty="0" smtClean="0">
+                <a:solidFill>
+                  <a:schemeClr val="bg1"/>
+                </a:solidFill>
+              </a:rPr>
+              <a:t>信息</a:t>
+            </a:r>
+            <a:r>
+              <a:rPr lang="en-US" altLang="zh-CN" sz="2800" dirty="0" smtClean="0">
+                <a:solidFill>
+                  <a:schemeClr val="bg1"/>
+                </a:solidFill>
+              </a:rPr>
+              <a:t>:</a:t>
+            </a:r>
+          </a:p>
+          <a:p>
+            <a:pPr algn="l"/>
+            <a:endParaRPr lang="zh-CN" altLang="en-US" sz="2800" dirty="0">
+              <a:solidFill>
+                <a:schemeClr val="bg1"/>
+              </a:solidFill>
+            </a:endParaRPr>
+          </a:p>
+          <a:p>
+            <a:pPr algn="l"/>
+            <a:r>
+              <a:rPr lang="en-US" altLang="zh-CN" sz="2800" dirty="0" smtClean="0">
+                <a:solidFill>
+                  <a:schemeClr val="bg1"/>
+                </a:solidFill>
+              </a:rPr>
+              <a:t>	</a:t>
+            </a:r>
+            <a:r>
+              <a:rPr lang="zh-CN" altLang="en-US" sz="2800" dirty="0" smtClean="0">
+                <a:solidFill>
+                  <a:schemeClr val="bg1"/>
+                </a:solidFill>
+              </a:rPr>
+              <a:t>（</a:t>
+            </a:r>
+            <a:r>
+              <a:rPr lang="en-US" altLang="zh-CN" sz="2800" dirty="0">
+                <a:solidFill>
+                  <a:schemeClr val="bg1"/>
+                </a:solidFill>
+              </a:rPr>
+              <a:t>1</a:t>
+            </a:r>
+            <a:r>
+              <a:rPr lang="zh-CN" altLang="en-US" sz="2800" dirty="0">
+                <a:solidFill>
+                  <a:schemeClr val="bg1"/>
+                </a:solidFill>
+              </a:rPr>
+              <a:t>）编码改变通知，表示随后的信息都将用双方商定的加密方法和密钥发送。</a:t>
+            </a:r>
+          </a:p>
+          <a:p>
+            <a:pPr algn="l"/>
+            <a:r>
+              <a:rPr lang="en-US" altLang="zh-CN" sz="2800" dirty="0" smtClean="0">
+                <a:solidFill>
+                  <a:schemeClr val="bg1"/>
+                </a:solidFill>
+              </a:rPr>
+              <a:t>	</a:t>
+            </a:r>
+            <a:r>
+              <a:rPr lang="zh-CN" altLang="en-US" sz="2800" dirty="0" smtClean="0">
+                <a:solidFill>
+                  <a:schemeClr val="bg1"/>
+                </a:solidFill>
+              </a:rPr>
+              <a:t>（</a:t>
+            </a:r>
+            <a:r>
+              <a:rPr lang="en-US" altLang="zh-CN" sz="2800" dirty="0">
+                <a:solidFill>
+                  <a:schemeClr val="bg1"/>
+                </a:solidFill>
+              </a:rPr>
+              <a:t>2</a:t>
+            </a:r>
+            <a:r>
+              <a:rPr lang="zh-CN" altLang="en-US" sz="2800" dirty="0">
+                <a:solidFill>
+                  <a:schemeClr val="bg1"/>
+                </a:solidFill>
+              </a:rPr>
+              <a:t>）服务器握手结束通知，表示服务器的握手阶段已经结束。这一项同时也是前面发送的所有内容的</a:t>
+            </a:r>
+            <a:r>
+              <a:rPr lang="en-US" altLang="zh-CN" sz="2800" dirty="0">
+                <a:solidFill>
+                  <a:schemeClr val="bg1"/>
+                </a:solidFill>
+              </a:rPr>
+              <a:t>hash</a:t>
+            </a:r>
+            <a:r>
+              <a:rPr lang="zh-CN" altLang="en-US" sz="2800" dirty="0">
+                <a:solidFill>
+                  <a:schemeClr val="bg1"/>
+                </a:solidFill>
+              </a:rPr>
+              <a:t>值，用来供客户端校验</a:t>
+            </a:r>
+            <a:r>
+              <a:rPr lang="zh-CN" altLang="en-US" sz="2800" dirty="0" smtClean="0">
+                <a:solidFill>
+                  <a:schemeClr val="bg1"/>
+                </a:solidFill>
+              </a:rPr>
+              <a:t>。</a:t>
+            </a:r>
+            <a:endParaRPr lang="en-US" altLang="zh-CN" sz="2800" dirty="0" smtClean="0">
+              <a:solidFill>
+                <a:schemeClr val="bg1"/>
+              </a:solidFill>
+            </a:endParaRPr>
+          </a:p>
+          <a:p>
+            <a:pPr algn="l"/>
+            <a:endParaRPr lang="en-US" altLang="zh-CN" sz="2800" dirty="0">
+              <a:solidFill>
+                <a:schemeClr val="bg1"/>
+              </a:solidFill>
+            </a:endParaRPr>
+          </a:p>
+          <a:p>
+            <a:pPr algn="l"/>
+            <a:endParaRPr lang="en-US" altLang="zh-CN" sz="2800" dirty="0" smtClean="0">
+              <a:solidFill>
+                <a:schemeClr val="bg1"/>
+              </a:solidFill>
+            </a:endParaRPr>
+          </a:p>
+          <a:p>
+            <a:pPr algn="l"/>
+            <a:r>
+              <a:rPr lang="en-US" altLang="zh-CN" sz="2800" dirty="0" smtClean="0">
+                <a:solidFill>
+                  <a:schemeClr val="bg1"/>
+                </a:solidFill>
+              </a:rPr>
+              <a:t>	</a:t>
+            </a:r>
+            <a:r>
+              <a:rPr lang="zh-CN" altLang="en-US" sz="2800" dirty="0" smtClean="0">
+                <a:solidFill>
+                  <a:schemeClr val="bg1"/>
+                </a:solidFill>
+              </a:rPr>
+              <a:t>至此</a:t>
+            </a:r>
+            <a:r>
+              <a:rPr lang="zh-CN" altLang="en-US" sz="2800" dirty="0">
+                <a:solidFill>
+                  <a:schemeClr val="bg1"/>
+                </a:solidFill>
+              </a:rPr>
+              <a:t>，整个握手阶段全部结束。接下来，客户端与服务器进入加密通信，就完全是使用普通的</a:t>
+            </a:r>
+            <a:r>
+              <a:rPr lang="en-US" altLang="zh-CN" sz="2800" dirty="0">
+                <a:solidFill>
+                  <a:schemeClr val="bg1"/>
+                </a:solidFill>
+              </a:rPr>
+              <a:t>HTTP</a:t>
+            </a:r>
+            <a:r>
+              <a:rPr lang="zh-CN" altLang="en-US" sz="2800" dirty="0">
+                <a:solidFill>
+                  <a:schemeClr val="bg1"/>
+                </a:solidFill>
+              </a:rPr>
+              <a:t>协议，只不过用</a:t>
+            </a:r>
+            <a:r>
+              <a:rPr lang="en-US" altLang="zh-CN" sz="2800" dirty="0">
+                <a:solidFill>
+                  <a:schemeClr val="bg1"/>
+                </a:solidFill>
+              </a:rPr>
+              <a:t>"</a:t>
+            </a:r>
+            <a:r>
+              <a:rPr lang="zh-CN" altLang="en-US" sz="2800" dirty="0">
+                <a:solidFill>
+                  <a:schemeClr val="bg1"/>
+                </a:solidFill>
+              </a:rPr>
+              <a:t>会话密钥</a:t>
+            </a:r>
+            <a:r>
+              <a:rPr lang="en-US" altLang="zh-CN" sz="2800" dirty="0">
+                <a:solidFill>
+                  <a:schemeClr val="bg1"/>
+                </a:solidFill>
+              </a:rPr>
+              <a:t>"</a:t>
+            </a:r>
+            <a:r>
+              <a:rPr lang="zh-CN" altLang="en-US" sz="2800" dirty="0">
+                <a:solidFill>
+                  <a:schemeClr val="bg1"/>
+                </a:solidFill>
+              </a:rPr>
+              <a:t>加密内容。</a:t>
+            </a:r>
+            <a:endParaRPr lang="zh-CN" altLang="en-US" sz="2800" dirty="0">
+              <a:solidFill>
+                <a:schemeClr val="bg1"/>
+              </a:solidFill>
+            </a:endParaRPr>
+          </a:p>
+        </p:txBody>
+      </p:sp>
+    </p:spTree>
+    <p:extLst>
+      <p:ext uri="{BB962C8B-B14F-4D97-AF65-F5344CB8AC3E}">
+        <p14:creationId xmlns:p14="http://schemas.microsoft.com/office/powerpoint/2010/main" val="2640675959"/>
+      </p:ext>
+    </p:extLst>
+  </p:cSld>
+  <p:clrMapOvr>
+    <a:masterClrMapping/>
+  </p:clrMapOvr>
+  <p:transition spd="med"/>
+</p:sld>
+</file>
+
+<file path=ppt/slides/slide21.xml><?xml version="1.0" encoding="utf-8"?>
+<p:sld xmlns:a="http://schemas.openxmlformats.org/drawingml/2006/main" xmlns:r="http://schemas.openxmlformats.org/officeDocument/2006/relationships" xmlns:p="http://schemas.openxmlformats.org/presentationml/2006/main">
+  <p:cSld>
+    <p:spTree>
+      <p:nvGrpSpPr>
+        <p:cNvPr id="1" name=""/>
+        <p:cNvGrpSpPr/>
+        <p:nvPr/>
+      </p:nvGrpSpPr>
+      <p:grpSpPr>
+        <a:xfrm>
+          <a:off x="0" y="0"/>
+          <a:ext cx="0" cy="0"/>
+          <a:chOff x="0" y="0"/>
+          <a:chExt cx="0" cy="0"/>
+        </a:xfrm>
+      </p:grpSpPr>
+      <p:sp>
+        <p:nvSpPr>
+          <p:cNvPr id="170" name="单向SSL"/>
+          <p:cNvSpPr txBox="1">
+            <a:spLocks noGrp="1"/>
+          </p:cNvSpPr>
+          <p:nvPr>
+            <p:ph type="ctrTitle"/>
+          </p:nvPr>
+        </p:nvSpPr>
+        <p:spPr>
+          <a:xfrm>
+            <a:off x="368300" y="546100"/>
+            <a:ext cx="10464800" cy="1225005"/>
+          </a:xfrm>
+          <a:prstGeom prst="rect">
+            <a:avLst/>
+          </a:prstGeom>
+        </p:spPr>
+        <p:txBody>
+          <a:bodyPr/>
+          <a:lstStyle>
+            <a:lvl1pPr algn="l" defTabSz="461518">
+              <a:defRPr sz="6300"/>
+            </a:lvl1pPr>
+          </a:lstStyle>
+          <a:p>
+            <a:r>
+              <a:t>单向SSL</a:t>
+            </a:r>
+          </a:p>
+        </p:txBody>
+      </p:sp>
+      <p:pic>
+        <p:nvPicPr>
+          <p:cNvPr id="171" name="单向ssl.jpg" descr="单向ssl.jpg"/>
+          <p:cNvPicPr>
+            <a:picLocks noChangeAspect="1"/>
+          </p:cNvPicPr>
+          <p:nvPr/>
+        </p:nvPicPr>
+        <p:blipFill>
+          <a:blip r:embed="rId2">
+            <a:extLst/>
+          </a:blip>
+          <a:stretch>
+            <a:fillRect/>
+          </a:stretch>
+        </p:blipFill>
+        <p:spPr>
+          <a:xfrm>
+            <a:off x="1996632" y="2082976"/>
+            <a:ext cx="7208135" cy="7035447"/>
+          </a:xfrm>
+          <a:prstGeom prst="rect">
+            <a:avLst/>
+          </a:prstGeom>
+          <a:ln w="12700">
+            <a:miter lim="400000"/>
+          </a:ln>
+        </p:spPr>
+      </p:pic>
+    </p:spTree>
+  </p:cSld>
+  <p:clrMapOvr>
+    <a:masterClrMapping/>
+  </p:clrMapOvr>
+  <p:transition spd="med"/>
+  <p:timing>
+    <p:tnLst>
+      <p:par>
+        <p:cTn id="1" dur="indefinite" restart="never" fill="hold" nodeType="tmRoot">
+          <p:childTnLst>
+            <p:seq concurrent="1" prevAc="none" nextAc="seek">
+              <p:cTn id="2" dur="indefinite" fill="hold" nodeType="mainSeq">
+                <p:childTnLst>
+                  <p:par>
+                    <p:cTn id="3" fill="hold">
+                      <p:stCondLst>
+                        <p:cond delay="indefinite"/>
+                      </p:stCondLst>
+                      <p:childTnLst>
+                        <p:par>
+                          <p:cTn id="4" fill="hold">
+                            <p:stCondLst>
+                              <p:cond delay="0"/>
+                            </p:stCondLst>
+                            <p:childTnLst>
+                              <p:par>
+                                <p:cTn id="5" presetID="22" presetClass="entr" presetSubtype="8" fill="hold" grpId="1" nodeType="clickEffect">
+                                  <p:stCondLst>
+                                    <p:cond delay="0"/>
+                                  </p:stCondLst>
+                                  <p:iterate>
+                                    <p:tmAbs val="0"/>
+                                  </p:iterate>
+                                  <p:childTnLst>
+                                    <p:set>
+                                      <p:cBhvr>
+                                        <p:cTn id="6" fill="hold"/>
+                                        <p:tgtEl>
+                                          <p:spTgt spid="171"/>
+                                        </p:tgtEl>
+                                        <p:attrNameLst>
+                                          <p:attrName>style.visibility</p:attrName>
+                                        </p:attrNameLst>
+                                      </p:cBhvr>
+                                      <p:to>
+                                        <p:strVal val="visible"/>
+                                      </p:to>
+                                    </p:set>
+                                    <p:animEffect transition="in" filter="wipe(left)">
+                                      <p:cBhvr>
+                                        <p:cTn id="7" dur="1000"/>
+                                        <p:tgtEl>
+                                          <p:spTgt spid="171"/>
+                                        </p:tgtEl>
+                                      </p:cBhvr>
+                                    </p:animEffect>
+                                  </p:childTnLst>
+                                </p:cTn>
+                              </p:par>
+                            </p:childTnLst>
+                          </p:cTn>
+                        </p:par>
+                      </p:childTnLst>
+                    </p:cTn>
+                  </p:par>
+                </p:childTnLst>
+              </p:cTn>
+              <p:prevCondLst>
+                <p:cond evt="onPrev" delay="0">
+                  <p:tgtEl>
+                    <p:sldTgt/>
+                  </p:tgtEl>
+                </p:cond>
+              </p:prevCondLst>
+              <p:nextCondLst>
+                <p:cond evt="onNext" delay="0">
+                  <p:tgtEl>
+                    <p:sldTgt/>
+                  </p:tgtEl>
+                </p:cond>
+              </p:nextCondLst>
+            </p:seq>
+          </p:childTnLst>
+        </p:cTn>
+      </p:par>
+    </p:tnLst>
+    <p:bldLst>
+      <p:bldP spid="171" grpId="1" animBg="1" advAuto="0"/>
+    </p:bldLst>
+  </p:timing>
+</p:sld>
+</file>
+
+<file path=ppt/slides/slide22.xml><?xml version="1.0" encoding="utf-8"?>
+<p:sld xmlns:a="http://schemas.openxmlformats.org/drawingml/2006/main" xmlns:r="http://schemas.openxmlformats.org/officeDocument/2006/relationships" xmlns:p="http://schemas.openxmlformats.org/presentationml/2006/main">
+  <p:cSld>
+    <p:spTree>
+      <p:nvGrpSpPr>
+        <p:cNvPr id="1" name=""/>
+        <p:cNvGrpSpPr/>
+        <p:nvPr/>
+      </p:nvGrpSpPr>
+      <p:grpSpPr>
+        <a:xfrm>
+          <a:off x="0" y="0"/>
+          <a:ext cx="0" cy="0"/>
+          <a:chOff x="0" y="0"/>
+          <a:chExt cx="0" cy="0"/>
+        </a:xfrm>
+      </p:grpSpPr>
+      <p:sp>
+        <p:nvSpPr>
+          <p:cNvPr id="176" name="双向SSL"/>
+          <p:cNvSpPr txBox="1">
+            <a:spLocks noGrp="1"/>
+          </p:cNvSpPr>
+          <p:nvPr>
+            <p:ph type="ctrTitle"/>
+          </p:nvPr>
+        </p:nvSpPr>
+        <p:spPr>
+          <a:xfrm>
+            <a:off x="457200" y="939800"/>
+            <a:ext cx="10464800" cy="1225005"/>
+          </a:xfrm>
+          <a:prstGeom prst="rect">
+            <a:avLst/>
+          </a:prstGeom>
+        </p:spPr>
+        <p:txBody>
+          <a:bodyPr/>
+          <a:lstStyle>
+            <a:lvl1pPr algn="l" defTabSz="461518">
+              <a:defRPr sz="6300"/>
+            </a:lvl1pPr>
+          </a:lstStyle>
+          <a:p>
+            <a:r>
+              <a:t>双向SSL</a:t>
+            </a:r>
+          </a:p>
+        </p:txBody>
+      </p:sp>
+      <p:pic>
+        <p:nvPicPr>
+          <p:cNvPr id="177" name="双向ssl.jpg" descr="双向ssl.jpg"/>
+          <p:cNvPicPr>
+            <a:picLocks noChangeAspect="1"/>
+          </p:cNvPicPr>
+          <p:nvPr/>
+        </p:nvPicPr>
+        <p:blipFill>
+          <a:blip r:embed="rId2">
+            <a:extLst/>
+          </a:blip>
+          <a:stretch>
+            <a:fillRect/>
+          </a:stretch>
+        </p:blipFill>
+        <p:spPr>
+          <a:xfrm>
+            <a:off x="2299575" y="2232025"/>
+            <a:ext cx="7008650" cy="7140575"/>
+          </a:xfrm>
+          <a:prstGeom prst="rect">
+            <a:avLst/>
+          </a:prstGeom>
+          <a:ln w="12700">
+            <a:miter lim="400000"/>
+          </a:ln>
+        </p:spPr>
+      </p:pic>
+    </p:spTree>
+  </p:cSld>
+  <p:clrMapOvr>
+    <a:masterClrMapping/>
+  </p:clrMapOvr>
+  <p:transition spd="med"/>
+  <p:timing>
+    <p:tnLst>
+      <p:par>
+        <p:cTn id="1" dur="indefinite" restart="never" fill="hold" nodeType="tmRoot">
+          <p:childTnLst>
+            <p:seq concurrent="1" prevAc="none" nextAc="seek">
+              <p:cTn id="2" dur="indefinite" fill="hold" nodeType="mainSeq">
+                <p:childTnLst>
+                  <p:par>
+                    <p:cTn id="3" fill="hold">
+                      <p:stCondLst>
+                        <p:cond delay="indefinite"/>
+                      </p:stCondLst>
+                      <p:childTnLst>
+                        <p:par>
+                          <p:cTn id="4" fill="hold">
+                            <p:stCondLst>
+                              <p:cond delay="0"/>
+                            </p:stCondLst>
+                            <p:childTnLst>
+                              <p:par>
+                                <p:cTn id="5" presetID="22" presetClass="entr" presetSubtype="8" fill="hold" grpId="1" nodeType="clickEffect">
+                                  <p:stCondLst>
+                                    <p:cond delay="0"/>
+                                  </p:stCondLst>
+                                  <p:iterate>
+                                    <p:tmAbs val="0"/>
+                                  </p:iterate>
+                                  <p:childTnLst>
+                                    <p:set>
+                                      <p:cBhvr>
+                                        <p:cTn id="6" fill="hold"/>
+                                        <p:tgtEl>
+                                          <p:spTgt spid="177"/>
+                                        </p:tgtEl>
+                                        <p:attrNameLst>
+                                          <p:attrName>style.visibility</p:attrName>
+                                        </p:attrNameLst>
+                                      </p:cBhvr>
+                                      <p:to>
+                                        <p:strVal val="visible"/>
+                                      </p:to>
+                                    </p:set>
+                                    <p:animEffect transition="in" filter="wipe(left)">
+                                      <p:cBhvr>
+                                        <p:cTn id="7" dur="500"/>
+                                        <p:tgtEl>
+                                          <p:spTgt spid="177"/>
+                                        </p:tgtEl>
+                                      </p:cBhvr>
+                                    </p:animEffect>
+                                  </p:childTnLst>
+                                </p:cTn>
+                              </p:par>
+                            </p:childTnLst>
+                          </p:cTn>
+                        </p:par>
+                      </p:childTnLst>
+                    </p:cTn>
+                  </p:par>
+                </p:childTnLst>
+              </p:cTn>
+              <p:prevCondLst>
+                <p:cond evt="onPrev" delay="0">
+                  <p:tgtEl>
+                    <p:sldTgt/>
+                  </p:tgtEl>
+                </p:cond>
+              </p:prevCondLst>
+              <p:nextCondLst>
+                <p:cond evt="onNext" delay="0">
+                  <p:tgtEl>
+                    <p:sldTgt/>
+                  </p:tgtEl>
+                </p:cond>
+              </p:nextCondLst>
+            </p:seq>
+          </p:childTnLst>
+        </p:cTn>
+      </p:par>
+    </p:tnLst>
+    <p:bldLst>
+      <p:bldP spid="177" grpId="1" animBg="1" advAuto="0"/>
+    </p:bldLst>
+  </p:timing>
+</p:sld>
+</file>
+
+<file path=ppt/slides/slide23.xml><?xml version="1.0" encoding="utf-8"?>
+<p:sld xmlns:a="http://schemas.openxmlformats.org/drawingml/2006/main" xmlns:r="http://schemas.openxmlformats.org/officeDocument/2006/relationships" xmlns:p="http://schemas.openxmlformats.org/presentationml/2006/main">
+  <p:cSld>
+    <p:spTree>
+      <p:nvGrpSpPr>
+        <p:cNvPr id="1" name=""/>
+        <p:cNvGrpSpPr/>
+        <p:nvPr/>
+      </p:nvGrpSpPr>
+      <p:grpSpPr>
+        <a:xfrm>
+          <a:off x="0" y="0"/>
+          <a:ext cx="0" cy="0"/>
+          <a:chOff x="0" y="0"/>
+          <a:chExt cx="0" cy="0"/>
+        </a:xfrm>
+      </p:grpSpPr>
+      <p:sp>
+        <p:nvSpPr>
+          <p:cNvPr id="161" name="Base64"/>
+          <p:cNvSpPr txBox="1">
+            <a:spLocks noGrp="1"/>
+          </p:cNvSpPr>
+          <p:nvPr>
+            <p:ph type="ctrTitle"/>
+          </p:nvPr>
+        </p:nvSpPr>
+        <p:spPr>
+          <a:xfrm>
+            <a:off x="1270000" y="520700"/>
+            <a:ext cx="10464800" cy="870298"/>
+          </a:xfrm>
+          <a:prstGeom prst="rect">
+            <a:avLst/>
+          </a:prstGeom>
+        </p:spPr>
+        <p:txBody>
+          <a:bodyPr/>
+          <a:lstStyle>
+            <a:lvl1pPr algn="l" defTabSz="318973">
+              <a:defRPr sz="4320"/>
+            </a:lvl1pPr>
+          </a:lstStyle>
+          <a:p>
+            <a:r>
+              <a:rPr lang="en-US" altLang="zh-CN" dirty="0" smtClean="0"/>
+              <a:t>HTTPS</a:t>
+            </a:r>
+            <a:r>
+              <a:rPr lang="zh-CN" altLang="en-US" dirty="0"/>
+              <a:t>实战</a:t>
+            </a:r>
+            <a:endParaRPr dirty="0"/>
+          </a:p>
+        </p:txBody>
+      </p:sp>
+      <p:sp>
+        <p:nvSpPr>
+          <p:cNvPr id="162" name="Base64是8Bit字节代码的编码方式之一，严格意义上并不算是一种加密算法。"/>
+          <p:cNvSpPr txBox="1">
+            <a:spLocks noGrp="1"/>
+          </p:cNvSpPr>
+          <p:nvPr>
+            <p:ph type="subTitle" idx="1"/>
+          </p:nvPr>
+        </p:nvSpPr>
+        <p:spPr>
+          <a:xfrm>
+            <a:off x="1270000" y="2216177"/>
+            <a:ext cx="10464800" cy="5781775"/>
+          </a:xfrm>
+          <a:prstGeom prst="rect">
+            <a:avLst/>
+          </a:prstGeom>
+        </p:spPr>
+        <p:txBody>
+          <a:bodyPr/>
+          <a:lstStyle/>
+          <a:p>
+            <a:pPr algn="l" defTabSz="731520">
+              <a:spcBef>
+                <a:spcPts val="500"/>
+              </a:spcBef>
+              <a:buSzPct val="100000"/>
+              <a:defRPr sz="2240">
+                <a:latin typeface="微软雅黑"/>
+                <a:ea typeface="微软雅黑"/>
+                <a:cs typeface="微软雅黑"/>
+                <a:sym typeface="微软雅黑"/>
+              </a:defRPr>
+            </a:pPr>
+            <a:r>
+              <a:rPr lang="en-US" sz="2800" dirty="0" smtClean="0"/>
+              <a:t>1</a:t>
+            </a:r>
+            <a:r>
+              <a:rPr lang="zh-CN" altLang="en-US" sz="2800" dirty="0" smtClean="0"/>
+              <a:t>、</a:t>
+            </a:r>
+            <a:r>
+              <a:rPr lang="zh-CN" altLang="en-US" sz="2800" dirty="0" smtClean="0"/>
+              <a:t>使用</a:t>
+            </a:r>
+            <a:r>
+              <a:rPr lang="en-US" altLang="zh-CN" sz="2800" dirty="0" err="1" smtClean="0"/>
+              <a:t>keytool</a:t>
+            </a:r>
+            <a:r>
+              <a:rPr lang="zh-CN" altLang="en-US" sz="2800" dirty="0" smtClean="0"/>
+              <a:t>生成数字证书，并完成</a:t>
+            </a:r>
+            <a:r>
+              <a:rPr lang="en-US" altLang="zh-CN" sz="2800" dirty="0" smtClean="0"/>
+              <a:t>SSL</a:t>
+            </a:r>
+            <a:r>
+              <a:rPr lang="zh-CN" altLang="en-US" sz="2800" dirty="0" smtClean="0"/>
+              <a:t>双向通讯</a:t>
+            </a:r>
+            <a:endParaRPr lang="en-US" altLang="zh-CN" sz="2800" dirty="0" smtClean="0"/>
+          </a:p>
+          <a:p>
+            <a:pPr algn="l" defTabSz="731520">
+              <a:spcBef>
+                <a:spcPts val="500"/>
+              </a:spcBef>
+              <a:buSzPct val="100000"/>
+              <a:defRPr sz="2240">
+                <a:latin typeface="微软雅黑"/>
+                <a:ea typeface="微软雅黑"/>
+                <a:cs typeface="微软雅黑"/>
+                <a:sym typeface="微软雅黑"/>
+              </a:defRPr>
+            </a:pPr>
+            <a:endParaRPr lang="en-US" altLang="zh-CN" sz="2800" dirty="0" smtClean="0"/>
+          </a:p>
+          <a:p>
+            <a:pPr algn="l" defTabSz="731520">
+              <a:spcBef>
+                <a:spcPts val="500"/>
+              </a:spcBef>
+              <a:buSzPct val="100000"/>
+              <a:defRPr sz="2240">
+                <a:latin typeface="微软雅黑"/>
+                <a:ea typeface="微软雅黑"/>
+                <a:cs typeface="微软雅黑"/>
+                <a:sym typeface="微软雅黑"/>
+              </a:defRPr>
+            </a:pPr>
+            <a:r>
+              <a:rPr lang="en-US" sz="2800" dirty="0" smtClean="0"/>
+              <a:t>2</a:t>
+            </a:r>
+            <a:r>
+              <a:rPr lang="zh-CN" altLang="en-US" sz="2800" dirty="0" smtClean="0"/>
+              <a:t>、在</a:t>
+            </a:r>
+            <a:r>
+              <a:rPr lang="en-US" altLang="zh-CN" sz="2800" dirty="0" err="1" smtClean="0"/>
+              <a:t>SpringBoot</a:t>
+            </a:r>
+            <a:r>
+              <a:rPr lang="zh-CN" altLang="en-US" sz="2800" dirty="0" smtClean="0"/>
+              <a:t>中使用</a:t>
+            </a:r>
+            <a:r>
+              <a:rPr lang="en-US" altLang="zh-CN" sz="2800" dirty="0" smtClean="0"/>
+              <a:t>HTTPS</a:t>
+            </a:r>
+            <a:endParaRPr lang="en-US" sz="2800" dirty="0"/>
+          </a:p>
+          <a:p>
+            <a:pPr algn="l" defTabSz="731520">
+              <a:spcBef>
+                <a:spcPts val="500"/>
+              </a:spcBef>
+              <a:buSzPct val="100000"/>
+              <a:defRPr sz="2240">
+                <a:latin typeface="微软雅黑"/>
+                <a:ea typeface="微软雅黑"/>
+                <a:cs typeface="微软雅黑"/>
+                <a:sym typeface="微软雅黑"/>
+              </a:defRPr>
+            </a:pPr>
+            <a:endParaRPr sz="1600" dirty="0"/>
+          </a:p>
+        </p:txBody>
+      </p:sp>
+    </p:spTree>
+    <p:extLst>
+      <p:ext uri="{BB962C8B-B14F-4D97-AF65-F5344CB8AC3E}">
+        <p14:creationId xmlns:p14="http://schemas.microsoft.com/office/powerpoint/2010/main" val="2629728561"/>
+      </p:ext>
+    </p:extLst>
+  </p:cSld>
+  <p:clrMapOvr>
+    <a:masterClrMapping/>
+  </p:clrMapOvr>
+  <p:transition spd="med"/>
+</p:sld>
+</file>
+
+<file path=ppt/slides/slide24.xml><?xml version="1.0" encoding="utf-8"?>
+<p:sld xmlns:a="http://schemas.openxmlformats.org/drawingml/2006/main" xmlns:r="http://schemas.openxmlformats.org/officeDocument/2006/relationships" xmlns:p="http://schemas.openxmlformats.org/presentationml/2006/main">
+  <p:cSld>
+    <p:spTree>
+      <p:nvGrpSpPr>
+        <p:cNvPr id="1" name=""/>
+        <p:cNvGrpSpPr/>
+        <p:nvPr/>
+      </p:nvGrpSpPr>
+      <p:grpSpPr>
+        <a:xfrm>
+          <a:off x="0" y="0"/>
+          <a:ext cx="0" cy="0"/>
+          <a:chOff x="0" y="0"/>
+          <a:chExt cx="0" cy="0"/>
+        </a:xfrm>
+      </p:grpSpPr>
+      <p:sp>
+        <p:nvSpPr>
+          <p:cNvPr id="179" name="谢谢！"/>
+          <p:cNvSpPr txBox="1"/>
+          <p:nvPr/>
+        </p:nvSpPr>
+        <p:spPr>
+          <a:xfrm>
+            <a:off x="4368799" y="4787898"/>
+            <a:ext cx="2552701" cy="1244601"/>
+          </a:xfrm>
+          <a:prstGeom prst="rect">
+            <a:avLst/>
+          </a:prstGeom>
+          <a:ln w="12700">
+            <a:miter lim="400000"/>
+          </a:ln>
+          <a:extLst>
+            <a:ext uri="{C572A759-6A51-4108-AA02-DFA0A04FC94B}">
+              <ma14:wrappingTextBoxFlag xmlns:ma14="http://schemas.microsoft.com/office/mac/drawingml/2011/main" xmlns="" val="1"/>
+            </a:ext>
+          </a:extLst>
+        </p:spPr>
+        <p:txBody>
+          <a:bodyPr wrap="none" lIns="50800" tIns="50800" rIns="50800" bIns="50800" anchor="ctr">
+            <a:spAutoFit/>
+          </a:bodyPr>
+          <a:lstStyle>
+            <a:lvl1pPr>
+              <a:defRPr sz="6400">
+                <a:solidFill>
+                  <a:srgbClr val="FFFFFF"/>
+                </a:solidFill>
+              </a:defRPr>
+            </a:lvl1pPr>
+          </a:lstStyle>
+          <a:p>
+            <a:r>
+              <a:t>谢谢！</a:t>
+            </a:r>
+          </a:p>
+        </p:txBody>
+      </p:sp>
+    </p:spTree>
+  </p:cSld>
+  <p:clrMapOvr>
+    <a:masterClrMapping/>
+  </p:clrMapOvr>
+  <p:transition spd="med"/>
+</p:sld>
+</file>
+
+<file path=ppt/slides/slide3.xml><?xml version="1.0" encoding="utf-8"?>
+<p:sld xmlns:a="http://schemas.openxmlformats.org/drawingml/2006/main" xmlns:r="http://schemas.openxmlformats.org/officeDocument/2006/relationships" xmlns:p="http://schemas.openxmlformats.org/presentationml/2006/main">
+  <p:cSld>
+    <p:spTree>
+      <p:nvGrpSpPr>
+        <p:cNvPr id="1" name=""/>
+        <p:cNvGrpSpPr/>
+        <p:nvPr/>
+      </p:nvGrpSpPr>
+      <p:grpSpPr>
+        <a:xfrm>
+          <a:off x="0" y="0"/>
+          <a:ext cx="0" cy="0"/>
+          <a:chOff x="0" y="0"/>
+          <a:chExt cx="0" cy="0"/>
+        </a:xfrm>
+      </p:grpSpPr>
+      <p:sp>
+        <p:nvSpPr>
+          <p:cNvPr id="125" name="目录"/>
+          <p:cNvSpPr txBox="1">
+            <a:spLocks noGrp="1"/>
+          </p:cNvSpPr>
+          <p:nvPr>
+            <p:ph type="ctrTitle"/>
+          </p:nvPr>
+        </p:nvSpPr>
+        <p:spPr>
+          <a:xfrm>
+            <a:off x="1270000" y="419100"/>
+            <a:ext cx="10464800" cy="3302000"/>
+          </a:xfrm>
+          <a:prstGeom prst="rect">
+            <a:avLst/>
+          </a:prstGeom>
+        </p:spPr>
+        <p:txBody>
+          <a:bodyPr/>
+          <a:lstStyle/>
+          <a:p>
+            <a:r>
+              <a:t>目录</a:t>
+            </a:r>
+          </a:p>
+        </p:txBody>
+      </p:sp>
+      <p:sp>
+        <p:nvSpPr>
+          <p:cNvPr id="126" name="通信安全…"/>
+          <p:cNvSpPr txBox="1">
+            <a:spLocks noGrp="1"/>
+          </p:cNvSpPr>
+          <p:nvPr>
+            <p:ph type="subTitle" sz="quarter" idx="1"/>
+          </p:nvPr>
+        </p:nvSpPr>
+        <p:spPr>
+          <a:xfrm>
+            <a:off x="4248844" y="4432300"/>
+            <a:ext cx="4507112" cy="3653334"/>
+          </a:xfrm>
+          <a:prstGeom prst="rect">
+            <a:avLst/>
+          </a:prstGeom>
+        </p:spPr>
+        <p:txBody>
+          <a:bodyPr/>
+          <a:lstStyle/>
+          <a:p>
+            <a:pPr marL="320842" indent="-320842" algn="l">
+              <a:buSzPct val="100000"/>
+              <a:buChar char="•"/>
+            </a:pPr>
+            <a:r>
+              <a:rPr dirty="0" err="1"/>
+              <a:t>通信安全</a:t>
+            </a:r>
+            <a:endParaRPr dirty="0"/>
+          </a:p>
+          <a:p>
+            <a:pPr marL="320842" indent="-320842" algn="l">
+              <a:buSzPct val="100000"/>
+              <a:buChar char="•"/>
+            </a:pPr>
+            <a:r>
+              <a:rPr dirty="0" err="1"/>
+              <a:t>密码学</a:t>
+            </a:r>
+            <a:endParaRPr dirty="0"/>
+          </a:p>
+          <a:p>
+            <a:pPr marL="320842" indent="-320842" algn="l">
+              <a:buSzPct val="100000"/>
+              <a:buChar char="•"/>
+            </a:pPr>
+            <a:r>
+              <a:rPr dirty="0" err="1"/>
+              <a:t>HTTPS原理</a:t>
+            </a:r>
+            <a:endParaRPr dirty="0"/>
+          </a:p>
+          <a:p>
+            <a:pPr marL="320842" indent="-320842" algn="l">
+              <a:buSzPct val="100000"/>
+              <a:buChar char="•"/>
+            </a:pPr>
+            <a:r>
+              <a:rPr dirty="0" err="1"/>
+              <a:t>HTTPS实战</a:t>
+            </a:r>
+            <a:endParaRPr dirty="0"/>
+          </a:p>
+        </p:txBody>
+      </p:sp>
+    </p:spTree>
+  </p:cSld>
+  <p:clrMapOvr>
+    <a:masterClrMapping/>
+  </p:clrMapOvr>
+  <p:transition spd="med"/>
+</p:sld>
+</file>
+
+<file path=ppt/slides/slide4.xml><?xml version="1.0" encoding="utf-8"?>
+<p:sld xmlns:a="http://schemas.openxmlformats.org/drawingml/2006/main" xmlns:r="http://schemas.openxmlformats.org/officeDocument/2006/relationships" xmlns:p="http://schemas.openxmlformats.org/presentationml/2006/main">
+  <p:cSld>
+    <p:spTree>
+      <p:nvGrpSpPr>
+        <p:cNvPr id="1" name=""/>
+        <p:cNvGrpSpPr/>
+        <p:nvPr/>
+      </p:nvGrpSpPr>
+      <p:grpSpPr>
+        <a:xfrm>
+          <a:off x="0" y="0"/>
+          <a:ext cx="0" cy="0"/>
+          <a:chOff x="0" y="0"/>
+          <a:chExt cx="0" cy="0"/>
+        </a:xfrm>
+      </p:grpSpPr>
+      <p:sp>
+        <p:nvSpPr>
+          <p:cNvPr id="128" name="Base64"/>
+          <p:cNvSpPr txBox="1">
+            <a:spLocks noGrp="1"/>
+          </p:cNvSpPr>
+          <p:nvPr>
+            <p:ph type="ctrTitle"/>
+          </p:nvPr>
+        </p:nvSpPr>
+        <p:spPr>
+          <a:xfrm>
+            <a:off x="1270000" y="520700"/>
+            <a:ext cx="10464800" cy="870298"/>
+          </a:xfrm>
+          <a:prstGeom prst="rect">
+            <a:avLst/>
+          </a:prstGeom>
+        </p:spPr>
+        <p:txBody>
+          <a:bodyPr/>
+          <a:lstStyle>
+            <a:lvl1pPr algn="l" defTabSz="318973">
+              <a:defRPr sz="4320"/>
+            </a:lvl1pPr>
+          </a:lstStyle>
+          <a:p>
             <a:r>
               <a:t>常见的通信安全攻击</a:t>
             </a:r>
@@ -4844,7 +7431,9 @@
       <p:sp>
         <p:nvSpPr>
           <p:cNvPr id="129" name="Base64是8Bit字节代码的编码方式之一，严格意义上并不算是一种加密算法。"/>
-          <p:cNvSpPr txBox="1"/>
+          <p:cNvSpPr txBox="1">
+            <a:spLocks noGrp="1"/>
+          </p:cNvSpPr>
           <p:nvPr>
             <p:ph type="subTitle" idx="1"/>
           </p:nvPr>
@@ -4877,8 +7466,10 @@
               </a:defRPr>
             </a:pPr>
             <a:r>
+              <a:rPr dirty="0" err="1"/>
               <a:t>窃取信息</a:t>
             </a:r>
+            <a:endParaRPr dirty="0"/>
           </a:p>
           <a:p>
             <a:pPr marL="342900" indent="-342900" algn="l" defTabSz="914400">
@@ -4894,21 +7485,13 @@
               </a:defRPr>
             </a:pPr>
             <a:r>
+              <a:rPr dirty="0"/>
               <a:t>   </a:t>
             </a:r>
             <a:r>
-              <a:rPr sz="2000"/>
-              <a:t>春晖给蒙工打电话，我的银行卡密码是</a:t>
-            </a:r>
-            <a:r>
-              <a:rPr sz="2000"/>
-              <a:t>45678</a:t>
-            </a:r>
-            <a:r>
-              <a:rPr sz="2000"/>
-              <a:t>，然后罗少在旁边偷听</a:t>
-            </a:r>
-            <a:endParaRPr sz="2000"/>
+              <a:rPr sz="2000" dirty="0"/>
+              <a:t>春晖给蒙工打电话，我的银行卡密码是45678，然后罗少在旁边偷听</a:t>
+            </a:r>
           </a:p>
           <a:p>
             <a:pPr marL="342900" indent="-342900" algn="l" defTabSz="914400">
@@ -4926,8 +7509,10 @@
               </a:defRPr>
             </a:pPr>
             <a:r>
+              <a:rPr dirty="0" err="1"/>
               <a:t>篡改信息</a:t>
             </a:r>
+            <a:endParaRPr dirty="0"/>
           </a:p>
           <a:p>
             <a:pPr marL="342900" indent="-342900" algn="l" defTabSz="914400">
@@ -4943,33 +7528,13 @@
               </a:defRPr>
             </a:pPr>
             <a:r>
+              <a:rPr dirty="0"/>
               <a:t>   </a:t>
             </a:r>
             <a:r>
-              <a:rPr sz="2000"/>
-              <a:t>春晖发</a:t>
-            </a:r>
-            <a:r>
-              <a:rPr sz="2000"/>
-              <a:t>qq</a:t>
-            </a:r>
-            <a:r>
-              <a:rPr sz="2000"/>
-              <a:t>消息给蒙工，转</a:t>
-            </a:r>
-            <a:r>
-              <a:rPr sz="2000"/>
-              <a:t>100</a:t>
-            </a:r>
-            <a:r>
-              <a:rPr sz="2000"/>
-              <a:t>块钱到我的卡上，卡号是</a:t>
-            </a:r>
-            <a:r>
-              <a:rPr sz="2000"/>
-              <a:t>abc</a:t>
-            </a:r>
-            <a:endParaRPr sz="2000"/>
+              <a:rPr sz="2000" dirty="0"/>
+              <a:t>春晖发qq消息给蒙工，转100块钱到我的卡上，卡号是abc</a:t>
+            </a:r>
           </a:p>
           <a:p>
             <a:pPr marL="342900" indent="-342900" algn="l" defTabSz="914400">
@@ -4985,11 +7550,14 @@
               </a:defRPr>
             </a:pPr>
             <a:r>
+              <a:rPr dirty="0"/>
               <a:t>	</a:t>
             </a:r>
             <a:r>
+              <a:rPr dirty="0" err="1"/>
               <a:t>然后罗少拦截了消息，把卡号改成自己的</a:t>
             </a:r>
+            <a:endParaRPr dirty="0"/>
           </a:p>
           <a:p>
             <a:pPr marL="342900" indent="-342900" algn="l" defTabSz="914400">
@@ -5005,11 +7573,14 @@
               </a:defRPr>
             </a:pPr>
             <a:r>
+              <a:rPr dirty="0"/>
               <a:t>	</a:t>
             </a:r>
             <a:r>
+              <a:rPr dirty="0" err="1"/>
               <a:t>结果蒙工傻傻的给罗少转账了一百块钱</a:t>
             </a:r>
+            <a:endParaRPr dirty="0"/>
           </a:p>
           <a:p>
             <a:pPr marL="342900" indent="-342900" algn="l" defTabSz="914400">
@@ -5027,8 +7598,10 @@
               </a:defRPr>
             </a:pPr>
             <a:r>
+              <a:rPr dirty="0" err="1"/>
               <a:t>冒名顶替</a:t>
             </a:r>
+            <a:endParaRPr dirty="0"/>
           </a:p>
           <a:p>
             <a:pPr marL="342900" indent="-342900" algn="l" defTabSz="914400">
@@ -5044,13 +7617,8 @@
               </a:defRPr>
             </a:pPr>
             <a:r>
-              <a:t>	</a:t>
-            </a:r>
-            <a:r>
-              <a:t>春晖打电话给蒙工，我的银行卡密码是</a:t>
-            </a:r>
-            <a:r>
-              <a:t>45678</a:t>
+              <a:rPr dirty="0"/>
+              <a:t>	春晖打电话给蒙工，我的银行卡密码是45678</a:t>
             </a:r>
           </a:p>
           <a:p>
@@ -5067,11 +7635,14 @@
               </a:defRPr>
             </a:pPr>
             <a:r>
+              <a:rPr dirty="0"/>
               <a:t>	</a:t>
             </a:r>
             <a:r>
+              <a:rPr dirty="0" err="1"/>
               <a:t>其实，对方收听电话的是罗少</a:t>
             </a:r>
+            <a:endParaRPr dirty="0"/>
           </a:p>
         </p:txBody>
       </p:sp>
@@ -5094,7 +7665,7 @@
           </a:ln>
           <a:extLst>
             <a:ext uri="{C572A759-6A51-4108-AA02-DFA0A04FC94B}">
-              <ma14:wrappingTextBoxFlag xmlns:ma14="http://schemas.microsoft.com/office/mac/drawingml/2011/main" val="1"/>
+              <ma14:wrappingTextBoxFlag xmlns:ma14="http://schemas.microsoft.com/office/mac/drawingml/2011/main" xmlns="" val="1"/>
             </a:ext>
           </a:extLst>
         </p:spPr>
@@ -5112,7 +7683,6 @@
             </a:lvl1pPr>
           </a:lstStyle>
           <a:p>
-            <a:pPr/>
             <a:r>
               <a:t>-保密性</a:t>
             </a:r>
@@ -5138,7 +7708,7 @@
           </a:ln>
           <a:extLst>
             <a:ext uri="{C572A759-6A51-4108-AA02-DFA0A04FC94B}">
-              <ma14:wrappingTextBoxFlag xmlns:ma14="http://schemas.microsoft.com/office/mac/drawingml/2011/main" val="1"/>
+              <ma14:wrappingTextBoxFlag xmlns:ma14="http://schemas.microsoft.com/office/mac/drawingml/2011/main" xmlns="" val="1"/>
             </a:ext>
           </a:extLst>
         </p:spPr>
@@ -5156,7 +7726,6 @@
             </a:lvl1pPr>
           </a:lstStyle>
           <a:p>
-            <a:pPr/>
             <a:r>
               <a:t>-完整性</a:t>
             </a:r>
@@ -5171,7 +7740,7 @@
         </p:nvSpPr>
         <p:spPr>
           <a:xfrm>
-            <a:off x="4765898" y="5359399"/>
+            <a:off x="4858296" y="5071342"/>
             <a:ext cx="2183309" cy="774701"/>
           </a:xfrm>
           <a:prstGeom prst="rect">
@@ -5182,7 +7751,7 @@
           </a:ln>
           <a:extLst>
             <a:ext uri="{C572A759-6A51-4108-AA02-DFA0A04FC94B}">
-              <ma14:wrappingTextBoxFlag xmlns:ma14="http://schemas.microsoft.com/office/mac/drawingml/2011/main" val="1"/>
+              <ma14:wrappingTextBoxFlag xmlns:ma14="http://schemas.microsoft.com/office/mac/drawingml/2011/main" xmlns="" val="1"/>
             </a:ext>
           </a:extLst>
         </p:spPr>
@@ -5200,10 +7769,15 @@
             </a:lvl1pPr>
           </a:lstStyle>
           <a:p>
-            <a:pPr/>
-            <a:r>
-              <a:t>-端认证</a:t>
-            </a:r>
+            <a:r>
+              <a:rPr dirty="0"/>
+              <a:t>-</a:t>
+            </a:r>
+            <a:r>
+              <a:rPr dirty="0" err="1"/>
+              <a:t>端认证</a:t>
+            </a:r>
+            <a:endParaRPr dirty="0"/>
           </a:p>
         </p:txBody>
       </p:sp>
@@ -5212,12 +7786,12 @@
   <p:clrMapOvr>
     <a:masterClrMapping/>
   </p:clrMapOvr>
-  <p:transition xmlns:p14="http://schemas.microsoft.com/office/powerpoint/2010/main" spd="med" advClick="1"/>
+  <p:transition spd="med"/>
 </p:sld>
 </file>
 
 <file path=ppt/slides/slide5.xml><?xml version="1.0" encoding="utf-8"?>
-<p:sld xmlns:a="http://schemas.openxmlformats.org/drawingml/2006/main" xmlns:r="http://schemas.openxmlformats.org/officeDocument/2006/relationships" xmlns:p="http://schemas.openxmlformats.org/presentationml/2006/main" showMasterSp="1" showMasterPhAnim="1">
+<p:sld xmlns:a="http://schemas.openxmlformats.org/drawingml/2006/main" xmlns:r="http://schemas.openxmlformats.org/officeDocument/2006/relationships" xmlns:p="http://schemas.openxmlformats.org/presentationml/2006/main">
   <p:cSld>
     <p:spTree>
       <p:nvGrpSpPr>
@@ -5236,7 +7810,9 @@
       <p:sp>
         <p:nvSpPr>
           <p:cNvPr id="134" name="Base64"/>
-          <p:cNvSpPr txBox="1"/>
+          <p:cNvSpPr txBox="1">
+            <a:spLocks noGrp="1"/>
+          </p:cNvSpPr>
           <p:nvPr>
             <p:ph type="ctrTitle"/>
           </p:nvPr>
@@ -5258,7 +7834,6 @@
             </a:lvl1pPr>
           </a:lstStyle>
           <a:p>
-            <a:pPr/>
             <a:r>
               <a:t>通信安全三要素</a:t>
             </a:r>
@@ -5268,7 +7843,9 @@
       <p:sp>
         <p:nvSpPr>
           <p:cNvPr id="135" name="Base64是8Bit字节代码的编码方式之一，严格意义上并不算是一种加密算法。"/>
-          <p:cNvSpPr txBox="1"/>
+          <p:cNvSpPr txBox="1">
+            <a:spLocks noGrp="1"/>
+          </p:cNvSpPr>
           <p:nvPr>
             <p:ph type="subTitle" sz="half" idx="1"/>
           </p:nvPr>
@@ -5324,7 +7901,6 @@
               <a:rPr sz="2000"/>
               <a:t>春晖给蒙工打电话，用英语（罗少听不懂）</a:t>
             </a:r>
-            <a:endParaRPr sz="2000"/>
           </a:p>
           <a:p>
             <a:pPr marL="342900" indent="-342900" algn="l" defTabSz="914400">
@@ -5399,10 +7975,7 @@
               </a:defRPr>
             </a:pPr>
             <a:r>
-              <a:t>	</a:t>
-            </a:r>
-            <a:r>
-              <a:t>春晖先问个只有他和蒙工才知道答案的问题确认蒙工身份，比如，昨天晚上我们一起干了啥？</a:t>
+              <a:t>	春晖先问个只有他和蒙工才知道答案的问题确认蒙工身份，比如，昨天晚上我们一起干了啥？</a:t>
             </a:r>
           </a:p>
         </p:txBody>
@@ -5426,7 +7999,7 @@
           </a:ln>
           <a:extLst>
             <a:ext uri="{C572A759-6A51-4108-AA02-DFA0A04FC94B}">
-              <ma14:wrappingTextBoxFlag xmlns:ma14="http://schemas.microsoft.com/office/mac/drawingml/2011/main" val="1"/>
+              <ma14:wrappingTextBoxFlag xmlns:ma14="http://schemas.microsoft.com/office/mac/drawingml/2011/main" xmlns="" val="1"/>
             </a:ext>
           </a:extLst>
         </p:spPr>
@@ -5444,7 +8017,6 @@
             </a:lvl1pPr>
           </a:lstStyle>
           <a:p>
-            <a:pPr/>
             <a:r>
               <a:t>-加密算法</a:t>
             </a:r>
@@ -5470,7 +8042,7 @@
           </a:ln>
           <a:extLst>
             <a:ext uri="{C572A759-6A51-4108-AA02-DFA0A04FC94B}">
-              <ma14:wrappingTextBoxFlag xmlns:ma14="http://schemas.microsoft.com/office/mac/drawingml/2011/main" val="1"/>
+              <ma14:wrappingTextBoxFlag xmlns:ma14="http://schemas.microsoft.com/office/mac/drawingml/2011/main" xmlns="" val="1"/>
             </a:ext>
           </a:extLst>
         </p:spPr>
@@ -5488,7 +8060,6 @@
             </a:lvl1pPr>
           </a:lstStyle>
           <a:p>
-            <a:pPr/>
             <a:r>
               <a:t>-信息校验码</a:t>
             </a:r>
@@ -5503,7 +8074,7 @@
         </p:nvSpPr>
         <p:spPr>
           <a:xfrm>
-            <a:off x="4437265" y="4489449"/>
+            <a:off x="4490833" y="4332435"/>
             <a:ext cx="2098270" cy="774701"/>
           </a:xfrm>
           <a:prstGeom prst="rect">
@@ -5514,7 +8085,7 @@
           </a:ln>
           <a:extLst>
             <a:ext uri="{C572A759-6A51-4108-AA02-DFA0A04FC94B}">
-              <ma14:wrappingTextBoxFlag xmlns:ma14="http://schemas.microsoft.com/office/mac/drawingml/2011/main" val="1"/>
+              <ma14:wrappingTextBoxFlag xmlns:ma14="http://schemas.microsoft.com/office/mac/drawingml/2011/main" xmlns="" val="1"/>
             </a:ext>
           </a:extLst>
         </p:spPr>
@@ -5532,10 +8103,15 @@
             </a:lvl1pPr>
           </a:lstStyle>
           <a:p>
-            <a:pPr/>
-            <a:r>
-              <a:t>-SSL证书</a:t>
-            </a:r>
+            <a:r>
+              <a:rPr dirty="0"/>
+              <a:t>-</a:t>
+            </a:r>
+            <a:r>
+              <a:rPr dirty="0" err="1"/>
+              <a:t>SSL证书</a:t>
+            </a:r>
+            <a:endParaRPr dirty="0"/>
           </a:p>
         </p:txBody>
       </p:sp>
@@ -5544,12 +8120,12 @@
   <p:clrMapOvr>
     <a:masterClrMapping/>
   </p:clrMapOvr>
-  <p:transition xmlns:p14="http://schemas.microsoft.com/office/powerpoint/2010/main" spd="med" advClick="1"/>
+  <p:transition spd="med"/>
 </p:sld>
 </file>
 
 <file path=ppt/slides/slide6.xml><?xml version="1.0" encoding="utf-8"?>
-<p:sld xmlns:a="http://schemas.openxmlformats.org/drawingml/2006/main" xmlns:r="http://schemas.openxmlformats.org/officeDocument/2006/relationships" xmlns:p="http://schemas.openxmlformats.org/presentationml/2006/main" showMasterSp="1" showMasterPhAnim="1">
+<p:sld xmlns:a="http://schemas.openxmlformats.org/drawingml/2006/main" xmlns:r="http://schemas.openxmlformats.org/officeDocument/2006/relationships" xmlns:p="http://schemas.openxmlformats.org/presentationml/2006/main">
   <p:cSld>
     <p:spTree>
       <p:nvGrpSpPr>
@@ -5568,7 +8144,9 @@
       <p:sp>
         <p:nvSpPr>
           <p:cNvPr id="140" name="Base64"/>
-          <p:cNvSpPr txBox="1"/>
+          <p:cNvSpPr txBox="1">
+            <a:spLocks noGrp="1"/>
+          </p:cNvSpPr>
           <p:nvPr>
             <p:ph type="ctrTitle"/>
           </p:nvPr>
@@ -5590,7 +8168,6 @@
             </a:lvl1pPr>
           </a:lstStyle>
           <a:p>
-            <a:pPr/>
             <a:r>
               <a:t>密码学</a:t>
             </a:r>
@@ -5600,7 +8177,9 @@
       <p:sp>
         <p:nvSpPr>
           <p:cNvPr id="141" name="Base64是8Bit字节代码的编码方式之一，严格意义上并不算是一种加密算法。"/>
-          <p:cNvSpPr txBox="1"/>
+          <p:cNvSpPr txBox="1">
+            <a:spLocks noGrp="1"/>
+          </p:cNvSpPr>
           <p:nvPr>
             <p:ph type="subTitle" sz="half" idx="1"/>
           </p:nvPr>
@@ -5633,10 +8212,7 @@
               </a:defRPr>
             </a:pPr>
             <a:r>
-              <a:t>加密</a:t>
-            </a:r>
-            <a:r>
-              <a:t>算法</a:t>
+              <a:t>加密算法</a:t>
             </a:r>
           </a:p>
           <a:p>
@@ -5673,10 +8249,7 @@
               </a:defRPr>
             </a:pPr>
             <a:r>
-              <a:t>信息</a:t>
-            </a:r>
-            <a:r>
-              <a:t>校验码</a:t>
+              <a:t>信息校验码</a:t>
             </a:r>
           </a:p>
           <a:p>
@@ -5712,10 +8285,7 @@
               </a:defRPr>
             </a:pPr>
             <a:r>
-              <a:t>SSL</a:t>
-            </a:r>
-            <a:r>
-              <a:t>数字证书</a:t>
+              <a:t>SSL数字证书</a:t>
             </a:r>
           </a:p>
           <a:p>
@@ -5742,12 +8312,12 @@
   <p:clrMapOvr>
     <a:masterClrMapping/>
   </p:clrMapOvr>
-  <p:transition xmlns:p14="http://schemas.microsoft.com/office/powerpoint/2010/main" spd="med" advClick="1"/>
+  <p:transition spd="med"/>
 </p:sld>
 </file>
 
 <file path=ppt/slides/slide7.xml><?xml version="1.0" encoding="utf-8"?>
-<p:sld xmlns:a="http://schemas.openxmlformats.org/drawingml/2006/main" xmlns:r="http://schemas.openxmlformats.org/officeDocument/2006/relationships" xmlns:p="http://schemas.openxmlformats.org/presentationml/2006/main" showMasterSp="1" showMasterPhAnim="1">
+<p:sld xmlns:a="http://schemas.openxmlformats.org/drawingml/2006/main" xmlns:r="http://schemas.openxmlformats.org/officeDocument/2006/relationships" xmlns:p="http://schemas.openxmlformats.org/presentationml/2006/main">
   <p:cSld>
     <p:spTree>
       <p:nvGrpSpPr>
@@ -5766,7 +8336,9 @@
       <p:sp>
         <p:nvSpPr>
           <p:cNvPr id="143" name="Base64"/>
-          <p:cNvSpPr txBox="1"/>
+          <p:cNvSpPr txBox="1">
+            <a:spLocks noGrp="1"/>
+          </p:cNvSpPr>
           <p:nvPr>
             <p:ph type="ctrTitle"/>
           </p:nvPr>
@@ -5788,7 +8360,6 @@
             </a:lvl1pPr>
           </a:lstStyle>
           <a:p>
-            <a:pPr/>
             <a:r>
               <a:t>加密算法的分类</a:t>
             </a:r>
@@ -5798,7 +8369,9 @@
       <p:sp>
         <p:nvSpPr>
           <p:cNvPr id="144" name="Base64是8Bit字节代码的编码方式之一，严格意义上并不算是一种加密算法。"/>
-          <p:cNvSpPr txBox="1"/>
+          <p:cNvSpPr txBox="1">
+            <a:spLocks noGrp="1"/>
+          </p:cNvSpPr>
           <p:nvPr>
             <p:ph type="subTitle" idx="1"/>
           </p:nvPr>
@@ -5831,10 +8404,7 @@
               </a:defRPr>
             </a:pPr>
             <a:r>
-              <a:t>单向</a:t>
-            </a:r>
-            <a:r>
-              <a:t>散列</a:t>
+              <a:t>单向散列</a:t>
             </a:r>
           </a:p>
           <a:p>
@@ -5861,7 +8431,6 @@
               <a:rPr sz="2000"/>
               <a:t>如：MD5、SHA</a:t>
             </a:r>
-            <a:endParaRPr sz="2000"/>
           </a:p>
           <a:p>
             <a:pPr marL="342900" indent="-342900" algn="l" defTabSz="914400">
@@ -5879,10 +8448,7 @@
               </a:defRPr>
             </a:pPr>
             <a:r>
-              <a:t>对称</a:t>
-            </a:r>
-            <a:r>
-              <a:t>加密</a:t>
+              <a:t>对称加密</a:t>
             </a:r>
           </a:p>
           <a:p>
@@ -5922,10 +8488,7 @@
               </a:defRPr>
             </a:pPr>
             <a:r>
-              <a:t>非对称</a:t>
-            </a:r>
-            <a:r>
-              <a:t>加密</a:t>
+              <a:t>非对称加密</a:t>
             </a:r>
           </a:p>
           <a:p>
@@ -5956,12 +8519,12 @@
   <p:clrMapOvr>
     <a:masterClrMapping/>
   </p:clrMapOvr>
-  <p:transition xmlns:p14="http://schemas.microsoft.com/office/powerpoint/2010/main" spd="med" advClick="1"/>
+  <p:transition spd="med"/>
 </p:sld>
 </file>
 
 <file path=ppt/slides/slide8.xml><?xml version="1.0" encoding="utf-8"?>
-<p:sld xmlns:a="http://schemas.openxmlformats.org/drawingml/2006/main" xmlns:r="http://schemas.openxmlformats.org/officeDocument/2006/relationships" xmlns:p="http://schemas.openxmlformats.org/presentationml/2006/main" showMasterSp="1" showMasterPhAnim="1">
+<p:sld xmlns:a="http://schemas.openxmlformats.org/drawingml/2006/main" xmlns:r="http://schemas.openxmlformats.org/officeDocument/2006/relationships" xmlns:p="http://schemas.openxmlformats.org/presentationml/2006/main">
   <p:cSld>
     <p:spTree>
       <p:nvGrpSpPr>
@@ -5980,7 +8543,9 @@
       <p:sp>
         <p:nvSpPr>
           <p:cNvPr id="146" name="Base64"/>
-          <p:cNvSpPr txBox="1"/>
+          <p:cNvSpPr txBox="1">
+            <a:spLocks noGrp="1"/>
+          </p:cNvSpPr>
           <p:nvPr>
             <p:ph type="ctrTitle"/>
           </p:nvPr>
@@ -6002,7 +8567,6 @@
             </a:lvl1pPr>
           </a:lstStyle>
           <a:p>
-            <a:pPr/>
             <a:r>
               <a:t>优缺点</a:t>
             </a:r>
@@ -6012,7 +8576,9 @@
       <p:sp>
         <p:nvSpPr>
           <p:cNvPr id="147" name="Base64是8Bit字节代码的编码方式之一，严格意义上并不算是一种加密算法。"/>
-          <p:cNvSpPr txBox="1"/>
+          <p:cNvSpPr txBox="1">
+            <a:spLocks noGrp="1"/>
+          </p:cNvSpPr>
           <p:nvPr>
             <p:ph type="subTitle" idx="1"/>
           </p:nvPr>
@@ -6045,10 +8611,7 @@
               </a:defRPr>
             </a:pPr>
             <a:r>
-              <a:t>单向</a:t>
-            </a:r>
-            <a:r>
-              <a:t>散列</a:t>
+              <a:t>单向散列</a:t>
             </a:r>
           </a:p>
           <a:p>
@@ -6066,6 +8629,7 @@
                 <a:sym typeface="微软雅黑"/>
               </a:defRPr>
             </a:pPr>
+            <a:endParaRPr/>
           </a:p>
           <a:p>
             <a:pPr marL="243459" indent="-243459" algn="l" defTabSz="649223">
@@ -6082,6 +8646,7 @@
                 <a:sym typeface="微软雅黑"/>
               </a:defRPr>
             </a:pPr>
+            <a:endParaRPr/>
           </a:p>
           <a:p>
             <a:pPr marL="243459" indent="-243459" algn="l" defTabSz="649223">
@@ -6098,6 +8663,7 @@
                 <a:sym typeface="微软雅黑"/>
               </a:defRPr>
             </a:pPr>
+            <a:endParaRPr/>
           </a:p>
           <a:p>
             <a:pPr marL="243459" indent="-243459" algn="l" defTabSz="649223">
@@ -6114,6 +8680,7 @@
                 <a:sym typeface="微软雅黑"/>
               </a:defRPr>
             </a:pPr>
+            <a:endParaRPr/>
           </a:p>
           <a:p>
             <a:pPr marL="243459" indent="-243459" algn="l" defTabSz="649223">
@@ -6130,6 +8697,7 @@
                 <a:sym typeface="微软雅黑"/>
               </a:defRPr>
             </a:pPr>
+            <a:endParaRPr/>
           </a:p>
           <a:p>
             <a:pPr marL="243459" indent="-243459" algn="l" defTabSz="649223">
@@ -6164,10 +8732,7 @@
               </a:defRPr>
             </a:pPr>
             <a:r>
-              <a:t>对称</a:t>
-            </a:r>
-            <a:r>
-              <a:t>加密</a:t>
+              <a:t>对称加密</a:t>
             </a:r>
           </a:p>
           <a:p>
@@ -6200,6 +8765,7 @@
                 <a:sym typeface="微软雅黑"/>
               </a:defRPr>
             </a:pPr>
+            <a:endParaRPr/>
           </a:p>
           <a:p>
             <a:pPr marL="243459" indent="-243459" algn="l" defTabSz="649223">
@@ -6214,6 +8780,7 @@
                 <a:sym typeface="微软雅黑"/>
               </a:defRPr>
             </a:pPr>
+            <a:endParaRPr/>
           </a:p>
           <a:p>
             <a:pPr marL="243459" indent="-243459" algn="l" defTabSz="649223">
@@ -6228,6 +8795,7 @@
                 <a:sym typeface="微软雅黑"/>
               </a:defRPr>
             </a:pPr>
+            <a:endParaRPr/>
           </a:p>
           <a:p>
             <a:pPr marL="243459" indent="-243459" algn="l" defTabSz="649223">
@@ -6242,6 +8810,7 @@
                 <a:sym typeface="微软雅黑"/>
               </a:defRPr>
             </a:pPr>
+            <a:endParaRPr/>
           </a:p>
           <a:p>
             <a:pPr marL="243459" indent="-243459" algn="l" defTabSz="649223">
@@ -6259,10 +8828,7 @@
               </a:defRPr>
             </a:pPr>
             <a:r>
-              <a:t>非对称</a:t>
-            </a:r>
-            <a:r>
-              <a:t>加密</a:t>
+              <a:t>非对称加密</a:t>
             </a:r>
           </a:p>
           <a:p>
@@ -6303,7 +8869,7 @@
           </a:ln>
           <a:extLst>
             <a:ext uri="{C572A759-6A51-4108-AA02-DFA0A04FC94B}">
-              <ma14:wrappingTextBoxFlag xmlns:ma14="http://schemas.microsoft.com/office/mac/drawingml/2011/main" val="1"/>
+              <ma14:wrappingTextBoxFlag xmlns:ma14="http://schemas.microsoft.com/office/mac/drawingml/2011/main" xmlns="" val="1"/>
             </a:ext>
           </a:extLst>
         </p:spPr>
@@ -6318,7 +8884,7 @@
                 <a:spcPts val="700"/>
               </a:spcBef>
               <a:buSzPct val="100000"/>
-              <a:buAutoNum type="arabicPeriod" startAt="1"/>
+              <a:buAutoNum type="arabicPeriod"/>
               <a:defRPr sz="1800">
                 <a:solidFill>
                   <a:srgbClr val="FFFFFF"/>
@@ -6336,7 +8902,7 @@
           <a:p>
             <a:pPr marL="240631" indent="-240631" algn="l">
               <a:buSzPct val="100000"/>
-              <a:buAutoNum type="arabicPeriod" startAt="1"/>
+              <a:buAutoNum type="arabicPeriod"/>
               <a:defRPr sz="1800">
                 <a:solidFill>
                   <a:srgbClr val="FFFFFF"/>
@@ -6350,7 +8916,7 @@
           <a:p>
             <a:pPr marL="240631" indent="-240631" algn="l">
               <a:buSzPct val="100000"/>
-              <a:buAutoNum type="arabicPeriod" startAt="1"/>
+              <a:buAutoNum type="arabicPeriod"/>
               <a:defRPr sz="1800">
                 <a:solidFill>
                   <a:srgbClr val="FFFFFF"/>
@@ -6364,7 +8930,7 @@
           <a:p>
             <a:pPr marL="240631" indent="-240631" algn="l">
               <a:buSzPct val="100000"/>
-              <a:buAutoNum type="arabicPeriod" startAt="1"/>
+              <a:buAutoNum type="arabicPeriod"/>
               <a:defRPr sz="1800">
                 <a:solidFill>
                   <a:srgbClr val="FFFFFF"/>
@@ -6420,7 +8986,7 @@
           </a:ln>
           <a:extLst>
             <a:ext uri="{C572A759-6A51-4108-AA02-DFA0A04FC94B}">
-              <ma14:wrappingTextBoxFlag xmlns:ma14="http://schemas.microsoft.com/office/mac/drawingml/2011/main" val="1"/>
+              <ma14:wrappingTextBoxFlag xmlns:ma14="http://schemas.microsoft.com/office/mac/drawingml/2011/main" xmlns="" val="1"/>
             </a:ext>
           </a:extLst>
         </p:spPr>
@@ -6432,7 +8998,7 @@
           <a:p>
             <a:pPr marL="240631" indent="-240631" algn="l" defTabSz="461518">
               <a:buSzPct val="100000"/>
-              <a:buAutoNum type="arabicPeriod" startAt="1"/>
+              <a:buAutoNum type="arabicPeriod"/>
               <a:defRPr sz="1800">
                 <a:solidFill>
                   <a:srgbClr val="FFFFFF"/>
@@ -6446,7 +9012,7 @@
           <a:p>
             <a:pPr marL="240631" indent="-240631" algn="l" defTabSz="461518">
               <a:buSzPct val="100000"/>
-              <a:buAutoNum type="arabicPeriod" startAt="1"/>
+              <a:buAutoNum type="arabicPeriod"/>
               <a:defRPr sz="1800">
                 <a:solidFill>
                   <a:srgbClr val="FFFFFF"/>
@@ -6460,7 +9026,7 @@
           <a:p>
             <a:pPr marL="240631" indent="-240631" algn="l" defTabSz="461518">
               <a:buSzPct val="100000"/>
-              <a:buAutoNum type="arabicPeriod" startAt="1"/>
+              <a:buAutoNum type="arabicPeriod"/>
               <a:defRPr sz="1800">
                 <a:solidFill>
                   <a:srgbClr val="FFFFFF"/>
@@ -6486,7 +9052,7 @@
           <a:p>
             <a:pPr marL="240631" indent="-240631" algn="l" defTabSz="461518">
               <a:buSzPct val="100000"/>
-              <a:buAutoNum type="arabicPeriod" startAt="1"/>
+              <a:buAutoNum type="arabicPeriod"/>
               <a:defRPr sz="1800">
                 <a:solidFill>
                   <a:srgbClr val="FFFFFF"/>
@@ -6500,7 +9066,7 @@
           <a:p>
             <a:pPr marL="240631" indent="-240631" algn="l" defTabSz="461518">
               <a:buSzPct val="100000"/>
-              <a:buAutoNum type="arabicPeriod" startAt="1"/>
+              <a:buAutoNum type="arabicPeriod"/>
               <a:defRPr sz="1800">
                 <a:solidFill>
                   <a:srgbClr val="FFFFFF"/>
@@ -6532,7 +9098,7 @@
           </a:ln>
           <a:extLst>
             <a:ext uri="{C572A759-6A51-4108-AA02-DFA0A04FC94B}">
-              <ma14:wrappingTextBoxFlag xmlns:ma14="http://schemas.microsoft.com/office/mac/drawingml/2011/main" val="1"/>
+              <ma14:wrappingTextBoxFlag xmlns:ma14="http://schemas.microsoft.com/office/mac/drawingml/2011/main" xmlns="" val="1"/>
             </a:ext>
           </a:extLst>
         </p:spPr>
@@ -6544,7 +9110,7 @@
           <a:p>
             <a:pPr marL="240631" indent="-240631" algn="l" defTabSz="408940">
               <a:buSzPct val="100000"/>
-              <a:buAutoNum type="arabicPeriod" startAt="1"/>
+              <a:buAutoNum type="arabicPeriod"/>
               <a:defRPr sz="1800">
                 <a:solidFill>
                   <a:srgbClr val="FFFFFF"/>
@@ -6558,7 +9124,7 @@
           <a:p>
             <a:pPr marL="240631" indent="-240631" algn="l" defTabSz="408940">
               <a:buSzPct val="100000"/>
-              <a:buAutoNum type="arabicPeriod" startAt="1"/>
+              <a:buAutoNum type="arabicPeriod"/>
               <a:defRPr sz="1800">
                 <a:solidFill>
                   <a:srgbClr val="FFFFFF"/>
@@ -6616,7 +9182,7 @@
           </a:ln>
           <a:extLst>
             <a:ext uri="{C572A759-6A51-4108-AA02-DFA0A04FC94B}">
-              <ma14:wrappingTextBoxFlag xmlns:ma14="http://schemas.microsoft.com/office/mac/drawingml/2011/main" val="1"/>
+              <ma14:wrappingTextBoxFlag xmlns:ma14="http://schemas.microsoft.com/office/mac/drawingml/2011/main" xmlns="" val="1"/>
             </a:ext>
           </a:extLst>
         </p:spPr>
@@ -6626,7 +9192,6 @@
           </a:bodyPr>
           <a:lstStyle/>
           <a:p>
-            <a:pPr/>
             <a:r>
               <a:t>-多用于产生消息摘要</a:t>
             </a:r>
@@ -6652,7 +9217,7 @@
           </a:ln>
           <a:extLst>
             <a:ext uri="{C572A759-6A51-4108-AA02-DFA0A04FC94B}">
-              <ma14:wrappingTextBoxFlag xmlns:ma14="http://schemas.microsoft.com/office/mac/drawingml/2011/main" val="1"/>
+              <ma14:wrappingTextBoxFlag xmlns:ma14="http://schemas.microsoft.com/office/mac/drawingml/2011/main" xmlns="" val="1"/>
             </a:ext>
           </a:extLst>
         </p:spPr>
@@ -6662,7 +9227,6 @@
           </a:bodyPr>
           <a:lstStyle/>
           <a:p>
-            <a:pPr/>
             <a:r>
               <a:t>-多用于对通讯内容加密</a:t>
             </a:r>
@@ -6688,7 +9252,7 @@
           </a:ln>
           <a:extLst>
             <a:ext uri="{C572A759-6A51-4108-AA02-DFA0A04FC94B}">
-              <ma14:wrappingTextBoxFlag xmlns:ma14="http://schemas.microsoft.com/office/mac/drawingml/2011/main" val="1"/>
+              <ma14:wrappingTextBoxFlag xmlns:ma14="http://schemas.microsoft.com/office/mac/drawingml/2011/main" xmlns="" val="1"/>
             </a:ext>
           </a:extLst>
         </p:spPr>
@@ -6698,7 +9262,6 @@
           </a:bodyPr>
           <a:lstStyle/>
           <a:p>
-            <a:pPr/>
             <a:r>
               <a:t>-多用于建立SSL信道</a:t>
             </a:r>
@@ -6710,12 +9273,12 @@
   <p:clrMapOvr>
     <a:masterClrMapping/>
   </p:clrMapOvr>
-  <p:transition xmlns:p14="http://schemas.microsoft.com/office/powerpoint/2010/main" spd="med" advClick="1"/>
+  <p:transition spd="med"/>
 </p:sld>
 </file>
 
 <file path=ppt/slides/slide9.xml><?xml version="1.0" encoding="utf-8"?>
-<p:sld xmlns:a="http://schemas.openxmlformats.org/drawingml/2006/main" xmlns:r="http://schemas.openxmlformats.org/officeDocument/2006/relationships" xmlns:p="http://schemas.openxmlformats.org/presentationml/2006/main" showMasterSp="1" showMasterPhAnim="1">
+<p:sld xmlns:a="http://schemas.openxmlformats.org/drawingml/2006/main" xmlns:r="http://schemas.openxmlformats.org/officeDocument/2006/relationships" xmlns:p="http://schemas.openxmlformats.org/presentationml/2006/main">
   <p:cSld>
     <p:spTree>
       <p:nvGrpSpPr>
@@ -6734,7 +9297,9 @@
       <p:sp>
         <p:nvSpPr>
           <p:cNvPr id="155" name="Base64"/>
-          <p:cNvSpPr txBox="1"/>
+          <p:cNvSpPr txBox="1">
+            <a:spLocks noGrp="1"/>
+          </p:cNvSpPr>
           <p:nvPr>
             <p:ph type="ctrTitle"/>
           </p:nvPr>
@@ -6756,7 +9321,6 @@
             </a:lvl1pPr>
           </a:lstStyle>
           <a:p>
-            <a:pPr/>
             <a:r>
               <a:t>信息校验码</a:t>
             </a:r>
@@ -6766,7 +9330,9 @@
       <p:sp>
         <p:nvSpPr>
           <p:cNvPr id="156" name="Base64是8Bit字节代码的编码方式之一，严格意义上并不算是一种加密算法。"/>
-          <p:cNvSpPr txBox="1"/>
+          <p:cNvSpPr txBox="1">
+            <a:spLocks noGrp="1"/>
+          </p:cNvSpPr>
           <p:nvPr>
             <p:ph type="subTitle" idx="1"/>
           </p:nvPr>
@@ -6799,13 +9365,7 @@
               </a:defRPr>
             </a:pPr>
             <a:r>
-              <a:t>明文+</a:t>
-            </a:r>
-            <a:r>
-              <a:t>私钥</a:t>
-            </a:r>
-            <a:r>
-              <a:t>生成消息摘要，得到信息校验码</a:t>
+              <a:t>明文+私钥生成消息摘要，得到信息校验码</a:t>
             </a:r>
           </a:p>
           <a:p>
@@ -6840,6 +9400,7 @@
                 <a:sym typeface="微软雅黑"/>
               </a:defRPr>
             </a:pPr>
+            <a:endParaRPr/>
           </a:p>
           <a:p>
             <a:pPr marL="342900" indent="-342900" algn="l" defTabSz="914400">
@@ -6865,12 +9426,12 @@
   <p:clrMapOvr>
     <a:masterClrMapping/>
   </p:clrMapOvr>
-  <p:transition xmlns:p14="http://schemas.microsoft.com/office/powerpoint/2010/main" spd="med" advClick="1"/>
+  <p:transition spd="med"/>
 </p:sld>
 </file>
 
 <file path=ppt/theme/theme1.xml><?xml version="1.0" encoding="utf-8"?>
-<a:theme xmlns:a="http://schemas.openxmlformats.org/drawingml/2006/main" xmlns:r="http://schemas.openxmlformats.org/officeDocument/2006/relationships" name="Gradient">
+<a:theme xmlns:a="http://schemas.openxmlformats.org/drawingml/2006/main" name="Gradient">
   <a:themeElements>
     <a:clrScheme name="Gradient">
       <a:dk1>
@@ -6996,7 +9557,7 @@
       <a:effectStyleLst>
         <a:effectStyle>
           <a:effectLst>
-            <a:outerShdw sx="100000" sy="100000" kx="0" ky="0" algn="b" rotWithShape="0" blurRad="76200" dist="0" dir="18900000">
+            <a:outerShdw blurRad="76200" dir="18900000" rotWithShape="0">
               <a:srgbClr val="000000">
                 <a:alpha val="80000"/>
               </a:srgbClr>
@@ -7005,7 +9566,7 @@
         </a:effectStyle>
         <a:effectStyle>
           <a:effectLst>
-            <a:outerShdw sx="100000" sy="100000" kx="0" ky="0" algn="b" rotWithShape="0" blurRad="76200" dist="0" dir="18900000">
+            <a:outerShdw blurRad="76200" dir="18900000" rotWithShape="0">
               <a:srgbClr val="000000">
                 <a:alpha val="80000"/>
               </a:srgbClr>
@@ -7014,7 +9575,7 @@
         </a:effectStyle>
         <a:effectStyle>
           <a:effectLst>
-            <a:outerShdw sx="100000" sy="100000" kx="0" ky="0" algn="b" rotWithShape="0" blurRad="76200" dist="0" dir="18900000">
+            <a:outerShdw blurRad="76200" dir="18900000" rotWithShape="0">
               <a:srgbClr val="000000">
                 <a:alpha val="80000"/>
               </a:srgbClr>
@@ -7088,7 +9649,7 @@
           <a:round/>
         </a:ln>
         <a:effectLst>
-          <a:outerShdw sx="100000" sy="100000" kx="0" ky="0" algn="b" rotWithShape="0" blurRad="76200" dist="0" dir="18900000">
+          <a:outerShdw blurRad="76200" dir="18900000" rotWithShape="0">
             <a:srgbClr val="000000">
               <a:alpha val="80000"/>
             </a:srgbClr>
@@ -7096,7 +9657,7 @@
         </a:effectLst>
         <a:sp3d/>
       </a:spPr>
-      <a:bodyPr rot="0" spcFirstLastPara="1" vertOverflow="overflow" horzOverflow="overflow" vert="horz" wrap="square" lIns="50800" tIns="50800" rIns="50800" bIns="50800" numCol="1" spcCol="38100" rtlCol="0" anchor="ctr" upright="0">
+      <a:bodyPr rot="0" spcFirstLastPara="1" vertOverflow="overflow" horzOverflow="overflow" vert="horz" wrap="square" lIns="50800" tIns="50800" rIns="50800" bIns="50800" numCol="1" spcCol="38100" rtlCol="0" anchor="ctr">
         <a:spAutoFit/>
       </a:bodyPr>
       <a:lstStyle>
@@ -7115,7 +9676,7 @@
           <a:buFontTx/>
           <a:buNone/>
           <a:tabLst/>
-          <a:defRPr b="0" baseline="0" cap="none" i="0" spc="0" strike="noStrike" sz="3800" u="none" kumimoji="0" normalizeH="0">
+          <a:defRPr kumimoji="0" sz="3800" b="0" i="0" u="none" strike="noStrike" cap="none" spc="0" normalizeH="0" baseline="0">
             <a:ln>
               <a:noFill/>
             </a:ln>
@@ -7145,7 +9706,7 @@
           <a:buFontTx/>
           <a:buNone/>
           <a:tabLst/>
-          <a:defRPr b="0" baseline="0" cap="none" i="0" spc="0" strike="noStrike" sz="1800" u="none" kumimoji="0" normalizeH="0">
+          <a:defRPr kumimoji="0" sz="1800" b="0" i="0" u="none" strike="noStrike" cap="none" spc="0" normalizeH="0" baseline="0">
             <a:ln>
               <a:noFill/>
             </a:ln>
@@ -7171,7 +9732,7 @@
           <a:buFontTx/>
           <a:buNone/>
           <a:tabLst/>
-          <a:defRPr b="0" baseline="0" cap="none" i="0" spc="0" strike="noStrike" sz="1800" u="none" kumimoji="0" normalizeH="0">
+          <a:defRPr kumimoji="0" sz="1800" b="0" i="0" u="none" strike="noStrike" cap="none" spc="0" normalizeH="0" baseline="0">
             <a:ln>
               <a:noFill/>
             </a:ln>
@@ -7197,7 +9758,7 @@
           <a:buFontTx/>
           <a:buNone/>
           <a:tabLst/>
-          <a:defRPr b="0" baseline="0" cap="none" i="0" spc="0" strike="noStrike" sz="1800" u="none" kumimoji="0" normalizeH="0">
+          <a:defRPr kumimoji="0" sz="1800" b="0" i="0" u="none" strike="noStrike" cap="none" spc="0" normalizeH="0" baseline="0">
             <a:ln>
               <a:noFill/>
             </a:ln>
@@ -7223,7 +9784,7 @@
           <a:buFontTx/>
           <a:buNone/>
           <a:tabLst/>
-          <a:defRPr b="0" baseline="0" cap="none" i="0" spc="0" strike="noStrike" sz="1800" u="none" kumimoji="0" normalizeH="0">
+          <a:defRPr kumimoji="0" sz="1800" b="0" i="0" u="none" strike="noStrike" cap="none" spc="0" normalizeH="0" baseline="0">
             <a:ln>
               <a:noFill/>
             </a:ln>
@@ -7249,7 +9810,7 @@
           <a:buFontTx/>
           <a:buNone/>
           <a:tabLst/>
-          <a:defRPr b="0" baseline="0" cap="none" i="0" spc="0" strike="noStrike" sz="1800" u="none" kumimoji="0" normalizeH="0">
+          <a:defRPr kumimoji="0" sz="1800" b="0" i="0" u="none" strike="noStrike" cap="none" spc="0" normalizeH="0" baseline="0">
             <a:ln>
               <a:noFill/>
             </a:ln>
@@ -7275,7 +9836,7 @@
           <a:buFontTx/>
           <a:buNone/>
           <a:tabLst/>
-          <a:defRPr b="0" baseline="0" cap="none" i="0" spc="0" strike="noStrike" sz="1800" u="none" kumimoji="0" normalizeH="0">
+          <a:defRPr kumimoji="0" sz="1800" b="0" i="0" u="none" strike="noStrike" cap="none" spc="0" normalizeH="0" baseline="0">
             <a:ln>
               <a:noFill/>
             </a:ln>
@@ -7301,7 +9862,7 @@
           <a:buFontTx/>
           <a:buNone/>
           <a:tabLst/>
-          <a:defRPr b="0" baseline="0" cap="none" i="0" spc="0" strike="noStrike" sz="1800" u="none" kumimoji="0" normalizeH="0">
+          <a:defRPr kumimoji="0" sz="1800" b="0" i="0" u="none" strike="noStrike" cap="none" spc="0" normalizeH="0" baseline="0">
             <a:ln>
               <a:noFill/>
             </a:ln>
@@ -7327,7 +9888,7 @@
           <a:buFontTx/>
           <a:buNone/>
           <a:tabLst/>
-          <a:defRPr b="0" baseline="0" cap="none" i="0" spc="0" strike="noStrike" sz="1800" u="none" kumimoji="0" normalizeH="0">
+          <a:defRPr kumimoji="0" sz="1800" b="0" i="0" u="none" strike="noStrike" cap="none" spc="0" normalizeH="0" baseline="0">
             <a:ln>
               <a:noFill/>
             </a:ln>
@@ -7353,7 +9914,7 @@
           <a:buFontTx/>
           <a:buNone/>
           <a:tabLst/>
-          <a:defRPr b="0" baseline="0" cap="none" i="0" spc="0" strike="noStrike" sz="1800" u="none" kumimoji="0" normalizeH="0">
+          <a:defRPr kumimoji="0" sz="1800" b="0" i="0" u="none" strike="noStrike" cap="none" spc="0" normalizeH="0" baseline="0">
             <a:ln>
               <a:noFill/>
             </a:ln>
@@ -7366,9 +9927,15 @@
         </a:lvl9pPr>
       </a:lstStyle>
       <a:style>
-        <a:lnRef idx="0"/>
-        <a:fillRef idx="0"/>
-        <a:effectRef idx="0"/>
+        <a:lnRef idx="0">
+          <a:scrgbClr r="0" g="0" b="0"/>
+        </a:lnRef>
+        <a:fillRef idx="0">
+          <a:scrgbClr r="0" g="0" b="0"/>
+        </a:fillRef>
+        <a:effectRef idx="0">
+          <a:scrgbClr r="0" g="0" b="0"/>
+        </a:effectRef>
         <a:fontRef idx="none"/>
       </a:style>
     </a:spDef>
@@ -7383,7 +9950,7 @@
           <a:round/>
         </a:ln>
         <a:effectLst>
-          <a:outerShdw sx="100000" sy="100000" kx="0" ky="0" algn="b" rotWithShape="0" blurRad="76200" dist="0" dir="18900000">
+          <a:outerShdw blurRad="76200" dir="18900000" rotWithShape="0">
             <a:srgbClr val="000000">
               <a:alpha val="80000"/>
             </a:srgbClr>
@@ -7391,7 +9958,7 @@
         </a:effectLst>
         <a:sp3d/>
       </a:spPr>
-      <a:bodyPr rot="0" spcFirstLastPara="1" vertOverflow="overflow" horzOverflow="overflow" vert="horz" wrap="square" lIns="91439" tIns="45719" rIns="91439" bIns="45719" numCol="1" spcCol="38100" rtlCol="0" anchor="t" upright="0">
+      <a:bodyPr rot="0" spcFirstLastPara="1" vertOverflow="overflow" horzOverflow="overflow" vert="horz" wrap="square" lIns="91439" tIns="45719" rIns="91439" bIns="45719" numCol="1" spcCol="38100" rtlCol="0" anchor="t">
         <a:noAutofit/>
       </a:bodyPr>
       <a:lstStyle>
@@ -7410,7 +9977,7 @@
           <a:buFontTx/>
           <a:buNone/>
           <a:tabLst/>
-          <a:defRPr b="0" baseline="0" cap="none" i="0" spc="0" strike="noStrike" sz="1800" u="none" kumimoji="0" normalizeH="0">
+          <a:defRPr kumimoji="0" sz="1800" b="0" i="0" u="none" strike="noStrike" cap="none" spc="0" normalizeH="0" baseline="0">
             <a:ln>
               <a:noFill/>
             </a:ln>
@@ -7436,7 +10003,7 @@
           <a:buFontTx/>
           <a:buNone/>
           <a:tabLst/>
-          <a:defRPr b="0" baseline="0" cap="none" i="0" spc="0" strike="noStrike" sz="1800" u="none" kumimoji="0" normalizeH="0">
+          <a:defRPr kumimoji="0" sz="1800" b="0" i="0" u="none" strike="noStrike" cap="none" spc="0" normalizeH="0" baseline="0">
             <a:ln>
               <a:noFill/>
             </a:ln>
@@ -7462,7 +10029,7 @@
           <a:buFontTx/>
           <a:buNone/>
           <a:tabLst/>
-          <a:defRPr b="0" baseline="0" cap="none" i="0" spc="0" strike="noStrike" sz="1800" u="none" kumimoji="0" normalizeH="0">
+          <a:defRPr kumimoji="0" sz="1800" b="0" i="0" u="none" strike="noStrike" cap="none" spc="0" normalizeH="0" baseline="0">
             <a:ln>
               <a:noFill/>
             </a:ln>
@@ -7488,7 +10055,7 @@
           <a:buFontTx/>
           <a:buNone/>
           <a:tabLst/>
-          <a:defRPr b="0" baseline="0" cap="none" i="0" spc="0" strike="noStrike" sz="1800" u="none" kumimoji="0" normalizeH="0">
+          <a:defRPr kumimoji="0" sz="1800" b="0" i="0" u="none" strike="noStrike" cap="none" spc="0" normalizeH="0" baseline="0">
             <a:ln>
               <a:noFill/>
             </a:ln>
@@ -7514,7 +10081,7 @@
           <a:buFontTx/>
           <a:buNone/>
           <a:tabLst/>
-          <a:defRPr b="0" baseline="0" cap="none" i="0" spc="0" strike="noStrike" sz="1800" u="none" kumimoji="0" normalizeH="0">
+          <a:defRPr kumimoji="0" sz="1800" b="0" i="0" u="none" strike="noStrike" cap="none" spc="0" normalizeH="0" baseline="0">
             <a:ln>
               <a:noFill/>
             </a:ln>
@@ -7540,7 +10107,7 @@
           <a:buFontTx/>
           <a:buNone/>
           <a:tabLst/>
-          <a:defRPr b="0" baseline="0" cap="none" i="0" spc="0" strike="noStrike" sz="1800" u="none" kumimoji="0" normalizeH="0">
+          <a:defRPr kumimoji="0" sz="1800" b="0" i="0" u="none" strike="noStrike" cap="none" spc="0" normalizeH="0" baseline="0">
             <a:ln>
               <a:noFill/>
             </a:ln>
@@ -7566,7 +10133,7 @@
           <a:buFontTx/>
           <a:buNone/>
           <a:tabLst/>
-          <a:defRPr b="0" baseline="0" cap="none" i="0" spc="0" strike="noStrike" sz="1800" u="none" kumimoji="0" normalizeH="0">
+          <a:defRPr kumimoji="0" sz="1800" b="0" i="0" u="none" strike="noStrike" cap="none" spc="0" normalizeH="0" baseline="0">
             <a:ln>
               <a:noFill/>
             </a:ln>
@@ -7592,7 +10159,7 @@
           <a:buFontTx/>
           <a:buNone/>
           <a:tabLst/>
-          <a:defRPr b="0" baseline="0" cap="none" i="0" spc="0" strike="noStrike" sz="1800" u="none" kumimoji="0" normalizeH="0">
+          <a:defRPr kumimoji="0" sz="1800" b="0" i="0" u="none" strike="noStrike" cap="none" spc="0" normalizeH="0" baseline="0">
             <a:ln>
               <a:noFill/>
             </a:ln>
@@ -7618,7 +10185,7 @@
           <a:buFontTx/>
           <a:buNone/>
           <a:tabLst/>
-          <a:defRPr b="0" baseline="0" cap="none" i="0" spc="0" strike="noStrike" sz="1800" u="none" kumimoji="0" normalizeH="0">
+          <a:defRPr kumimoji="0" sz="1800" b="0" i="0" u="none" strike="noStrike" cap="none" spc="0" normalizeH="0" baseline="0">
             <a:ln>
               <a:noFill/>
             </a:ln>
@@ -7644,7 +10211,7 @@
           <a:buFontTx/>
           <a:buNone/>
           <a:tabLst/>
-          <a:defRPr b="0" baseline="0" cap="none" i="0" spc="0" strike="noStrike" sz="1800" u="none" kumimoji="0" normalizeH="0">
+          <a:defRPr kumimoji="0" sz="1800" b="0" i="0" u="none" strike="noStrike" cap="none" spc="0" normalizeH="0" baseline="0">
             <a:ln>
               <a:noFill/>
             </a:ln>
@@ -7657,9 +10224,15 @@
         </a:lvl9pPr>
       </a:lstStyle>
       <a:style>
-        <a:lnRef idx="0"/>
-        <a:fillRef idx="0"/>
-        <a:effectRef idx="0"/>
+        <a:lnRef idx="0">
+          <a:scrgbClr r="0" g="0" b="0"/>
+        </a:lnRef>
+        <a:fillRef idx="0">
+          <a:scrgbClr r="0" g="0" b="0"/>
+        </a:fillRef>
+        <a:effectRef idx="0">
+          <a:scrgbClr r="0" g="0" b="0"/>
+        </a:effectRef>
         <a:fontRef idx="none"/>
       </a:style>
     </a:lnDef>
@@ -7673,7 +10246,7 @@
         <a:effectLst/>
         <a:sp3d/>
       </a:spPr>
-      <a:bodyPr rot="0" spcFirstLastPara="1" vertOverflow="overflow" horzOverflow="overflow" vert="horz" wrap="square" lIns="50800" tIns="50800" rIns="50800" bIns="50800" numCol="1" spcCol="38100" rtlCol="0" anchor="ctr" upright="0">
+      <a:bodyPr rot="0" spcFirstLastPara="1" vertOverflow="overflow" horzOverflow="overflow" vert="horz" wrap="square" lIns="50800" tIns="50800" rIns="50800" bIns="50800" numCol="1" spcCol="38100" rtlCol="0" anchor="ctr">
         <a:spAutoFit/>
       </a:bodyPr>
       <a:lstStyle>
@@ -7692,7 +10265,7 @@
           <a:buFontTx/>
           <a:buNone/>
           <a:tabLst/>
-          <a:defRPr b="0" baseline="0" cap="none" i="0" spc="0" strike="noStrike" sz="3800" u="none" kumimoji="0" normalizeH="0">
+          <a:defRPr kumimoji="0" sz="3800" b="0" i="0" u="none" strike="noStrike" cap="none" spc="0" normalizeH="0" baseline="0">
             <a:ln>
               <a:noFill/>
             </a:ln>
@@ -7722,7 +10295,7 @@
           <a:buFontTx/>
           <a:buNone/>
           <a:tabLst/>
-          <a:defRPr b="0" baseline="0" cap="none" i="0" spc="0" strike="noStrike" sz="1800" u="none" kumimoji="0" normalizeH="0">
+          <a:defRPr kumimoji="0" sz="1800" b="0" i="0" u="none" strike="noStrike" cap="none" spc="0" normalizeH="0" baseline="0">
             <a:ln>
               <a:noFill/>
             </a:ln>
@@ -7748,7 +10321,7 @@
           <a:buFontTx/>
           <a:buNone/>
           <a:tabLst/>
-          <a:defRPr b="0" baseline="0" cap="none" i="0" spc="0" strike="noStrike" sz="1800" u="none" kumimoji="0" normalizeH="0">
+          <a:defRPr kumimoji="0" sz="1800" b="0" i="0" u="none" strike="noStrike" cap="none" spc="0" normalizeH="0" baseline="0">
             <a:ln>
               <a:noFill/>
             </a:ln>
@@ -7774,7 +10347,7 @@
           <a:buFontTx/>
           <a:buNone/>
           <a:tabLst/>
-          <a:defRPr b="0" baseline="0" cap="none" i="0" spc="0" strike="noStrike" sz="1800" u="none" kumimoji="0" normalizeH="0">
+          <a:defRPr kumimoji="0" sz="1800" b="0" i="0" u="none" strike="noStrike" cap="none" spc="0" normalizeH="0" baseline="0">
             <a:ln>
               <a:noFill/>
             </a:ln>
@@ -7800,7 +10373,7 @@
           <a:buFontTx/>
           <a:buNone/>
           <a:tabLst/>
-          <a:defRPr b="0" baseline="0" cap="none" i="0" spc="0" strike="noStrike" sz="1800" u="none" kumimoji="0" normalizeH="0">
+          <a:defRPr kumimoji="0" sz="1800" b="0" i="0" u="none" strike="noStrike" cap="none" spc="0" normalizeH="0" baseline="0">
             <a:ln>
               <a:noFill/>
             </a:ln>
@@ -7826,7 +10399,7 @@
           <a:buFontTx/>
           <a:buNone/>
           <a:tabLst/>
-          <a:defRPr b="0" baseline="0" cap="none" i="0" spc="0" strike="noStrike" sz="1800" u="none" kumimoji="0" normalizeH="0">
+          <a:defRPr kumimoji="0" sz="1800" b="0" i="0" u="none" strike="noStrike" cap="none" spc="0" normalizeH="0" baseline="0">
             <a:ln>
               <a:noFill/>
             </a:ln>
@@ -7852,7 +10425,7 @@
           <a:buFontTx/>
           <a:buNone/>
           <a:tabLst/>
-          <a:defRPr b="0" baseline="0" cap="none" i="0" spc="0" strike="noStrike" sz="1800" u="none" kumimoji="0" normalizeH="0">
+          <a:defRPr kumimoji="0" sz="1800" b="0" i="0" u="none" strike="noStrike" cap="none" spc="0" normalizeH="0" baseline="0">
             <a:ln>
               <a:noFill/>
             </a:ln>
@@ -7878,7 +10451,7 @@
           <a:buFontTx/>
           <a:buNone/>
           <a:tabLst/>
-          <a:defRPr b="0" baseline="0" cap="none" i="0" spc="0" strike="noStrike" sz="1800" u="none" kumimoji="0" normalizeH="0">
+          <a:defRPr kumimoji="0" sz="1800" b="0" i="0" u="none" strike="noStrike" cap="none" spc="0" normalizeH="0" baseline="0">
             <a:ln>
               <a:noFill/>
             </a:ln>
@@ -7904,7 +10477,7 @@
           <a:buFontTx/>
           <a:buNone/>
           <a:tabLst/>
-          <a:defRPr b="0" baseline="0" cap="none" i="0" spc="0" strike="noStrike" sz="1800" u="none" kumimoji="0" normalizeH="0">
+          <a:defRPr kumimoji="0" sz="1800" b="0" i="0" u="none" strike="noStrike" cap="none" spc="0" normalizeH="0" baseline="0">
             <a:ln>
               <a:noFill/>
             </a:ln>
@@ -7930,7 +10503,7 @@
           <a:buFontTx/>
           <a:buNone/>
           <a:tabLst/>
-          <a:defRPr b="0" baseline="0" cap="none" i="0" spc="0" strike="noStrike" sz="1800" u="none" kumimoji="0" normalizeH="0">
+          <a:defRPr kumimoji="0" sz="1800" b="0" i="0" u="none" strike="noStrike" cap="none" spc="0" normalizeH="0" baseline="0">
             <a:ln>
               <a:noFill/>
             </a:ln>
@@ -7943,18 +10516,25 @@
         </a:lvl9pPr>
       </a:lstStyle>
       <a:style>
-        <a:lnRef idx="0"/>
-        <a:fillRef idx="0"/>
-        <a:effectRef idx="0"/>
+        <a:lnRef idx="0">
+          <a:scrgbClr r="0" g="0" b="0"/>
+        </a:lnRef>
+        <a:fillRef idx="0">
+          <a:scrgbClr r="0" g="0" b="0"/>
+        </a:fillRef>
+        <a:effectRef idx="0">
+          <a:scrgbClr r="0" g="0" b="0"/>
+        </a:effectRef>
         <a:fontRef idx="none"/>
       </a:style>
     </a:txDef>
   </a:objectDefaults>
+  <a:extraClrSchemeLst/>
 </a:theme>
 </file>
 
 <file path=ppt/theme/theme2.xml><?xml version="1.0" encoding="utf-8"?>
-<a:theme xmlns:a="http://schemas.openxmlformats.org/drawingml/2006/main" xmlns:r="http://schemas.openxmlformats.org/officeDocument/2006/relationships" name="Gradient">
+<a:theme xmlns:a="http://schemas.openxmlformats.org/drawingml/2006/main" name="Gradient">
   <a:themeElements>
     <a:clrScheme name="Gradient">
       <a:dk1>
@@ -8080,7 +10660,7 @@
       <a:effectStyleLst>
         <a:effectStyle>
           <a:effectLst>
-            <a:outerShdw sx="100000" sy="100000" kx="0" ky="0" algn="b" rotWithShape="0" blurRad="76200" dist="0" dir="18900000">
+            <a:outerShdw blurRad="76200" dir="18900000" rotWithShape="0">
               <a:srgbClr val="000000">
                 <a:alpha val="80000"/>
               </a:srgbClr>
@@ -8089,7 +10669,7 @@
         </a:effectStyle>
         <a:effectStyle>
           <a:effectLst>
-            <a:outerShdw sx="100000" sy="100000" kx="0" ky="0" algn="b" rotWithShape="0" blurRad="76200" dist="0" dir="18900000">
+            <a:outerShdw blurRad="76200" dir="18900000" rotWithShape="0">
               <a:srgbClr val="000000">
                 <a:alpha val="80000"/>
               </a:srgbClr>
@@ -8098,7 +10678,7 @@
         </a:effectStyle>
         <a:effectStyle>
           <a:effectLst>
-            <a:outerShdw sx="100000" sy="100000" kx="0" ky="0" algn="b" rotWithShape="0" blurRad="76200" dist="0" dir="18900000">
+            <a:outerShdw blurRad="76200" dir="18900000" rotWithShape="0">
               <a:srgbClr val="000000">
                 <a:alpha val="80000"/>
               </a:srgbClr>
@@ -8172,7 +10752,7 @@
           <a:round/>
         </a:ln>
         <a:effectLst>
-          <a:outerShdw sx="100000" sy="100000" kx="0" ky="0" algn="b" rotWithShape="0" blurRad="76200" dist="0" dir="18900000">
+          <a:outerShdw blurRad="76200" dir="18900000" rotWithShape="0">
             <a:srgbClr val="000000">
               <a:alpha val="80000"/>
             </a:srgbClr>
@@ -8180,7 +10760,7 @@
         </a:effectLst>
         <a:sp3d/>
       </a:spPr>
-      <a:bodyPr rot="0" spcFirstLastPara="1" vertOverflow="overflow" horzOverflow="overflow" vert="horz" wrap="square" lIns="50800" tIns="50800" rIns="50800" bIns="50800" numCol="1" spcCol="38100" rtlCol="0" anchor="ctr" upright="0">
+      <a:bodyPr rot="0" spcFirstLastPara="1" vertOverflow="overflow" horzOverflow="overflow" vert="horz" wrap="square" lIns="50800" tIns="50800" rIns="50800" bIns="50800" numCol="1" spcCol="38100" rtlCol="0" anchor="ctr">
         <a:spAutoFit/>
       </a:bodyPr>
       <a:lstStyle>
@@ -8199,7 +10779,7 @@
           <a:buFontTx/>
           <a:buNone/>
           <a:tabLst/>
-          <a:defRPr b="0" baseline="0" cap="none" i="0" spc="0" strike="noStrike" sz="3800" u="none" kumimoji="0" normalizeH="0">
+          <a:defRPr kumimoji="0" sz="3800" b="0" i="0" u="none" strike="noStrike" cap="none" spc="0" normalizeH="0" baseline="0">
             <a:ln>
               <a:noFill/>
             </a:ln>
@@ -8229,7 +10809,7 @@
           <a:buFontTx/>
           <a:buNone/>
           <a:tabLst/>
-          <a:defRPr b="0" baseline="0" cap="none" i="0" spc="0" strike="noStrike" sz="1800" u="none" kumimoji="0" normalizeH="0">
+          <a:defRPr kumimoji="0" sz="1800" b="0" i="0" u="none" strike="noStrike" cap="none" spc="0" normalizeH="0" baseline="0">
             <a:ln>
               <a:noFill/>
             </a:ln>
@@ -8255,7 +10835,7 @@
           <a:buFontTx/>
           <a:buNone/>
           <a:tabLst/>
-          <a:defRPr b="0" baseline="0" cap="none" i="0" spc="0" strike="noStrike" sz="1800" u="none" kumimoji="0" normalizeH="0">
+          <a:defRPr kumimoji="0" sz="1800" b="0" i="0" u="none" strike="noStrike" cap="none" spc="0" normalizeH="0" baseline="0">
             <a:ln>
               <a:noFill/>
             </a:ln>
@@ -8281,7 +10861,7 @@
           <a:buFontTx/>
           <a:buNone/>
           <a:tabLst/>
-          <a:defRPr b="0" baseline="0" cap="none" i="0" spc="0" strike="noStrike" sz="1800" u="none" kumimoji="0" normalizeH="0">
+          <a:defRPr kumimoji="0" sz="1800" b="0" i="0" u="none" strike="noStrike" cap="none" spc="0" normalizeH="0" baseline="0">
             <a:ln>
               <a:noFill/>
             </a:ln>
@@ -8307,7 +10887,7 @@
           <a:buFontTx/>
           <a:buNone/>
           <a:tabLst/>
-          <a:defRPr b="0" baseline="0" cap="none" i="0" spc="0" strike="noStrike" sz="1800" u="none" kumimoji="0" normalizeH="0">
+          <a:defRPr kumimoji="0" sz="1800" b="0" i="0" u="none" strike="noStrike" cap="none" spc="0" normalizeH="0" baseline="0">
             <a:ln>
               <a:noFill/>
             </a:ln>
@@ -8333,7 +10913,7 @@
           <a:buFontTx/>
           <a:buNone/>
           <a:tabLst/>
-          <a:defRPr b="0" baseline="0" cap="none" i="0" spc="0" strike="noStrike" sz="1800" u="none" kumimoji="0" normalizeH="0">
+          <a:defRPr kumimoji="0" sz="1800" b="0" i="0" u="none" strike="noStrike" cap="none" spc="0" normalizeH="0" baseline="0">
             <a:ln>
               <a:noFill/>
             </a:ln>
@@ -8359,7 +10939,7 @@
           <a:buFontTx/>
           <a:buNone/>
           <a:tabLst/>
-          <a:defRPr b="0" baseline="0" cap="none" i="0" spc="0" strike="noStrike" sz="1800" u="none" kumimoji="0" normalizeH="0">
+          <a:defRPr kumimoji="0" sz="1800" b="0" i="0" u="none" strike="noStrike" cap="none" spc="0" normalizeH="0" baseline="0">
             <a:ln>
               <a:noFill/>
             </a:ln>
@@ -8385,7 +10965,7 @@
           <a:buFontTx/>
           <a:buNone/>
           <a:tabLst/>
-          <a:defRPr b="0" baseline="0" cap="none" i="0" spc="0" strike="noStrike" sz="1800" u="none" kumimoji="0" normalizeH="0">
+          <a:defRPr kumimoji="0" sz="1800" b="0" i="0" u="none" strike="noStrike" cap="none" spc="0" normalizeH="0" baseline="0">
             <a:ln>
               <a:noFill/>
             </a:ln>
@@ -8411,7 +10991,7 @@
           <a:buFontTx/>
           <a:buNone/>
           <a:tabLst/>
-          <a:defRPr b="0" baseline="0" cap="none" i="0" spc="0" strike="noStrike" sz="1800" u="none" kumimoji="0" normalizeH="0">
+          <a:defRPr kumimoji="0" sz="1800" b="0" i="0" u="none" strike="noStrike" cap="none" spc="0" normalizeH="0" baseline="0">
             <a:ln>
               <a:noFill/>
             </a:ln>
@@ -8437,7 +11017,7 @@
           <a:buFontTx/>
           <a:buNone/>
           <a:tabLst/>
-          <a:defRPr b="0" baseline="0" cap="none" i="0" spc="0" strike="noStrike" sz="1800" u="none" kumimoji="0" normalizeH="0">
+          <a:defRPr kumimoji="0" sz="1800" b="0" i="0" u="none" strike="noStrike" cap="none" spc="0" normalizeH="0" baseline="0">
             <a:ln>
               <a:noFill/>
             </a:ln>
@@ -8450,9 +11030,15 @@
         </a:lvl9pPr>
       </a:lstStyle>
       <a:style>
-        <a:lnRef idx="0"/>
-        <a:fillRef idx="0"/>
-        <a:effectRef idx="0"/>
+        <a:lnRef idx="0">
+          <a:scrgbClr r="0" g="0" b="0"/>
+        </a:lnRef>
+        <a:fillRef idx="0">
+          <a:scrgbClr r="0" g="0" b="0"/>
+        </a:fillRef>
+        <a:effectRef idx="0">
+          <a:scrgbClr r="0" g="0" b="0"/>
+        </a:effectRef>
         <a:fontRef idx="none"/>
       </a:style>
     </a:spDef>
@@ -8467,7 +11053,7 @@
           <a:round/>
         </a:ln>
         <a:effectLst>
-          <a:outerShdw sx="100000" sy="100000" kx="0" ky="0" algn="b" rotWithShape="0" blurRad="76200" dist="0" dir="18900000">
+          <a:outerShdw blurRad="76200" dir="18900000" rotWithShape="0">
             <a:srgbClr val="000000">
               <a:alpha val="80000"/>
             </a:srgbClr>
@@ -8475,7 +11061,7 @@
         </a:effectLst>
         <a:sp3d/>
       </a:spPr>
-      <a:bodyPr rot="0" spcFirstLastPara="1" vertOverflow="overflow" horzOverflow="overflow" vert="horz" wrap="square" lIns="91439" tIns="45719" rIns="91439" bIns="45719" numCol="1" spcCol="38100" rtlCol="0" anchor="t" upright="0">
+      <a:bodyPr rot="0" spcFirstLastPara="1" vertOverflow="overflow" horzOverflow="overflow" vert="horz" wrap="square" lIns="91439" tIns="45719" rIns="91439" bIns="45719" numCol="1" spcCol="38100" rtlCol="0" anchor="t">
         <a:noAutofit/>
       </a:bodyPr>
       <a:lstStyle>
@@ -8494,7 +11080,7 @@
           <a:buFontTx/>
           <a:buNone/>
           <a:tabLst/>
-          <a:defRPr b="0" baseline="0" cap="none" i="0" spc="0" strike="noStrike" sz="1800" u="none" kumimoji="0" normalizeH="0">
+          <a:defRPr kumimoji="0" sz="1800" b="0" i="0" u="none" strike="noStrike" cap="none" spc="0" normalizeH="0" baseline="0">
             <a:ln>
               <a:noFill/>
             </a:ln>
@@ -8520,7 +11106,7 @@
           <a:buFontTx/>
           <a:buNone/>
           <a:tabLst/>
-          <a:defRPr b="0" baseline="0" cap="none" i="0" spc="0" strike="noStrike" sz="1800" u="none" kumimoji="0" normalizeH="0">
+          <a:defRPr kumimoji="0" sz="1800" b="0" i="0" u="none" strike="noStrike" cap="none" spc="0" normalizeH="0" baseline="0">
             <a:ln>
               <a:noFill/>
             </a:ln>
@@ -8546,7 +11132,7 @@
           <a:buFontTx/>
           <a:buNone/>
           <a:tabLst/>
-          <a:defRPr b="0" baseline="0" cap="none" i="0" spc="0" strike="noStrike" sz="1800" u="none" kumimoji="0" normalizeH="0">
+          <a:defRPr kumimoji="0" sz="1800" b="0" i="0" u="none" strike="noStrike" cap="none" spc="0" normalizeH="0" baseline="0">
             <a:ln>
               <a:noFill/>
             </a:ln>
@@ -8572,7 +11158,7 @@
           <a:buFontTx/>
           <a:buNone/>
           <a:tabLst/>
-          <a:defRPr b="0" baseline="0" cap="none" i="0" spc="0" strike="noStrike" sz="1800" u="none" kumimoji="0" normalizeH="0">
+          <a:defRPr kumimoji="0" sz="1800" b="0" i="0" u="none" strike="noStrike" cap="none" spc="0" normalizeH="0" baseline="0">
             <a:ln>
               <a:noFill/>
             </a:ln>
@@ -8598,7 +11184,7 @@
           <a:buFontTx/>
           <a:buNone/>
           <a:tabLst/>
-          <a:defRPr b="0" baseline="0" cap="none" i="0" spc="0" strike="noStrike" sz="1800" u="none" kumimoji="0" normalizeH="0">
+          <a:defRPr kumimoji="0" sz="1800" b="0" i="0" u="none" strike="noStrike" cap="none" spc="0" normalizeH="0" baseline="0">
             <a:ln>
               <a:noFill/>
             </a:ln>
@@ -8624,7 +11210,7 @@
           <a:buFontTx/>
           <a:buNone/>
           <a:tabLst/>
-          <a:defRPr b="0" baseline="0" cap="none" i="0" spc="0" strike="noStrike" sz="1800" u="none" kumimoji="0" normalizeH="0">
+          <a:defRPr kumimoji="0" sz="1800" b="0" i="0" u="none" strike="noStrike" cap="none" spc="0" normalizeH="0" baseline="0">
             <a:ln>
               <a:noFill/>
             </a:ln>
@@ -8650,7 +11236,7 @@
           <a:buFontTx/>
           <a:buNone/>
           <a:tabLst/>
-          <a:defRPr b="0" baseline="0" cap="none" i="0" spc="0" strike="noStrike" sz="1800" u="none" kumimoji="0" normalizeH="0">
+          <a:defRPr kumimoji="0" sz="1800" b="0" i="0" u="none" strike="noStrike" cap="none" spc="0" normalizeH="0" baseline="0">
             <a:ln>
               <a:noFill/>
             </a:ln>
@@ -8676,7 +11262,7 @@
           <a:buFontTx/>
           <a:buNone/>
           <a:tabLst/>
-          <a:defRPr b="0" baseline="0" cap="none" i="0" spc="0" strike="noStrike" sz="1800" u="none" kumimoji="0" normalizeH="0">
+          <a:defRPr kumimoji="0" sz="1800" b="0" i="0" u="none" strike="noStrike" cap="none" spc="0" normalizeH="0" baseline="0">
             <a:ln>
               <a:noFill/>
             </a:ln>
@@ -8702,7 +11288,7 @@
           <a:buFontTx/>
           <a:buNone/>
           <a:tabLst/>
-          <a:defRPr b="0" baseline="0" cap="none" i="0" spc="0" strike="noStrike" sz="1800" u="none" kumimoji="0" normalizeH="0">
+          <a:defRPr kumimoji="0" sz="1800" b="0" i="0" u="none" strike="noStrike" cap="none" spc="0" normalizeH="0" baseline="0">
             <a:ln>
               <a:noFill/>
             </a:ln>
@@ -8728,7 +11314,7 @@
           <a:buFontTx/>
           <a:buNone/>
           <a:tabLst/>
-          <a:defRPr b="0" baseline="0" cap="none" i="0" spc="0" strike="noStrike" sz="1800" u="none" kumimoji="0" normalizeH="0">
+          <a:defRPr kumimoji="0" sz="1800" b="0" i="0" u="none" strike="noStrike" cap="none" spc="0" normalizeH="0" baseline="0">
             <a:ln>
               <a:noFill/>
             </a:ln>
@@ -8741,9 +11327,15 @@
         </a:lvl9pPr>
       </a:lstStyle>
       <a:style>
-        <a:lnRef idx="0"/>
-        <a:fillRef idx="0"/>
-        <a:effectRef idx="0"/>
+        <a:lnRef idx="0">
+          <a:scrgbClr r="0" g="0" b="0"/>
+        </a:lnRef>
+        <a:fillRef idx="0">
+          <a:scrgbClr r="0" g="0" b="0"/>
+        </a:fillRef>
+        <a:effectRef idx="0">
+          <a:scrgbClr r="0" g="0" b="0"/>
+        </a:effectRef>
         <a:fontRef idx="none"/>
       </a:style>
     </a:lnDef>
@@ -8757,7 +11349,7 @@
         <a:effectLst/>
         <a:sp3d/>
       </a:spPr>
-      <a:bodyPr rot="0" spcFirstLastPara="1" vertOverflow="overflow" horzOverflow="overflow" vert="horz" wrap="square" lIns="50800" tIns="50800" rIns="50800" bIns="50800" numCol="1" spcCol="38100" rtlCol="0" anchor="ctr" upright="0">
+      <a:bodyPr rot="0" spcFirstLastPara="1" vertOverflow="overflow" horzOverflow="overflow" vert="horz" wrap="square" lIns="50800" tIns="50800" rIns="50800" bIns="50800" numCol="1" spcCol="38100" rtlCol="0" anchor="ctr">
         <a:spAutoFit/>
       </a:bodyPr>
       <a:lstStyle>
@@ -8776,7 +11368,7 @@
           <a:buFontTx/>
           <a:buNone/>
           <a:tabLst/>
-          <a:defRPr b="0" baseline="0" cap="none" i="0" spc="0" strike="noStrike" sz="3800" u="none" kumimoji="0" normalizeH="0">
+          <a:defRPr kumimoji="0" sz="3800" b="0" i="0" u="none" strike="noStrike" cap="none" spc="0" normalizeH="0" baseline="0">
             <a:ln>
               <a:noFill/>
             </a:ln>
@@ -8806,7 +11398,7 @@
           <a:buFontTx/>
           <a:buNone/>
           <a:tabLst/>
-          <a:defRPr b="0" baseline="0" cap="none" i="0" spc="0" strike="noStrike" sz="1800" u="none" kumimoji="0" normalizeH="0">
+          <a:defRPr kumimoji="0" sz="1800" b="0" i="0" u="none" strike="noStrike" cap="none" spc="0" normalizeH="0" baseline="0">
             <a:ln>
               <a:noFill/>
             </a:ln>
@@ -8832,7 +11424,7 @@
           <a:buFontTx/>
           <a:buNone/>
           <a:tabLst/>
-          <a:defRPr b="0" baseline="0" cap="none" i="0" spc="0" strike="noStrike" sz="1800" u="none" kumimoji="0" normalizeH="0">
+          <a:defRPr kumimoji="0" sz="1800" b="0" i="0" u="none" strike="noStrike" cap="none" spc="0" normalizeH="0" baseline="0">
             <a:ln>
               <a:noFill/>
             </a:ln>
@@ -8858,7 +11450,7 @@
           <a:buFontTx/>
           <a:buNone/>
           <a:tabLst/>
-          <a:defRPr b="0" baseline="0" cap="none" i="0" spc="0" strike="noStrike" sz="1800" u="none" kumimoji="0" normalizeH="0">
+          <a:defRPr kumimoji="0" sz="1800" b="0" i="0" u="none" strike="noStrike" cap="none" spc="0" normalizeH="0" baseline="0">
             <a:ln>
               <a:noFill/>
             </a:ln>
@@ -8884,7 +11476,7 @@
           <a:buFontTx/>
           <a:buNone/>
           <a:tabLst/>
-          <a:defRPr b="0" baseline="0" cap="none" i="0" spc="0" strike="noStrike" sz="1800" u="none" kumimoji="0" normalizeH="0">
+          <a:defRPr kumimoji="0" sz="1800" b="0" i="0" u="none" strike="noStrike" cap="none" spc="0" normalizeH="0" baseline="0">
             <a:ln>
               <a:noFill/>
             </a:ln>
@@ -8910,7 +11502,7 @@
           <a:buFontTx/>
           <a:buNone/>
           <a:tabLst/>
-          <a:defRPr b="0" baseline="0" cap="none" i="0" spc="0" strike="noStrike" sz="1800" u="none" kumimoji="0" normalizeH="0">
+          <a:defRPr kumimoji="0" sz="1800" b="0" i="0" u="none" strike="noStrike" cap="none" spc="0" normalizeH="0" baseline="0">
             <a:ln>
               <a:noFill/>
             </a:ln>
@@ -8936,7 +11528,7 @@
           <a:buFontTx/>
           <a:buNone/>
           <a:tabLst/>
-          <a:defRPr b="0" baseline="0" cap="none" i="0" spc="0" strike="noStrike" sz="1800" u="none" kumimoji="0" normalizeH="0">
+          <a:defRPr kumimoji="0" sz="1800" b="0" i="0" u="none" strike="noStrike" cap="none" spc="0" normalizeH="0" baseline="0">
             <a:ln>
               <a:noFill/>
             </a:ln>
@@ -8962,7 +11554,7 @@
           <a:buFontTx/>
           <a:buNone/>
           <a:tabLst/>
-          <a:defRPr b="0" baseline="0" cap="none" i="0" spc="0" strike="noStrike" sz="1800" u="none" kumimoji="0" normalizeH="0">
+          <a:defRPr kumimoji="0" sz="1800" b="0" i="0" u="none" strike="noStrike" cap="none" spc="0" normalizeH="0" baseline="0">
             <a:ln>
               <a:noFill/>
             </a:ln>
@@ -8988,7 +11580,7 @@
           <a:buFontTx/>
           <a:buNone/>
           <a:tabLst/>
-          <a:defRPr b="0" baseline="0" cap="none" i="0" spc="0" strike="noStrike" sz="1800" u="none" kumimoji="0" normalizeH="0">
+          <a:defRPr kumimoji="0" sz="1800" b="0" i="0" u="none" strike="noStrike" cap="none" spc="0" normalizeH="0" baseline="0">
             <a:ln>
               <a:noFill/>
             </a:ln>
@@ -9014,7 +11606,7 @@
           <a:buFontTx/>
           <a:buNone/>
           <a:tabLst/>
-          <a:defRPr b="0" baseline="0" cap="none" i="0" spc="0" strike="noStrike" sz="1800" u="none" kumimoji="0" normalizeH="0">
+          <a:defRPr kumimoji="0" sz="1800" b="0" i="0" u="none" strike="noStrike" cap="none" spc="0" normalizeH="0" baseline="0">
             <a:ln>
               <a:noFill/>
             </a:ln>
@@ -9027,12 +11619,19 @@
         </a:lvl9pPr>
       </a:lstStyle>
       <a:style>
-        <a:lnRef idx="0"/>
-        <a:fillRef idx="0"/>
-        <a:effectRef idx="0"/>
+        <a:lnRef idx="0">
+          <a:scrgbClr r="0" g="0" b="0"/>
+        </a:lnRef>
+        <a:fillRef idx="0">
+          <a:scrgbClr r="0" g="0" b="0"/>
+        </a:fillRef>
+        <a:effectRef idx="0">
+          <a:scrgbClr r="0" g="0" b="0"/>
+        </a:effectRef>
         <a:fontRef idx="none"/>
       </a:style>
     </a:txDef>
   </a:objectDefaults>
+  <a:extraClrSchemeLst/>
 </a:theme>
 </file>